--- a/ppt/3 串.pptx
+++ b/ppt/3 串.pptx
@@ -5,7 +5,7 @@
     <p:sldMasterId id="2147483648" r:id="rId1"/>
   </p:sldMasterIdLst>
   <p:notesMasterIdLst>
-    <p:notesMasterId r:id="rId32"/>
+    <p:notesMasterId r:id="rId15"/>
   </p:notesMasterIdLst>
   <p:sldIdLst>
     <p:sldId id="258" r:id="rId2"/>
@@ -14,30 +14,13 @@
     <p:sldId id="319" r:id="rId5"/>
     <p:sldId id="320" r:id="rId6"/>
     <p:sldId id="321" r:id="rId7"/>
-    <p:sldId id="303" r:id="rId8"/>
-    <p:sldId id="305" r:id="rId9"/>
-    <p:sldId id="308" r:id="rId10"/>
-    <p:sldId id="306" r:id="rId11"/>
-    <p:sldId id="307" r:id="rId12"/>
-    <p:sldId id="288" r:id="rId13"/>
-    <p:sldId id="309" r:id="rId14"/>
-    <p:sldId id="270" r:id="rId15"/>
-    <p:sldId id="296" r:id="rId16"/>
-    <p:sldId id="297" r:id="rId17"/>
-    <p:sldId id="298" r:id="rId18"/>
-    <p:sldId id="299" r:id="rId19"/>
-    <p:sldId id="301" r:id="rId20"/>
-    <p:sldId id="311" r:id="rId21"/>
-    <p:sldId id="310" r:id="rId22"/>
-    <p:sldId id="302" r:id="rId23"/>
-    <p:sldId id="312" r:id="rId24"/>
-    <p:sldId id="313" r:id="rId25"/>
-    <p:sldId id="315" r:id="rId26"/>
-    <p:sldId id="316" r:id="rId27"/>
-    <p:sldId id="314" r:id="rId28"/>
-    <p:sldId id="317" r:id="rId29"/>
-    <p:sldId id="279" r:id="rId30"/>
-    <p:sldId id="318" r:id="rId31"/>
+    <p:sldId id="323" r:id="rId8"/>
+    <p:sldId id="322" r:id="rId9"/>
+    <p:sldId id="324" r:id="rId10"/>
+    <p:sldId id="325" r:id="rId11"/>
+    <p:sldId id="326" r:id="rId12"/>
+    <p:sldId id="279" r:id="rId13"/>
+    <p:sldId id="318" r:id="rId14"/>
   </p:sldIdLst>
   <p:sldSz cx="12192000" cy="6858000"/>
   <p:notesSz cx="6858000" cy="9144000"/>
@@ -151,28 +134,11 @@
             <p14:sldId id="319"/>
             <p14:sldId id="320"/>
             <p14:sldId id="321"/>
-            <p14:sldId id="303"/>
-            <p14:sldId id="305"/>
-            <p14:sldId id="308"/>
-            <p14:sldId id="306"/>
-            <p14:sldId id="307"/>
-            <p14:sldId id="288"/>
-            <p14:sldId id="309"/>
-            <p14:sldId id="270"/>
-            <p14:sldId id="296"/>
-            <p14:sldId id="297"/>
-            <p14:sldId id="298"/>
-            <p14:sldId id="299"/>
-            <p14:sldId id="301"/>
-            <p14:sldId id="311"/>
-            <p14:sldId id="310"/>
-            <p14:sldId id="302"/>
-            <p14:sldId id="312"/>
-            <p14:sldId id="313"/>
-            <p14:sldId id="315"/>
-            <p14:sldId id="316"/>
-            <p14:sldId id="314"/>
-            <p14:sldId id="317"/>
+            <p14:sldId id="323"/>
+            <p14:sldId id="322"/>
+            <p14:sldId id="324"/>
+            <p14:sldId id="325"/>
+            <p14:sldId id="326"/>
             <p14:sldId id="279"/>
             <p14:sldId id="318"/>
           </p14:sldIdLst>
@@ -665,8 +631,42 @@
           <a:p>
             <a:r>
               <a:rPr kumimoji="1" lang="zh-CN" altLang="en-US" dirty="0"/>
-              <a:t>切换到代码演示</a:t>
-            </a:r>
+              <a:t>思考 </a:t>
+            </a:r>
+            <a:r>
+              <a:rPr kumimoji="1" lang="en-US" altLang="zh-CN" dirty="0"/>
+              <a:t>string</a:t>
+            </a:r>
+            <a:r>
+              <a:rPr kumimoji="1" lang="zh-CN" altLang="en-US" dirty="0"/>
+              <a:t> </a:t>
+            </a:r>
+            <a:r>
+              <a:rPr kumimoji="1" lang="en-US" altLang="zh-CN" dirty="0"/>
+              <a:t>===</a:t>
+            </a:r>
+            <a:r>
+              <a:rPr kumimoji="1" lang="zh-CN" altLang="en-US" dirty="0"/>
+              <a:t> 和</a:t>
+            </a:r>
+            <a:r>
+              <a:rPr kumimoji="1" lang="en-US" altLang="zh-CN" dirty="0"/>
+              <a:t>equal</a:t>
+            </a:r>
+            <a:r>
+              <a:rPr kumimoji="1" lang="zh-CN" altLang="en-US" dirty="0"/>
+              <a:t>的区别</a:t>
+            </a:r>
+            <a:endParaRPr kumimoji="1" lang="en-US" altLang="zh-CN" dirty="0"/>
+          </a:p>
+          <a:p>
+            <a:r>
+              <a:rPr lang="en-US" altLang="zh-CN" dirty="0">
+                <a:hlinkClick r:id="rId3"/>
+              </a:rPr>
+              <a:t>https://www.cnblogs.com/dongguol/p/5845076.html</a:t>
+            </a:r>
+            <a:endParaRPr kumimoji="1" lang="zh-CN" altLang="en-US" dirty="0"/>
           </a:p>
         </p:txBody>
       </p:sp>
@@ -696,7 +696,7 @@
     </p:spTree>
     <p:extLst>
       <p:ext uri="{BB962C8B-B14F-4D97-AF65-F5344CB8AC3E}">
-        <p14:creationId xmlns:p14="http://schemas.microsoft.com/office/powerpoint/2010/main" val="1566632699"/>
+        <p14:creationId xmlns:p14="http://schemas.microsoft.com/office/powerpoint/2010/main" val="3285456080"/>
       </p:ext>
     </p:extLst>
   </p:cSld>
@@ -750,10 +750,7 @@
           <a:bodyPr/>
           <a:lstStyle/>
           <a:p>
-            <a:r>
-              <a:rPr kumimoji="1" lang="zh-CN" altLang="en-US" dirty="0"/>
-              <a:t>切换到代码演示</a:t>
-            </a:r>
+            <a:endParaRPr kumimoji="1" lang="zh-CN" altLang="en-US" dirty="0"/>
           </a:p>
         </p:txBody>
       </p:sp>
@@ -783,7 +780,7 @@
     </p:spTree>
     <p:extLst>
       <p:ext uri="{BB962C8B-B14F-4D97-AF65-F5344CB8AC3E}">
-        <p14:creationId xmlns:p14="http://schemas.microsoft.com/office/powerpoint/2010/main" val="1239165598"/>
+        <p14:creationId xmlns:p14="http://schemas.microsoft.com/office/powerpoint/2010/main" val="4167110842"/>
       </p:ext>
     </p:extLst>
   </p:cSld>
@@ -837,10 +834,7 @@
           <a:bodyPr/>
           <a:lstStyle/>
           <a:p>
-            <a:r>
-              <a:rPr kumimoji="1" lang="zh-CN" altLang="en-US" dirty="0"/>
-              <a:t>切换到代码演示</a:t>
-            </a:r>
+            <a:endParaRPr kumimoji="1" lang="zh-CN" altLang="en-US" dirty="0"/>
           </a:p>
         </p:txBody>
       </p:sp>
@@ -870,595 +864,7 @@
     </p:spTree>
     <p:extLst>
       <p:ext uri="{BB962C8B-B14F-4D97-AF65-F5344CB8AC3E}">
-        <p14:creationId xmlns:p14="http://schemas.microsoft.com/office/powerpoint/2010/main" val="1356409568"/>
-      </p:ext>
-    </p:extLst>
-  </p:cSld>
-  <p:clrMapOvr>
-    <a:masterClrMapping/>
-  </p:clrMapOvr>
-</p:notes>
-</file>
-
-<file path=ppt/notesSlides/notesSlide13.xml><?xml version="1.0" encoding="utf-8"?>
-<p:notes xmlns:a="http://schemas.openxmlformats.org/drawingml/2006/main" xmlns:r="http://schemas.openxmlformats.org/officeDocument/2006/relationships" xmlns:p="http://schemas.openxmlformats.org/presentationml/2006/main">
-  <p:cSld>
-    <p:spTree>
-      <p:nvGrpSpPr>
-        <p:cNvPr id="1" name=""/>
-        <p:cNvGrpSpPr/>
-        <p:nvPr/>
-      </p:nvGrpSpPr>
-      <p:grpSpPr>
-        <a:xfrm>
-          <a:off x="0" y="0"/>
-          <a:ext cx="0" cy="0"/>
-          <a:chOff x="0" y="0"/>
-          <a:chExt cx="0" cy="0"/>
-        </a:xfrm>
-      </p:grpSpPr>
-      <p:sp>
-        <p:nvSpPr>
-          <p:cNvPr id="2" name="幻灯片图像占位符 1"/>
-          <p:cNvSpPr>
-            <a:spLocks noGrp="1" noRot="1" noChangeAspect="1"/>
-          </p:cNvSpPr>
-          <p:nvPr>
-            <p:ph type="sldImg"/>
-          </p:nvPr>
-        </p:nvSpPr>
-        <p:spPr/>
-      </p:sp>
-      <p:sp>
-        <p:nvSpPr>
-          <p:cNvPr id="3" name="备注占位符 2"/>
-          <p:cNvSpPr>
-            <a:spLocks noGrp="1"/>
-          </p:cNvSpPr>
-          <p:nvPr>
-            <p:ph type="body" idx="1"/>
-          </p:nvPr>
-        </p:nvSpPr>
-        <p:spPr/>
-        <p:txBody>
-          <a:bodyPr/>
-          <a:lstStyle/>
-          <a:p>
-            <a:endParaRPr kumimoji="1" lang="zh-CN" altLang="en-US" dirty="0"/>
-          </a:p>
-        </p:txBody>
-      </p:sp>
-      <p:sp>
-        <p:nvSpPr>
-          <p:cNvPr id="4" name="灯片编号占位符 3"/>
-          <p:cNvSpPr>
-            <a:spLocks noGrp="1"/>
-          </p:cNvSpPr>
-          <p:nvPr>
-            <p:ph type="sldNum" sz="quarter" idx="5"/>
-          </p:nvPr>
-        </p:nvSpPr>
-        <p:spPr/>
-        <p:txBody>
-          <a:bodyPr/>
-          <a:lstStyle/>
-          <a:p>
-            <a:fld id="{0F8E57A1-C481-6944-857F-EAC8E932B5ED}" type="slidenum">
-              <a:rPr kumimoji="1" lang="zh-CN" altLang="en-US" smtClean="0"/>
-              <a:t>14</a:t>
-            </a:fld>
-            <a:endParaRPr kumimoji="1" lang="zh-CN" altLang="en-US"/>
-          </a:p>
-        </p:txBody>
-      </p:sp>
-    </p:spTree>
-    <p:extLst>
-      <p:ext uri="{BB962C8B-B14F-4D97-AF65-F5344CB8AC3E}">
-        <p14:creationId xmlns:p14="http://schemas.microsoft.com/office/powerpoint/2010/main" val="3274922708"/>
-      </p:ext>
-    </p:extLst>
-  </p:cSld>
-  <p:clrMapOvr>
-    <a:masterClrMapping/>
-  </p:clrMapOvr>
-</p:notes>
-</file>
-
-<file path=ppt/notesSlides/notesSlide14.xml><?xml version="1.0" encoding="utf-8"?>
-<p:notes xmlns:a="http://schemas.openxmlformats.org/drawingml/2006/main" xmlns:r="http://schemas.openxmlformats.org/officeDocument/2006/relationships" xmlns:p="http://schemas.openxmlformats.org/presentationml/2006/main">
-  <p:cSld>
-    <p:spTree>
-      <p:nvGrpSpPr>
-        <p:cNvPr id="1" name=""/>
-        <p:cNvGrpSpPr/>
-        <p:nvPr/>
-      </p:nvGrpSpPr>
-      <p:grpSpPr>
-        <a:xfrm>
-          <a:off x="0" y="0"/>
-          <a:ext cx="0" cy="0"/>
-          <a:chOff x="0" y="0"/>
-          <a:chExt cx="0" cy="0"/>
-        </a:xfrm>
-      </p:grpSpPr>
-      <p:sp>
-        <p:nvSpPr>
-          <p:cNvPr id="2" name="幻灯片图像占位符 1"/>
-          <p:cNvSpPr>
-            <a:spLocks noGrp="1" noRot="1" noChangeAspect="1"/>
-          </p:cNvSpPr>
-          <p:nvPr>
-            <p:ph type="sldImg"/>
-          </p:nvPr>
-        </p:nvSpPr>
-        <p:spPr/>
-      </p:sp>
-      <p:sp>
-        <p:nvSpPr>
-          <p:cNvPr id="3" name="备注占位符 2"/>
-          <p:cNvSpPr>
-            <a:spLocks noGrp="1"/>
-          </p:cNvSpPr>
-          <p:nvPr>
-            <p:ph type="body" idx="1"/>
-          </p:nvPr>
-        </p:nvSpPr>
-        <p:spPr/>
-        <p:txBody>
-          <a:bodyPr/>
-          <a:lstStyle/>
-          <a:p>
-            <a:endParaRPr kumimoji="1" lang="zh-CN" altLang="en-US" dirty="0"/>
-          </a:p>
-        </p:txBody>
-      </p:sp>
-      <p:sp>
-        <p:nvSpPr>
-          <p:cNvPr id="4" name="灯片编号占位符 3"/>
-          <p:cNvSpPr>
-            <a:spLocks noGrp="1"/>
-          </p:cNvSpPr>
-          <p:nvPr>
-            <p:ph type="sldNum" sz="quarter" idx="5"/>
-          </p:nvPr>
-        </p:nvSpPr>
-        <p:spPr/>
-        <p:txBody>
-          <a:bodyPr/>
-          <a:lstStyle/>
-          <a:p>
-            <a:fld id="{0F8E57A1-C481-6944-857F-EAC8E932B5ED}" type="slidenum">
-              <a:rPr kumimoji="1" lang="zh-CN" altLang="en-US" smtClean="0"/>
-              <a:t>15</a:t>
-            </a:fld>
-            <a:endParaRPr kumimoji="1" lang="zh-CN" altLang="en-US"/>
-          </a:p>
-        </p:txBody>
-      </p:sp>
-    </p:spTree>
-    <p:extLst>
-      <p:ext uri="{BB962C8B-B14F-4D97-AF65-F5344CB8AC3E}">
-        <p14:creationId xmlns:p14="http://schemas.microsoft.com/office/powerpoint/2010/main" val="484585094"/>
-      </p:ext>
-    </p:extLst>
-  </p:cSld>
-  <p:clrMapOvr>
-    <a:masterClrMapping/>
-  </p:clrMapOvr>
-</p:notes>
-</file>
-
-<file path=ppt/notesSlides/notesSlide15.xml><?xml version="1.0" encoding="utf-8"?>
-<p:notes xmlns:a="http://schemas.openxmlformats.org/drawingml/2006/main" xmlns:r="http://schemas.openxmlformats.org/officeDocument/2006/relationships" xmlns:p="http://schemas.openxmlformats.org/presentationml/2006/main">
-  <p:cSld>
-    <p:spTree>
-      <p:nvGrpSpPr>
-        <p:cNvPr id="1" name=""/>
-        <p:cNvGrpSpPr/>
-        <p:nvPr/>
-      </p:nvGrpSpPr>
-      <p:grpSpPr>
-        <a:xfrm>
-          <a:off x="0" y="0"/>
-          <a:ext cx="0" cy="0"/>
-          <a:chOff x="0" y="0"/>
-          <a:chExt cx="0" cy="0"/>
-        </a:xfrm>
-      </p:grpSpPr>
-      <p:sp>
-        <p:nvSpPr>
-          <p:cNvPr id="2" name="幻灯片图像占位符 1"/>
-          <p:cNvSpPr>
-            <a:spLocks noGrp="1" noRot="1" noChangeAspect="1"/>
-          </p:cNvSpPr>
-          <p:nvPr>
-            <p:ph type="sldImg"/>
-          </p:nvPr>
-        </p:nvSpPr>
-        <p:spPr/>
-      </p:sp>
-      <p:sp>
-        <p:nvSpPr>
-          <p:cNvPr id="3" name="备注占位符 2"/>
-          <p:cNvSpPr>
-            <a:spLocks noGrp="1"/>
-          </p:cNvSpPr>
-          <p:nvPr>
-            <p:ph type="body" idx="1"/>
-          </p:nvPr>
-        </p:nvSpPr>
-        <p:spPr/>
-        <p:txBody>
-          <a:bodyPr/>
-          <a:lstStyle/>
-          <a:p>
-            <a:endParaRPr kumimoji="1" lang="zh-CN" altLang="en-US" dirty="0"/>
-          </a:p>
-        </p:txBody>
-      </p:sp>
-      <p:sp>
-        <p:nvSpPr>
-          <p:cNvPr id="4" name="灯片编号占位符 3"/>
-          <p:cNvSpPr>
-            <a:spLocks noGrp="1"/>
-          </p:cNvSpPr>
-          <p:nvPr>
-            <p:ph type="sldNum" sz="quarter" idx="5"/>
-          </p:nvPr>
-        </p:nvSpPr>
-        <p:spPr/>
-        <p:txBody>
-          <a:bodyPr/>
-          <a:lstStyle/>
-          <a:p>
-            <a:fld id="{0F8E57A1-C481-6944-857F-EAC8E932B5ED}" type="slidenum">
-              <a:rPr kumimoji="1" lang="zh-CN" altLang="en-US" smtClean="0"/>
-              <a:t>16</a:t>
-            </a:fld>
-            <a:endParaRPr kumimoji="1" lang="zh-CN" altLang="en-US"/>
-          </a:p>
-        </p:txBody>
-      </p:sp>
-    </p:spTree>
-    <p:extLst>
-      <p:ext uri="{BB962C8B-B14F-4D97-AF65-F5344CB8AC3E}">
-        <p14:creationId xmlns:p14="http://schemas.microsoft.com/office/powerpoint/2010/main" val="694500134"/>
-      </p:ext>
-    </p:extLst>
-  </p:cSld>
-  <p:clrMapOvr>
-    <a:masterClrMapping/>
-  </p:clrMapOvr>
-</p:notes>
-</file>
-
-<file path=ppt/notesSlides/notesSlide16.xml><?xml version="1.0" encoding="utf-8"?>
-<p:notes xmlns:a="http://schemas.openxmlformats.org/drawingml/2006/main" xmlns:r="http://schemas.openxmlformats.org/officeDocument/2006/relationships" xmlns:p="http://schemas.openxmlformats.org/presentationml/2006/main">
-  <p:cSld>
-    <p:spTree>
-      <p:nvGrpSpPr>
-        <p:cNvPr id="1" name=""/>
-        <p:cNvGrpSpPr/>
-        <p:nvPr/>
-      </p:nvGrpSpPr>
-      <p:grpSpPr>
-        <a:xfrm>
-          <a:off x="0" y="0"/>
-          <a:ext cx="0" cy="0"/>
-          <a:chOff x="0" y="0"/>
-          <a:chExt cx="0" cy="0"/>
-        </a:xfrm>
-      </p:grpSpPr>
-      <p:sp>
-        <p:nvSpPr>
-          <p:cNvPr id="2" name="幻灯片图像占位符 1"/>
-          <p:cNvSpPr>
-            <a:spLocks noGrp="1" noRot="1" noChangeAspect="1"/>
-          </p:cNvSpPr>
-          <p:nvPr>
-            <p:ph type="sldImg"/>
-          </p:nvPr>
-        </p:nvSpPr>
-        <p:spPr/>
-      </p:sp>
-      <p:sp>
-        <p:nvSpPr>
-          <p:cNvPr id="3" name="备注占位符 2"/>
-          <p:cNvSpPr>
-            <a:spLocks noGrp="1"/>
-          </p:cNvSpPr>
-          <p:nvPr>
-            <p:ph type="body" idx="1"/>
-          </p:nvPr>
-        </p:nvSpPr>
-        <p:spPr/>
-        <p:txBody>
-          <a:bodyPr/>
-          <a:lstStyle/>
-          <a:p>
-            <a:endParaRPr kumimoji="1" lang="zh-CN" altLang="en-US" dirty="0"/>
-          </a:p>
-        </p:txBody>
-      </p:sp>
-      <p:sp>
-        <p:nvSpPr>
-          <p:cNvPr id="4" name="灯片编号占位符 3"/>
-          <p:cNvSpPr>
-            <a:spLocks noGrp="1"/>
-          </p:cNvSpPr>
-          <p:nvPr>
-            <p:ph type="sldNum" sz="quarter" idx="5"/>
-          </p:nvPr>
-        </p:nvSpPr>
-        <p:spPr/>
-        <p:txBody>
-          <a:bodyPr/>
-          <a:lstStyle/>
-          <a:p>
-            <a:fld id="{0F8E57A1-C481-6944-857F-EAC8E932B5ED}" type="slidenum">
-              <a:rPr kumimoji="1" lang="zh-CN" altLang="en-US" smtClean="0"/>
-              <a:t>17</a:t>
-            </a:fld>
-            <a:endParaRPr kumimoji="1" lang="zh-CN" altLang="en-US"/>
-          </a:p>
-        </p:txBody>
-      </p:sp>
-    </p:spTree>
-    <p:extLst>
-      <p:ext uri="{BB962C8B-B14F-4D97-AF65-F5344CB8AC3E}">
-        <p14:creationId xmlns:p14="http://schemas.microsoft.com/office/powerpoint/2010/main" val="2509766632"/>
-      </p:ext>
-    </p:extLst>
-  </p:cSld>
-  <p:clrMapOvr>
-    <a:masterClrMapping/>
-  </p:clrMapOvr>
-</p:notes>
-</file>
-
-<file path=ppt/notesSlides/notesSlide17.xml><?xml version="1.0" encoding="utf-8"?>
-<p:notes xmlns:a="http://schemas.openxmlformats.org/drawingml/2006/main" xmlns:r="http://schemas.openxmlformats.org/officeDocument/2006/relationships" xmlns:p="http://schemas.openxmlformats.org/presentationml/2006/main">
-  <p:cSld>
-    <p:spTree>
-      <p:nvGrpSpPr>
-        <p:cNvPr id="1" name=""/>
-        <p:cNvGrpSpPr/>
-        <p:nvPr/>
-      </p:nvGrpSpPr>
-      <p:grpSpPr>
-        <a:xfrm>
-          <a:off x="0" y="0"/>
-          <a:ext cx="0" cy="0"/>
-          <a:chOff x="0" y="0"/>
-          <a:chExt cx="0" cy="0"/>
-        </a:xfrm>
-      </p:grpSpPr>
-      <p:sp>
-        <p:nvSpPr>
-          <p:cNvPr id="2" name="幻灯片图像占位符 1"/>
-          <p:cNvSpPr>
-            <a:spLocks noGrp="1" noRot="1" noChangeAspect="1"/>
-          </p:cNvSpPr>
-          <p:nvPr>
-            <p:ph type="sldImg"/>
-          </p:nvPr>
-        </p:nvSpPr>
-        <p:spPr/>
-      </p:sp>
-      <p:sp>
-        <p:nvSpPr>
-          <p:cNvPr id="3" name="备注占位符 2"/>
-          <p:cNvSpPr>
-            <a:spLocks noGrp="1"/>
-          </p:cNvSpPr>
-          <p:nvPr>
-            <p:ph type="body" idx="1"/>
-          </p:nvPr>
-        </p:nvSpPr>
-        <p:spPr/>
-        <p:txBody>
-          <a:bodyPr/>
-          <a:lstStyle/>
-          <a:p>
-            <a:endParaRPr kumimoji="1" lang="zh-CN" altLang="en-US" dirty="0"/>
-          </a:p>
-        </p:txBody>
-      </p:sp>
-      <p:sp>
-        <p:nvSpPr>
-          <p:cNvPr id="4" name="灯片编号占位符 3"/>
-          <p:cNvSpPr>
-            <a:spLocks noGrp="1"/>
-          </p:cNvSpPr>
-          <p:nvPr>
-            <p:ph type="sldNum" sz="quarter" idx="5"/>
-          </p:nvPr>
-        </p:nvSpPr>
-        <p:spPr/>
-        <p:txBody>
-          <a:bodyPr/>
-          <a:lstStyle/>
-          <a:p>
-            <a:fld id="{0F8E57A1-C481-6944-857F-EAC8E932B5ED}" type="slidenum">
-              <a:rPr kumimoji="1" lang="zh-CN" altLang="en-US" smtClean="0"/>
-              <a:t>18</a:t>
-            </a:fld>
-            <a:endParaRPr kumimoji="1" lang="zh-CN" altLang="en-US"/>
-          </a:p>
-        </p:txBody>
-      </p:sp>
-    </p:spTree>
-    <p:extLst>
-      <p:ext uri="{BB962C8B-B14F-4D97-AF65-F5344CB8AC3E}">
-        <p14:creationId xmlns:p14="http://schemas.microsoft.com/office/powerpoint/2010/main" val="3400119256"/>
-      </p:ext>
-    </p:extLst>
-  </p:cSld>
-  <p:clrMapOvr>
-    <a:masterClrMapping/>
-  </p:clrMapOvr>
-</p:notes>
-</file>
-
-<file path=ppt/notesSlides/notesSlide18.xml><?xml version="1.0" encoding="utf-8"?>
-<p:notes xmlns:a="http://schemas.openxmlformats.org/drawingml/2006/main" xmlns:r="http://schemas.openxmlformats.org/officeDocument/2006/relationships" xmlns:p="http://schemas.openxmlformats.org/presentationml/2006/main">
-  <p:cSld>
-    <p:spTree>
-      <p:nvGrpSpPr>
-        <p:cNvPr id="1" name=""/>
-        <p:cNvGrpSpPr/>
-        <p:nvPr/>
-      </p:nvGrpSpPr>
-      <p:grpSpPr>
-        <a:xfrm>
-          <a:off x="0" y="0"/>
-          <a:ext cx="0" cy="0"/>
-          <a:chOff x="0" y="0"/>
-          <a:chExt cx="0" cy="0"/>
-        </a:xfrm>
-      </p:grpSpPr>
-      <p:sp>
-        <p:nvSpPr>
-          <p:cNvPr id="2" name="幻灯片图像占位符 1"/>
-          <p:cNvSpPr>
-            <a:spLocks noGrp="1" noRot="1" noChangeAspect="1"/>
-          </p:cNvSpPr>
-          <p:nvPr>
-            <p:ph type="sldImg"/>
-          </p:nvPr>
-        </p:nvSpPr>
-        <p:spPr/>
-      </p:sp>
-      <p:sp>
-        <p:nvSpPr>
-          <p:cNvPr id="3" name="备注占位符 2"/>
-          <p:cNvSpPr>
-            <a:spLocks noGrp="1"/>
-          </p:cNvSpPr>
-          <p:nvPr>
-            <p:ph type="body" idx="1"/>
-          </p:nvPr>
-        </p:nvSpPr>
-        <p:spPr/>
-        <p:txBody>
-          <a:bodyPr/>
-          <a:lstStyle/>
-          <a:p>
-            <a:endParaRPr kumimoji="1" lang="zh-CN" altLang="en-US" dirty="0"/>
-          </a:p>
-        </p:txBody>
-      </p:sp>
-      <p:sp>
-        <p:nvSpPr>
-          <p:cNvPr id="4" name="灯片编号占位符 3"/>
-          <p:cNvSpPr>
-            <a:spLocks noGrp="1"/>
-          </p:cNvSpPr>
-          <p:nvPr>
-            <p:ph type="sldNum" sz="quarter" idx="5"/>
-          </p:nvPr>
-        </p:nvSpPr>
-        <p:spPr/>
-        <p:txBody>
-          <a:bodyPr/>
-          <a:lstStyle/>
-          <a:p>
-            <a:fld id="{0F8E57A1-C481-6944-857F-EAC8E932B5ED}" type="slidenum">
-              <a:rPr kumimoji="1" lang="zh-CN" altLang="en-US" smtClean="0"/>
-              <a:t>19</a:t>
-            </a:fld>
-            <a:endParaRPr kumimoji="1" lang="zh-CN" altLang="en-US"/>
-          </a:p>
-        </p:txBody>
-      </p:sp>
-    </p:spTree>
-    <p:extLst>
-      <p:ext uri="{BB962C8B-B14F-4D97-AF65-F5344CB8AC3E}">
-        <p14:creationId xmlns:p14="http://schemas.microsoft.com/office/powerpoint/2010/main" val="1252116166"/>
-      </p:ext>
-    </p:extLst>
-  </p:cSld>
-  <p:clrMapOvr>
-    <a:masterClrMapping/>
-  </p:clrMapOvr>
-</p:notes>
-</file>
-
-<file path=ppt/notesSlides/notesSlide19.xml><?xml version="1.0" encoding="utf-8"?>
-<p:notes xmlns:a="http://schemas.openxmlformats.org/drawingml/2006/main" xmlns:r="http://schemas.openxmlformats.org/officeDocument/2006/relationships" xmlns:p="http://schemas.openxmlformats.org/presentationml/2006/main">
-  <p:cSld>
-    <p:spTree>
-      <p:nvGrpSpPr>
-        <p:cNvPr id="1" name=""/>
-        <p:cNvGrpSpPr/>
-        <p:nvPr/>
-      </p:nvGrpSpPr>
-      <p:grpSpPr>
-        <a:xfrm>
-          <a:off x="0" y="0"/>
-          <a:ext cx="0" cy="0"/>
-          <a:chOff x="0" y="0"/>
-          <a:chExt cx="0" cy="0"/>
-        </a:xfrm>
-      </p:grpSpPr>
-      <p:sp>
-        <p:nvSpPr>
-          <p:cNvPr id="2" name="幻灯片图像占位符 1"/>
-          <p:cNvSpPr>
-            <a:spLocks noGrp="1" noRot="1" noChangeAspect="1"/>
-          </p:cNvSpPr>
-          <p:nvPr>
-            <p:ph type="sldImg"/>
-          </p:nvPr>
-        </p:nvSpPr>
-        <p:spPr/>
-      </p:sp>
-      <p:sp>
-        <p:nvSpPr>
-          <p:cNvPr id="3" name="备注占位符 2"/>
-          <p:cNvSpPr>
-            <a:spLocks noGrp="1"/>
-          </p:cNvSpPr>
-          <p:nvPr>
-            <p:ph type="body" idx="1"/>
-          </p:nvPr>
-        </p:nvSpPr>
-        <p:spPr/>
-        <p:txBody>
-          <a:bodyPr/>
-          <a:lstStyle/>
-          <a:p>
-            <a:endParaRPr kumimoji="1" lang="zh-CN" altLang="en-US" dirty="0"/>
-          </a:p>
-        </p:txBody>
-      </p:sp>
-      <p:sp>
-        <p:nvSpPr>
-          <p:cNvPr id="4" name="灯片编号占位符 3"/>
-          <p:cNvSpPr>
-            <a:spLocks noGrp="1"/>
-          </p:cNvSpPr>
-          <p:nvPr>
-            <p:ph type="sldNum" sz="quarter" idx="5"/>
-          </p:nvPr>
-        </p:nvSpPr>
-        <p:spPr/>
-        <p:txBody>
-          <a:bodyPr/>
-          <a:lstStyle/>
-          <a:p>
-            <a:fld id="{0F8E57A1-C481-6944-857F-EAC8E932B5ED}" type="slidenum">
-              <a:rPr kumimoji="1" lang="zh-CN" altLang="en-US" smtClean="0"/>
-              <a:t>20</a:t>
-            </a:fld>
-            <a:endParaRPr kumimoji="1" lang="zh-CN" altLang="en-US"/>
-          </a:p>
-        </p:txBody>
-      </p:sp>
-    </p:spTree>
-    <p:extLst>
-      <p:ext uri="{BB962C8B-B14F-4D97-AF65-F5344CB8AC3E}">
-        <p14:creationId xmlns:p14="http://schemas.microsoft.com/office/powerpoint/2010/main" val="2169802275"/>
+        <p14:creationId xmlns:p14="http://schemas.microsoft.com/office/powerpoint/2010/main" val="216142064"/>
       </p:ext>
     </p:extLst>
   </p:cSld>
@@ -1546,894 +952,6 @@
     <p:extLst>
       <p:ext uri="{BB962C8B-B14F-4D97-AF65-F5344CB8AC3E}">
         <p14:creationId xmlns:p14="http://schemas.microsoft.com/office/powerpoint/2010/main" val="1217010426"/>
-      </p:ext>
-    </p:extLst>
-  </p:cSld>
-  <p:clrMapOvr>
-    <a:masterClrMapping/>
-  </p:clrMapOvr>
-</p:notes>
-</file>
-
-<file path=ppt/notesSlides/notesSlide20.xml><?xml version="1.0" encoding="utf-8"?>
-<p:notes xmlns:a="http://schemas.openxmlformats.org/drawingml/2006/main" xmlns:r="http://schemas.openxmlformats.org/officeDocument/2006/relationships" xmlns:p="http://schemas.openxmlformats.org/presentationml/2006/main">
-  <p:cSld>
-    <p:spTree>
-      <p:nvGrpSpPr>
-        <p:cNvPr id="1" name=""/>
-        <p:cNvGrpSpPr/>
-        <p:nvPr/>
-      </p:nvGrpSpPr>
-      <p:grpSpPr>
-        <a:xfrm>
-          <a:off x="0" y="0"/>
-          <a:ext cx="0" cy="0"/>
-          <a:chOff x="0" y="0"/>
-          <a:chExt cx="0" cy="0"/>
-        </a:xfrm>
-      </p:grpSpPr>
-      <p:sp>
-        <p:nvSpPr>
-          <p:cNvPr id="2" name="幻灯片图像占位符 1"/>
-          <p:cNvSpPr>
-            <a:spLocks noGrp="1" noRot="1" noChangeAspect="1"/>
-          </p:cNvSpPr>
-          <p:nvPr>
-            <p:ph type="sldImg"/>
-          </p:nvPr>
-        </p:nvSpPr>
-        <p:spPr/>
-      </p:sp>
-      <p:sp>
-        <p:nvSpPr>
-          <p:cNvPr id="3" name="备注占位符 2"/>
-          <p:cNvSpPr>
-            <a:spLocks noGrp="1"/>
-          </p:cNvSpPr>
-          <p:nvPr>
-            <p:ph type="body" idx="1"/>
-          </p:nvPr>
-        </p:nvSpPr>
-        <p:spPr/>
-        <p:txBody>
-          <a:bodyPr/>
-          <a:lstStyle/>
-          <a:p>
-            <a:endParaRPr kumimoji="1" lang="zh-CN" altLang="en-US" dirty="0"/>
-          </a:p>
-        </p:txBody>
-      </p:sp>
-      <p:sp>
-        <p:nvSpPr>
-          <p:cNvPr id="4" name="灯片编号占位符 3"/>
-          <p:cNvSpPr>
-            <a:spLocks noGrp="1"/>
-          </p:cNvSpPr>
-          <p:nvPr>
-            <p:ph type="sldNum" sz="quarter" idx="5"/>
-          </p:nvPr>
-        </p:nvSpPr>
-        <p:spPr/>
-        <p:txBody>
-          <a:bodyPr/>
-          <a:lstStyle/>
-          <a:p>
-            <a:fld id="{0F8E57A1-C481-6944-857F-EAC8E932B5ED}" type="slidenum">
-              <a:rPr kumimoji="1" lang="zh-CN" altLang="en-US" smtClean="0"/>
-              <a:t>21</a:t>
-            </a:fld>
-            <a:endParaRPr kumimoji="1" lang="zh-CN" altLang="en-US"/>
-          </a:p>
-        </p:txBody>
-      </p:sp>
-    </p:spTree>
-    <p:extLst>
-      <p:ext uri="{BB962C8B-B14F-4D97-AF65-F5344CB8AC3E}">
-        <p14:creationId xmlns:p14="http://schemas.microsoft.com/office/powerpoint/2010/main" val="3896522194"/>
-      </p:ext>
-    </p:extLst>
-  </p:cSld>
-  <p:clrMapOvr>
-    <a:masterClrMapping/>
-  </p:clrMapOvr>
-</p:notes>
-</file>
-
-<file path=ppt/notesSlides/notesSlide21.xml><?xml version="1.0" encoding="utf-8"?>
-<p:notes xmlns:a="http://schemas.openxmlformats.org/drawingml/2006/main" xmlns:r="http://schemas.openxmlformats.org/officeDocument/2006/relationships" xmlns:p="http://schemas.openxmlformats.org/presentationml/2006/main">
-  <p:cSld>
-    <p:spTree>
-      <p:nvGrpSpPr>
-        <p:cNvPr id="1" name=""/>
-        <p:cNvGrpSpPr/>
-        <p:nvPr/>
-      </p:nvGrpSpPr>
-      <p:grpSpPr>
-        <a:xfrm>
-          <a:off x="0" y="0"/>
-          <a:ext cx="0" cy="0"/>
-          <a:chOff x="0" y="0"/>
-          <a:chExt cx="0" cy="0"/>
-        </a:xfrm>
-      </p:grpSpPr>
-      <p:sp>
-        <p:nvSpPr>
-          <p:cNvPr id="2" name="幻灯片图像占位符 1"/>
-          <p:cNvSpPr>
-            <a:spLocks noGrp="1" noRot="1" noChangeAspect="1"/>
-          </p:cNvSpPr>
-          <p:nvPr>
-            <p:ph type="sldImg"/>
-          </p:nvPr>
-        </p:nvSpPr>
-        <p:spPr/>
-      </p:sp>
-      <p:sp>
-        <p:nvSpPr>
-          <p:cNvPr id="3" name="备注占位符 2"/>
-          <p:cNvSpPr>
-            <a:spLocks noGrp="1"/>
-          </p:cNvSpPr>
-          <p:nvPr>
-            <p:ph type="body" idx="1"/>
-          </p:nvPr>
-        </p:nvSpPr>
-        <p:spPr/>
-        <p:txBody>
-          <a:bodyPr/>
-          <a:lstStyle/>
-          <a:p>
-            <a:endParaRPr kumimoji="1" lang="zh-CN" altLang="en-US" dirty="0"/>
-          </a:p>
-        </p:txBody>
-      </p:sp>
-      <p:sp>
-        <p:nvSpPr>
-          <p:cNvPr id="4" name="灯片编号占位符 3"/>
-          <p:cNvSpPr>
-            <a:spLocks noGrp="1"/>
-          </p:cNvSpPr>
-          <p:nvPr>
-            <p:ph type="sldNum" sz="quarter" idx="5"/>
-          </p:nvPr>
-        </p:nvSpPr>
-        <p:spPr/>
-        <p:txBody>
-          <a:bodyPr/>
-          <a:lstStyle/>
-          <a:p>
-            <a:fld id="{0F8E57A1-C481-6944-857F-EAC8E932B5ED}" type="slidenum">
-              <a:rPr kumimoji="1" lang="zh-CN" altLang="en-US" smtClean="0"/>
-              <a:t>22</a:t>
-            </a:fld>
-            <a:endParaRPr kumimoji="1" lang="zh-CN" altLang="en-US"/>
-          </a:p>
-        </p:txBody>
-      </p:sp>
-    </p:spTree>
-    <p:extLst>
-      <p:ext uri="{BB962C8B-B14F-4D97-AF65-F5344CB8AC3E}">
-        <p14:creationId xmlns:p14="http://schemas.microsoft.com/office/powerpoint/2010/main" val="35050927"/>
-      </p:ext>
-    </p:extLst>
-  </p:cSld>
-  <p:clrMapOvr>
-    <a:masterClrMapping/>
-  </p:clrMapOvr>
-</p:notes>
-</file>
-
-<file path=ppt/notesSlides/notesSlide22.xml><?xml version="1.0" encoding="utf-8"?>
-<p:notes xmlns:a="http://schemas.openxmlformats.org/drawingml/2006/main" xmlns:r="http://schemas.openxmlformats.org/officeDocument/2006/relationships" xmlns:p="http://schemas.openxmlformats.org/presentationml/2006/main">
-  <p:cSld>
-    <p:spTree>
-      <p:nvGrpSpPr>
-        <p:cNvPr id="1" name=""/>
-        <p:cNvGrpSpPr/>
-        <p:nvPr/>
-      </p:nvGrpSpPr>
-      <p:grpSpPr>
-        <a:xfrm>
-          <a:off x="0" y="0"/>
-          <a:ext cx="0" cy="0"/>
-          <a:chOff x="0" y="0"/>
-          <a:chExt cx="0" cy="0"/>
-        </a:xfrm>
-      </p:grpSpPr>
-      <p:sp>
-        <p:nvSpPr>
-          <p:cNvPr id="2" name="幻灯片图像占位符 1"/>
-          <p:cNvSpPr>
-            <a:spLocks noGrp="1" noRot="1" noChangeAspect="1"/>
-          </p:cNvSpPr>
-          <p:nvPr>
-            <p:ph type="sldImg"/>
-          </p:nvPr>
-        </p:nvSpPr>
-        <p:spPr/>
-      </p:sp>
-      <p:sp>
-        <p:nvSpPr>
-          <p:cNvPr id="3" name="备注占位符 2"/>
-          <p:cNvSpPr>
-            <a:spLocks noGrp="1"/>
-          </p:cNvSpPr>
-          <p:nvPr>
-            <p:ph type="body" idx="1"/>
-          </p:nvPr>
-        </p:nvSpPr>
-        <p:spPr/>
-        <p:txBody>
-          <a:bodyPr/>
-          <a:lstStyle/>
-          <a:p>
-            <a:endParaRPr kumimoji="1" lang="zh-CN" altLang="en-US" dirty="0"/>
-          </a:p>
-        </p:txBody>
-      </p:sp>
-      <p:sp>
-        <p:nvSpPr>
-          <p:cNvPr id="4" name="灯片编号占位符 3"/>
-          <p:cNvSpPr>
-            <a:spLocks noGrp="1"/>
-          </p:cNvSpPr>
-          <p:nvPr>
-            <p:ph type="sldNum" sz="quarter" idx="5"/>
-          </p:nvPr>
-        </p:nvSpPr>
-        <p:spPr/>
-        <p:txBody>
-          <a:bodyPr/>
-          <a:lstStyle/>
-          <a:p>
-            <a:fld id="{0F8E57A1-C481-6944-857F-EAC8E932B5ED}" type="slidenum">
-              <a:rPr kumimoji="1" lang="zh-CN" altLang="en-US" smtClean="0"/>
-              <a:t>23</a:t>
-            </a:fld>
-            <a:endParaRPr kumimoji="1" lang="zh-CN" altLang="en-US"/>
-          </a:p>
-        </p:txBody>
-      </p:sp>
-    </p:spTree>
-    <p:extLst>
-      <p:ext uri="{BB962C8B-B14F-4D97-AF65-F5344CB8AC3E}">
-        <p14:creationId xmlns:p14="http://schemas.microsoft.com/office/powerpoint/2010/main" val="2192166362"/>
-      </p:ext>
-    </p:extLst>
-  </p:cSld>
-  <p:clrMapOvr>
-    <a:masterClrMapping/>
-  </p:clrMapOvr>
-</p:notes>
-</file>
-
-<file path=ppt/notesSlides/notesSlide23.xml><?xml version="1.0" encoding="utf-8"?>
-<p:notes xmlns:a="http://schemas.openxmlformats.org/drawingml/2006/main" xmlns:r="http://schemas.openxmlformats.org/officeDocument/2006/relationships" xmlns:p="http://schemas.openxmlformats.org/presentationml/2006/main">
-  <p:cSld>
-    <p:spTree>
-      <p:nvGrpSpPr>
-        <p:cNvPr id="1" name=""/>
-        <p:cNvGrpSpPr/>
-        <p:nvPr/>
-      </p:nvGrpSpPr>
-      <p:grpSpPr>
-        <a:xfrm>
-          <a:off x="0" y="0"/>
-          <a:ext cx="0" cy="0"/>
-          <a:chOff x="0" y="0"/>
-          <a:chExt cx="0" cy="0"/>
-        </a:xfrm>
-      </p:grpSpPr>
-      <p:sp>
-        <p:nvSpPr>
-          <p:cNvPr id="2" name="幻灯片图像占位符 1"/>
-          <p:cNvSpPr>
-            <a:spLocks noGrp="1" noRot="1" noChangeAspect="1"/>
-          </p:cNvSpPr>
-          <p:nvPr>
-            <p:ph type="sldImg"/>
-          </p:nvPr>
-        </p:nvSpPr>
-        <p:spPr/>
-      </p:sp>
-      <p:sp>
-        <p:nvSpPr>
-          <p:cNvPr id="3" name="备注占位符 2"/>
-          <p:cNvSpPr>
-            <a:spLocks noGrp="1"/>
-          </p:cNvSpPr>
-          <p:nvPr>
-            <p:ph type="body" idx="1"/>
-          </p:nvPr>
-        </p:nvSpPr>
-        <p:spPr/>
-        <p:txBody>
-          <a:bodyPr/>
-          <a:lstStyle/>
-          <a:p>
-            <a:endParaRPr kumimoji="1" lang="zh-CN" altLang="en-US" dirty="0"/>
-          </a:p>
-        </p:txBody>
-      </p:sp>
-      <p:sp>
-        <p:nvSpPr>
-          <p:cNvPr id="4" name="灯片编号占位符 3"/>
-          <p:cNvSpPr>
-            <a:spLocks noGrp="1"/>
-          </p:cNvSpPr>
-          <p:nvPr>
-            <p:ph type="sldNum" sz="quarter" idx="5"/>
-          </p:nvPr>
-        </p:nvSpPr>
-        <p:spPr/>
-        <p:txBody>
-          <a:bodyPr/>
-          <a:lstStyle/>
-          <a:p>
-            <a:fld id="{0F8E57A1-C481-6944-857F-EAC8E932B5ED}" type="slidenum">
-              <a:rPr kumimoji="1" lang="zh-CN" altLang="en-US" smtClean="0"/>
-              <a:t>24</a:t>
-            </a:fld>
-            <a:endParaRPr kumimoji="1" lang="zh-CN" altLang="en-US"/>
-          </a:p>
-        </p:txBody>
-      </p:sp>
-    </p:spTree>
-    <p:extLst>
-      <p:ext uri="{BB962C8B-B14F-4D97-AF65-F5344CB8AC3E}">
-        <p14:creationId xmlns:p14="http://schemas.microsoft.com/office/powerpoint/2010/main" val="482707892"/>
-      </p:ext>
-    </p:extLst>
-  </p:cSld>
-  <p:clrMapOvr>
-    <a:masterClrMapping/>
-  </p:clrMapOvr>
-</p:notes>
-</file>
-
-<file path=ppt/notesSlides/notesSlide24.xml><?xml version="1.0" encoding="utf-8"?>
-<p:notes xmlns:a="http://schemas.openxmlformats.org/drawingml/2006/main" xmlns:r="http://schemas.openxmlformats.org/officeDocument/2006/relationships" xmlns:p="http://schemas.openxmlformats.org/presentationml/2006/main">
-  <p:cSld>
-    <p:spTree>
-      <p:nvGrpSpPr>
-        <p:cNvPr id="1" name=""/>
-        <p:cNvGrpSpPr/>
-        <p:nvPr/>
-      </p:nvGrpSpPr>
-      <p:grpSpPr>
-        <a:xfrm>
-          <a:off x="0" y="0"/>
-          <a:ext cx="0" cy="0"/>
-          <a:chOff x="0" y="0"/>
-          <a:chExt cx="0" cy="0"/>
-        </a:xfrm>
-      </p:grpSpPr>
-      <p:sp>
-        <p:nvSpPr>
-          <p:cNvPr id="2" name="幻灯片图像占位符 1"/>
-          <p:cNvSpPr>
-            <a:spLocks noGrp="1" noRot="1" noChangeAspect="1"/>
-          </p:cNvSpPr>
-          <p:nvPr>
-            <p:ph type="sldImg"/>
-          </p:nvPr>
-        </p:nvSpPr>
-        <p:spPr/>
-      </p:sp>
-      <p:sp>
-        <p:nvSpPr>
-          <p:cNvPr id="3" name="备注占位符 2"/>
-          <p:cNvSpPr>
-            <a:spLocks noGrp="1"/>
-          </p:cNvSpPr>
-          <p:nvPr>
-            <p:ph type="body" idx="1"/>
-          </p:nvPr>
-        </p:nvSpPr>
-        <p:spPr/>
-        <p:txBody>
-          <a:bodyPr/>
-          <a:lstStyle/>
-          <a:p>
-            <a:endParaRPr kumimoji="1" lang="zh-CN" altLang="en-US" dirty="0"/>
-          </a:p>
-        </p:txBody>
-      </p:sp>
-      <p:sp>
-        <p:nvSpPr>
-          <p:cNvPr id="4" name="灯片编号占位符 3"/>
-          <p:cNvSpPr>
-            <a:spLocks noGrp="1"/>
-          </p:cNvSpPr>
-          <p:nvPr>
-            <p:ph type="sldNum" sz="quarter" idx="5"/>
-          </p:nvPr>
-        </p:nvSpPr>
-        <p:spPr/>
-        <p:txBody>
-          <a:bodyPr/>
-          <a:lstStyle/>
-          <a:p>
-            <a:fld id="{0F8E57A1-C481-6944-857F-EAC8E932B5ED}" type="slidenum">
-              <a:rPr kumimoji="1" lang="zh-CN" altLang="en-US" smtClean="0"/>
-              <a:t>25</a:t>
-            </a:fld>
-            <a:endParaRPr kumimoji="1" lang="zh-CN" altLang="en-US"/>
-          </a:p>
-        </p:txBody>
-      </p:sp>
-    </p:spTree>
-    <p:extLst>
-      <p:ext uri="{BB962C8B-B14F-4D97-AF65-F5344CB8AC3E}">
-        <p14:creationId xmlns:p14="http://schemas.microsoft.com/office/powerpoint/2010/main" val="3238264731"/>
-      </p:ext>
-    </p:extLst>
-  </p:cSld>
-  <p:clrMapOvr>
-    <a:masterClrMapping/>
-  </p:clrMapOvr>
-</p:notes>
-</file>
-
-<file path=ppt/notesSlides/notesSlide25.xml><?xml version="1.0" encoding="utf-8"?>
-<p:notes xmlns:a="http://schemas.openxmlformats.org/drawingml/2006/main" xmlns:r="http://schemas.openxmlformats.org/officeDocument/2006/relationships" xmlns:p="http://schemas.openxmlformats.org/presentationml/2006/main">
-  <p:cSld>
-    <p:spTree>
-      <p:nvGrpSpPr>
-        <p:cNvPr id="1" name=""/>
-        <p:cNvGrpSpPr/>
-        <p:nvPr/>
-      </p:nvGrpSpPr>
-      <p:grpSpPr>
-        <a:xfrm>
-          <a:off x="0" y="0"/>
-          <a:ext cx="0" cy="0"/>
-          <a:chOff x="0" y="0"/>
-          <a:chExt cx="0" cy="0"/>
-        </a:xfrm>
-      </p:grpSpPr>
-      <p:sp>
-        <p:nvSpPr>
-          <p:cNvPr id="2" name="幻灯片图像占位符 1"/>
-          <p:cNvSpPr>
-            <a:spLocks noGrp="1" noRot="1" noChangeAspect="1"/>
-          </p:cNvSpPr>
-          <p:nvPr>
-            <p:ph type="sldImg"/>
-          </p:nvPr>
-        </p:nvSpPr>
-        <p:spPr/>
-      </p:sp>
-      <p:sp>
-        <p:nvSpPr>
-          <p:cNvPr id="3" name="备注占位符 2"/>
-          <p:cNvSpPr>
-            <a:spLocks noGrp="1"/>
-          </p:cNvSpPr>
-          <p:nvPr>
-            <p:ph type="body" idx="1"/>
-          </p:nvPr>
-        </p:nvSpPr>
-        <p:spPr/>
-        <p:txBody>
-          <a:bodyPr/>
-          <a:lstStyle/>
-          <a:p>
-            <a:endParaRPr kumimoji="1" lang="zh-CN" altLang="en-US" dirty="0"/>
-          </a:p>
-        </p:txBody>
-      </p:sp>
-      <p:sp>
-        <p:nvSpPr>
-          <p:cNvPr id="4" name="灯片编号占位符 3"/>
-          <p:cNvSpPr>
-            <a:spLocks noGrp="1"/>
-          </p:cNvSpPr>
-          <p:nvPr>
-            <p:ph type="sldNum" sz="quarter" idx="5"/>
-          </p:nvPr>
-        </p:nvSpPr>
-        <p:spPr/>
-        <p:txBody>
-          <a:bodyPr/>
-          <a:lstStyle/>
-          <a:p>
-            <a:fld id="{0F8E57A1-C481-6944-857F-EAC8E932B5ED}" type="slidenum">
-              <a:rPr kumimoji="1" lang="zh-CN" altLang="en-US" smtClean="0"/>
-              <a:t>26</a:t>
-            </a:fld>
-            <a:endParaRPr kumimoji="1" lang="zh-CN" altLang="en-US"/>
-          </a:p>
-        </p:txBody>
-      </p:sp>
-    </p:spTree>
-    <p:extLst>
-      <p:ext uri="{BB962C8B-B14F-4D97-AF65-F5344CB8AC3E}">
-        <p14:creationId xmlns:p14="http://schemas.microsoft.com/office/powerpoint/2010/main" val="1917099924"/>
-      </p:ext>
-    </p:extLst>
-  </p:cSld>
-  <p:clrMapOvr>
-    <a:masterClrMapping/>
-  </p:clrMapOvr>
-</p:notes>
-</file>
-
-<file path=ppt/notesSlides/notesSlide26.xml><?xml version="1.0" encoding="utf-8"?>
-<p:notes xmlns:a="http://schemas.openxmlformats.org/drawingml/2006/main" xmlns:r="http://schemas.openxmlformats.org/officeDocument/2006/relationships" xmlns:p="http://schemas.openxmlformats.org/presentationml/2006/main">
-  <p:cSld>
-    <p:spTree>
-      <p:nvGrpSpPr>
-        <p:cNvPr id="1" name=""/>
-        <p:cNvGrpSpPr/>
-        <p:nvPr/>
-      </p:nvGrpSpPr>
-      <p:grpSpPr>
-        <a:xfrm>
-          <a:off x="0" y="0"/>
-          <a:ext cx="0" cy="0"/>
-          <a:chOff x="0" y="0"/>
-          <a:chExt cx="0" cy="0"/>
-        </a:xfrm>
-      </p:grpSpPr>
-      <p:sp>
-        <p:nvSpPr>
-          <p:cNvPr id="2" name="幻灯片图像占位符 1"/>
-          <p:cNvSpPr>
-            <a:spLocks noGrp="1" noRot="1" noChangeAspect="1"/>
-          </p:cNvSpPr>
-          <p:nvPr>
-            <p:ph type="sldImg"/>
-          </p:nvPr>
-        </p:nvSpPr>
-        <p:spPr/>
-      </p:sp>
-      <p:sp>
-        <p:nvSpPr>
-          <p:cNvPr id="3" name="备注占位符 2"/>
-          <p:cNvSpPr>
-            <a:spLocks noGrp="1"/>
-          </p:cNvSpPr>
-          <p:nvPr>
-            <p:ph type="body" idx="1"/>
-          </p:nvPr>
-        </p:nvSpPr>
-        <p:spPr/>
-        <p:txBody>
-          <a:bodyPr/>
-          <a:lstStyle/>
-          <a:p>
-            <a:endParaRPr kumimoji="1" lang="zh-CN" altLang="en-US" dirty="0"/>
-          </a:p>
-        </p:txBody>
-      </p:sp>
-      <p:sp>
-        <p:nvSpPr>
-          <p:cNvPr id="4" name="灯片编号占位符 3"/>
-          <p:cNvSpPr>
-            <a:spLocks noGrp="1"/>
-          </p:cNvSpPr>
-          <p:nvPr>
-            <p:ph type="sldNum" sz="quarter" idx="5"/>
-          </p:nvPr>
-        </p:nvSpPr>
-        <p:spPr/>
-        <p:txBody>
-          <a:bodyPr/>
-          <a:lstStyle/>
-          <a:p>
-            <a:fld id="{0F8E57A1-C481-6944-857F-EAC8E932B5ED}" type="slidenum">
-              <a:rPr kumimoji="1" lang="zh-CN" altLang="en-US" smtClean="0"/>
-              <a:t>27</a:t>
-            </a:fld>
-            <a:endParaRPr kumimoji="1" lang="zh-CN" altLang="en-US"/>
-          </a:p>
-        </p:txBody>
-      </p:sp>
-    </p:spTree>
-    <p:extLst>
-      <p:ext uri="{BB962C8B-B14F-4D97-AF65-F5344CB8AC3E}">
-        <p14:creationId xmlns:p14="http://schemas.microsoft.com/office/powerpoint/2010/main" val="2363907226"/>
-      </p:ext>
-    </p:extLst>
-  </p:cSld>
-  <p:clrMapOvr>
-    <a:masterClrMapping/>
-  </p:clrMapOvr>
-</p:notes>
-</file>
-
-<file path=ppt/notesSlides/notesSlide27.xml><?xml version="1.0" encoding="utf-8"?>
-<p:notes xmlns:a="http://schemas.openxmlformats.org/drawingml/2006/main" xmlns:r="http://schemas.openxmlformats.org/officeDocument/2006/relationships" xmlns:p="http://schemas.openxmlformats.org/presentationml/2006/main">
-  <p:cSld>
-    <p:spTree>
-      <p:nvGrpSpPr>
-        <p:cNvPr id="1" name=""/>
-        <p:cNvGrpSpPr/>
-        <p:nvPr/>
-      </p:nvGrpSpPr>
-      <p:grpSpPr>
-        <a:xfrm>
-          <a:off x="0" y="0"/>
-          <a:ext cx="0" cy="0"/>
-          <a:chOff x="0" y="0"/>
-          <a:chExt cx="0" cy="0"/>
-        </a:xfrm>
-      </p:grpSpPr>
-      <p:sp>
-        <p:nvSpPr>
-          <p:cNvPr id="2" name="幻灯片图像占位符 1"/>
-          <p:cNvSpPr>
-            <a:spLocks noGrp="1" noRot="1" noChangeAspect="1"/>
-          </p:cNvSpPr>
-          <p:nvPr>
-            <p:ph type="sldImg"/>
-          </p:nvPr>
-        </p:nvSpPr>
-        <p:spPr/>
-      </p:sp>
-      <p:sp>
-        <p:nvSpPr>
-          <p:cNvPr id="3" name="备注占位符 2"/>
-          <p:cNvSpPr>
-            <a:spLocks noGrp="1"/>
-          </p:cNvSpPr>
-          <p:nvPr>
-            <p:ph type="body" idx="1"/>
-          </p:nvPr>
-        </p:nvSpPr>
-        <p:spPr/>
-        <p:txBody>
-          <a:bodyPr/>
-          <a:lstStyle/>
-          <a:p>
-            <a:endParaRPr kumimoji="1" lang="zh-CN" altLang="en-US" dirty="0"/>
-          </a:p>
-        </p:txBody>
-      </p:sp>
-      <p:sp>
-        <p:nvSpPr>
-          <p:cNvPr id="4" name="灯片编号占位符 3"/>
-          <p:cNvSpPr>
-            <a:spLocks noGrp="1"/>
-          </p:cNvSpPr>
-          <p:nvPr>
-            <p:ph type="sldNum" sz="quarter" idx="5"/>
-          </p:nvPr>
-        </p:nvSpPr>
-        <p:spPr/>
-        <p:txBody>
-          <a:bodyPr/>
-          <a:lstStyle/>
-          <a:p>
-            <a:fld id="{0F8E57A1-C481-6944-857F-EAC8E932B5ED}" type="slidenum">
-              <a:rPr kumimoji="1" lang="zh-CN" altLang="en-US" smtClean="0"/>
-              <a:t>28</a:t>
-            </a:fld>
-            <a:endParaRPr kumimoji="1" lang="zh-CN" altLang="en-US"/>
-          </a:p>
-        </p:txBody>
-      </p:sp>
-    </p:spTree>
-    <p:extLst>
-      <p:ext uri="{BB962C8B-B14F-4D97-AF65-F5344CB8AC3E}">
-        <p14:creationId xmlns:p14="http://schemas.microsoft.com/office/powerpoint/2010/main" val="1501703115"/>
-      </p:ext>
-    </p:extLst>
-  </p:cSld>
-  <p:clrMapOvr>
-    <a:masterClrMapping/>
-  </p:clrMapOvr>
-</p:notes>
-</file>
-
-<file path=ppt/notesSlides/notesSlide28.xml><?xml version="1.0" encoding="utf-8"?>
-<p:notes xmlns:a="http://schemas.openxmlformats.org/drawingml/2006/main" xmlns:r="http://schemas.openxmlformats.org/officeDocument/2006/relationships" xmlns:p="http://schemas.openxmlformats.org/presentationml/2006/main">
-  <p:cSld>
-    <p:spTree>
-      <p:nvGrpSpPr>
-        <p:cNvPr id="1" name=""/>
-        <p:cNvGrpSpPr/>
-        <p:nvPr/>
-      </p:nvGrpSpPr>
-      <p:grpSpPr>
-        <a:xfrm>
-          <a:off x="0" y="0"/>
-          <a:ext cx="0" cy="0"/>
-          <a:chOff x="0" y="0"/>
-          <a:chExt cx="0" cy="0"/>
-        </a:xfrm>
-      </p:grpSpPr>
-      <p:sp>
-        <p:nvSpPr>
-          <p:cNvPr id="2" name="幻灯片图像占位符 1"/>
-          <p:cNvSpPr>
-            <a:spLocks noGrp="1" noRot="1" noChangeAspect="1"/>
-          </p:cNvSpPr>
-          <p:nvPr>
-            <p:ph type="sldImg"/>
-          </p:nvPr>
-        </p:nvSpPr>
-        <p:spPr/>
-      </p:sp>
-      <p:sp>
-        <p:nvSpPr>
-          <p:cNvPr id="3" name="备注占位符 2"/>
-          <p:cNvSpPr>
-            <a:spLocks noGrp="1"/>
-          </p:cNvSpPr>
-          <p:nvPr>
-            <p:ph type="body" idx="1"/>
-          </p:nvPr>
-        </p:nvSpPr>
-        <p:spPr/>
-        <p:txBody>
-          <a:bodyPr/>
-          <a:lstStyle/>
-          <a:p>
-            <a:pPr marL="0" marR="0" lvl="0" indent="0" algn="l" defTabSz="914400" rtl="0" eaLnBrk="1" fontAlgn="auto" latinLnBrk="0" hangingPunct="1">
-              <a:lnSpc>
-                <a:spcPct val="100000"/>
-              </a:lnSpc>
-              <a:spcBef>
-                <a:spcPts val="0"/>
-              </a:spcBef>
-              <a:spcAft>
-                <a:spcPts val="0"/>
-              </a:spcAft>
-              <a:buClrTx/>
-              <a:buSzTx/>
-              <a:buFontTx/>
-              <a:buNone/>
-              <a:tabLst/>
-              <a:defRPr/>
-            </a:pPr>
-            <a:r>
-              <a:rPr kumimoji="1" lang="zh-CN" altLang="en-US" dirty="0"/>
-              <a:t>另一个例子：狗会叫，猫会叫，鸭子也会叫，那他们可以抽象成 一个动物对象，这个动物对象有叫这个动作，但至于具体如何叫，就不是抽象数据模型的职责了，而是具体数据类型的职责</a:t>
-            </a:r>
-            <a:endParaRPr kumimoji="1" lang="en-US" altLang="zh-CN" dirty="0"/>
-          </a:p>
-          <a:p>
-            <a:endParaRPr kumimoji="1" lang="zh-CN" altLang="en-US" dirty="0"/>
-          </a:p>
-        </p:txBody>
-      </p:sp>
-      <p:sp>
-        <p:nvSpPr>
-          <p:cNvPr id="4" name="灯片编号占位符 3"/>
-          <p:cNvSpPr>
-            <a:spLocks noGrp="1"/>
-          </p:cNvSpPr>
-          <p:nvPr>
-            <p:ph type="sldNum" sz="quarter" idx="5"/>
-          </p:nvPr>
-        </p:nvSpPr>
-        <p:spPr/>
-        <p:txBody>
-          <a:bodyPr/>
-          <a:lstStyle/>
-          <a:p>
-            <a:fld id="{0F8E57A1-C481-6944-857F-EAC8E932B5ED}" type="slidenum">
-              <a:rPr kumimoji="1" lang="zh-CN" altLang="en-US" smtClean="0"/>
-              <a:t>29</a:t>
-            </a:fld>
-            <a:endParaRPr kumimoji="1" lang="zh-CN" altLang="en-US"/>
-          </a:p>
-        </p:txBody>
-      </p:sp>
-    </p:spTree>
-    <p:extLst>
-      <p:ext uri="{BB962C8B-B14F-4D97-AF65-F5344CB8AC3E}">
-        <p14:creationId xmlns:p14="http://schemas.microsoft.com/office/powerpoint/2010/main" val="4167110842"/>
-      </p:ext>
-    </p:extLst>
-  </p:cSld>
-  <p:clrMapOvr>
-    <a:masterClrMapping/>
-  </p:clrMapOvr>
-</p:notes>
-</file>
-
-<file path=ppt/notesSlides/notesSlide29.xml><?xml version="1.0" encoding="utf-8"?>
-<p:notes xmlns:a="http://schemas.openxmlformats.org/drawingml/2006/main" xmlns:r="http://schemas.openxmlformats.org/officeDocument/2006/relationships" xmlns:p="http://schemas.openxmlformats.org/presentationml/2006/main">
-  <p:cSld>
-    <p:spTree>
-      <p:nvGrpSpPr>
-        <p:cNvPr id="1" name=""/>
-        <p:cNvGrpSpPr/>
-        <p:nvPr/>
-      </p:nvGrpSpPr>
-      <p:grpSpPr>
-        <a:xfrm>
-          <a:off x="0" y="0"/>
-          <a:ext cx="0" cy="0"/>
-          <a:chOff x="0" y="0"/>
-          <a:chExt cx="0" cy="0"/>
-        </a:xfrm>
-      </p:grpSpPr>
-      <p:sp>
-        <p:nvSpPr>
-          <p:cNvPr id="2" name="幻灯片图像占位符 1"/>
-          <p:cNvSpPr>
-            <a:spLocks noGrp="1" noRot="1" noChangeAspect="1"/>
-          </p:cNvSpPr>
-          <p:nvPr>
-            <p:ph type="sldImg"/>
-          </p:nvPr>
-        </p:nvSpPr>
-        <p:spPr/>
-      </p:sp>
-      <p:sp>
-        <p:nvSpPr>
-          <p:cNvPr id="3" name="备注占位符 2"/>
-          <p:cNvSpPr>
-            <a:spLocks noGrp="1"/>
-          </p:cNvSpPr>
-          <p:nvPr>
-            <p:ph type="body" idx="1"/>
-          </p:nvPr>
-        </p:nvSpPr>
-        <p:spPr/>
-        <p:txBody>
-          <a:bodyPr/>
-          <a:lstStyle/>
-          <a:p>
-            <a:pPr marL="0" marR="0" lvl="0" indent="0" algn="l" defTabSz="914400" rtl="0" eaLnBrk="1" fontAlgn="auto" latinLnBrk="0" hangingPunct="1">
-              <a:lnSpc>
-                <a:spcPct val="100000"/>
-              </a:lnSpc>
-              <a:spcBef>
-                <a:spcPts val="0"/>
-              </a:spcBef>
-              <a:spcAft>
-                <a:spcPts val="0"/>
-              </a:spcAft>
-              <a:buClrTx/>
-              <a:buSzTx/>
-              <a:buFontTx/>
-              <a:buNone/>
-              <a:tabLst/>
-              <a:defRPr/>
-            </a:pPr>
-            <a:r>
-              <a:rPr kumimoji="1" lang="zh-CN" altLang="en-US" dirty="0"/>
-              <a:t>另一个例子：狗会叫，猫会叫，鸭子也会叫，那他们可以抽象成 一个动物对象，这个动物对象有叫这个动作，但至于具体如何叫，就不是抽象数据模型的职责了，而是具体数据类型的职责</a:t>
-            </a:r>
-            <a:endParaRPr kumimoji="1" lang="en-US" altLang="zh-CN" dirty="0"/>
-          </a:p>
-          <a:p>
-            <a:endParaRPr kumimoji="1" lang="zh-CN" altLang="en-US" dirty="0"/>
-          </a:p>
-        </p:txBody>
-      </p:sp>
-      <p:sp>
-        <p:nvSpPr>
-          <p:cNvPr id="4" name="灯片编号占位符 3"/>
-          <p:cNvSpPr>
-            <a:spLocks noGrp="1"/>
-          </p:cNvSpPr>
-          <p:nvPr>
-            <p:ph type="sldNum" sz="quarter" idx="5"/>
-          </p:nvPr>
-        </p:nvSpPr>
-        <p:spPr/>
-        <p:txBody>
-          <a:bodyPr/>
-          <a:lstStyle/>
-          <a:p>
-            <a:fld id="{0F8E57A1-C481-6944-857F-EAC8E932B5ED}" type="slidenum">
-              <a:rPr kumimoji="1" lang="zh-CN" altLang="en-US" smtClean="0"/>
-              <a:t>30</a:t>
-            </a:fld>
-            <a:endParaRPr kumimoji="1" lang="zh-CN" altLang="en-US"/>
-          </a:p>
-        </p:txBody>
-      </p:sp>
-    </p:spTree>
-    <p:extLst>
-      <p:ext uri="{BB962C8B-B14F-4D97-AF65-F5344CB8AC3E}">
-        <p14:creationId xmlns:p14="http://schemas.microsoft.com/office/powerpoint/2010/main" val="216142064"/>
       </p:ext>
     </p:extLst>
   </p:cSld>
@@ -2781,7 +1299,7 @@
     </p:spTree>
     <p:extLst>
       <p:ext uri="{BB962C8B-B14F-4D97-AF65-F5344CB8AC3E}">
-        <p14:creationId xmlns:p14="http://schemas.microsoft.com/office/powerpoint/2010/main" val="129824259"/>
+        <p14:creationId xmlns:p14="http://schemas.microsoft.com/office/powerpoint/2010/main" val="1804485898"/>
       </p:ext>
     </p:extLst>
   </p:cSld>
@@ -2868,7 +1386,7 @@
     </p:spTree>
     <p:extLst>
       <p:ext uri="{BB962C8B-B14F-4D97-AF65-F5344CB8AC3E}">
-        <p14:creationId xmlns:p14="http://schemas.microsoft.com/office/powerpoint/2010/main" val="1410130597"/>
+        <p14:creationId xmlns:p14="http://schemas.microsoft.com/office/powerpoint/2010/main" val="1812784520"/>
       </p:ext>
     </p:extLst>
   </p:cSld>
@@ -2955,7 +1473,7 @@
     </p:spTree>
     <p:extLst>
       <p:ext uri="{BB962C8B-B14F-4D97-AF65-F5344CB8AC3E}">
-        <p14:creationId xmlns:p14="http://schemas.microsoft.com/office/powerpoint/2010/main" val="2658545412"/>
+        <p14:creationId xmlns:p14="http://schemas.microsoft.com/office/powerpoint/2010/main" val="2895295428"/>
       </p:ext>
     </p:extLst>
   </p:cSld>
@@ -3042,7 +1560,7 @@
     </p:spTree>
     <p:extLst>
       <p:ext uri="{BB962C8B-B14F-4D97-AF65-F5344CB8AC3E}">
-        <p14:creationId xmlns:p14="http://schemas.microsoft.com/office/powerpoint/2010/main" val="3585398970"/>
+        <p14:creationId xmlns:p14="http://schemas.microsoft.com/office/powerpoint/2010/main" val="3449255867"/>
       </p:ext>
     </p:extLst>
   </p:cSld>
@@ -6460,12 +4978,117 @@
           <a:chExt cx="0" cy="0"/>
         </a:xfrm>
       </p:grpSpPr>
+      <p:sp>
+        <p:nvSpPr>
+          <p:cNvPr id="2" name="文本框 1">
+            <a:extLst>
+              <a:ext uri="{FF2B5EF4-FFF2-40B4-BE49-F238E27FC236}">
+                <a16:creationId xmlns:a16="http://schemas.microsoft.com/office/drawing/2014/main" id="{12AA8BCC-7B15-4842-80C2-48C079429338}"/>
+              </a:ext>
+            </a:extLst>
+          </p:cNvPr>
+          <p:cNvSpPr txBox="1"/>
+          <p:nvPr/>
+        </p:nvSpPr>
+        <p:spPr>
+          <a:xfrm>
+            <a:off x="2520000" y="720000"/>
+            <a:ext cx="7735824" cy="830997"/>
+          </a:xfrm>
+          <a:prstGeom prst="rect">
+            <a:avLst/>
+          </a:prstGeom>
+          <a:noFill/>
+        </p:spPr>
+        <p:txBody>
+          <a:bodyPr wrap="square" rtlCol="0">
+            <a:spAutoFit/>
+          </a:bodyPr>
+          <a:lstStyle/>
+          <a:p>
+            <a:pPr algn="ctr"/>
+            <a:r>
+              <a:rPr kumimoji="1" lang="en-US" altLang="zh-CN" sz="4800" dirty="0">
+                <a:latin typeface="Microsoft YaHei" panose="020B0503020204020204" pitchFamily="34" charset="-122"/>
+                <a:ea typeface="Microsoft YaHei" panose="020B0503020204020204" pitchFamily="34" charset="-122"/>
+              </a:rPr>
+              <a:t>3.</a:t>
+            </a:r>
+            <a:r>
+              <a:rPr kumimoji="1" lang="zh-CN" altLang="en-US" sz="4800" dirty="0">
+                <a:latin typeface="Microsoft YaHei" panose="020B0503020204020204" pitchFamily="34" charset="-122"/>
+                <a:ea typeface="Microsoft YaHei" panose="020B0503020204020204" pitchFamily="34" charset="-122"/>
+              </a:rPr>
+              <a:t>字符类</a:t>
+            </a:r>
+            <a:r>
+              <a:rPr kumimoji="1" lang="en-US" altLang="zh-CN" sz="4800" dirty="0">
+                <a:latin typeface="Microsoft YaHei" panose="020B0503020204020204" pitchFamily="34" charset="-122"/>
+                <a:ea typeface="Microsoft YaHei" panose="020B0503020204020204" pitchFamily="34" charset="-122"/>
+              </a:rPr>
+              <a:t>---character</a:t>
+            </a:r>
+            <a:endParaRPr kumimoji="1" lang="zh-CN" altLang="en-US" sz="4800" dirty="0">
+              <a:latin typeface="Microsoft YaHei" panose="020B0503020204020204" pitchFamily="34" charset="-122"/>
+              <a:ea typeface="Microsoft YaHei" panose="020B0503020204020204" pitchFamily="34" charset="-122"/>
+            </a:endParaRPr>
+          </a:p>
+        </p:txBody>
+      </p:sp>
+      <p:sp>
+        <p:nvSpPr>
+          <p:cNvPr id="5" name="文本框 4">
+            <a:extLst>
+              <a:ext uri="{FF2B5EF4-FFF2-40B4-BE49-F238E27FC236}">
+                <a16:creationId xmlns:a16="http://schemas.microsoft.com/office/drawing/2014/main" id="{BDDFC8EF-233D-6844-BAEC-86A2AA36D545}"/>
+              </a:ext>
+            </a:extLst>
+          </p:cNvPr>
+          <p:cNvSpPr txBox="1"/>
+          <p:nvPr/>
+        </p:nvSpPr>
+        <p:spPr>
+          <a:xfrm>
+            <a:off x="935664" y="2295988"/>
+            <a:ext cx="9937898" cy="523220"/>
+          </a:xfrm>
+          <a:prstGeom prst="rect">
+            <a:avLst/>
+          </a:prstGeom>
+          <a:noFill/>
+        </p:spPr>
+        <p:txBody>
+          <a:bodyPr wrap="square" rtlCol="0">
+            <a:spAutoFit/>
+          </a:bodyPr>
+          <a:lstStyle/>
+          <a:p>
+            <a:r>
+              <a:rPr lang="en-US" altLang="zh-CN" sz="2800" dirty="0"/>
+              <a:t>Java </a:t>
+            </a:r>
+            <a:r>
+              <a:rPr lang="zh-CN" altLang="en-US" sz="2800" dirty="0"/>
+              <a:t>的 </a:t>
+            </a:r>
+            <a:r>
+              <a:rPr lang="en-US" altLang="zh-CN" sz="2800" dirty="0"/>
+              <a:t>Character </a:t>
+            </a:r>
+            <a:r>
+              <a:rPr lang="zh-CN" altLang="en-US" sz="2800" dirty="0"/>
+              <a:t>类提供了下列方法用于进行字符处理</a:t>
+            </a:r>
+            <a:endParaRPr lang="en-US" altLang="zh-CN" sz="2800" dirty="0"/>
+          </a:p>
+        </p:txBody>
+      </p:sp>
       <p:pic>
         <p:nvPicPr>
           <p:cNvPr id="6" name="图片 5">
             <a:extLst>
               <a:ext uri="{FF2B5EF4-FFF2-40B4-BE49-F238E27FC236}">
-                <a16:creationId xmlns:a16="http://schemas.microsoft.com/office/drawing/2014/main" id="{152D3131-6AED-0E42-B0DC-C49F432A5D90}"/>
+                <a16:creationId xmlns:a16="http://schemas.microsoft.com/office/drawing/2014/main" id="{909F9A0F-7AF4-3E44-A204-D8DCFE21581E}"/>
               </a:ext>
             </a:extLst>
           </p:cNvPr>
@@ -6482,18 +5105,168 @@
         </p:blipFill>
         <p:spPr>
           <a:xfrm>
-            <a:off x="4513817" y="0"/>
-            <a:ext cx="3164365" cy="6858000"/>
+            <a:off x="935664" y="3104707"/>
+            <a:ext cx="10592985" cy="2817839"/>
           </a:xfrm>
           <a:prstGeom prst="rect">
             <a:avLst/>
           </a:prstGeom>
         </p:spPr>
       </p:pic>
+      <p:sp>
+        <p:nvSpPr>
+          <p:cNvPr id="7" name="文本框 6">
+            <a:extLst>
+              <a:ext uri="{FF2B5EF4-FFF2-40B4-BE49-F238E27FC236}">
+                <a16:creationId xmlns:a16="http://schemas.microsoft.com/office/drawing/2014/main" id="{6857331E-A777-044E-948D-BA4E25600C53}"/>
+              </a:ext>
+            </a:extLst>
+          </p:cNvPr>
+          <p:cNvSpPr txBox="1"/>
+          <p:nvPr/>
+        </p:nvSpPr>
+        <p:spPr>
+          <a:xfrm>
+            <a:off x="3296092" y="6138001"/>
+            <a:ext cx="4827181" cy="400110"/>
+          </a:xfrm>
+          <a:prstGeom prst="rect">
+            <a:avLst/>
+          </a:prstGeom>
+          <a:solidFill>
+            <a:schemeClr val="accent2"/>
+          </a:solidFill>
+        </p:spPr>
+        <p:txBody>
+          <a:bodyPr wrap="square" rtlCol="0">
+            <a:spAutoFit/>
+          </a:bodyPr>
+          <a:lstStyle/>
+          <a:p>
+            <a:r>
+              <a:rPr kumimoji="1" lang="zh-CN" altLang="en-US" sz="2000" dirty="0">
+                <a:solidFill>
+                  <a:schemeClr val="bg1"/>
+                </a:solidFill>
+              </a:rPr>
+              <a:t>上代码： </a:t>
+            </a:r>
+            <a:r>
+              <a:rPr kumimoji="1" lang="en-US" altLang="zh-CN" sz="2000" dirty="0">
+                <a:solidFill>
+                  <a:schemeClr val="bg1"/>
+                </a:solidFill>
+              </a:rPr>
+              <a:t>talk</a:t>
+            </a:r>
+            <a:r>
+              <a:rPr kumimoji="1" lang="zh-CN" altLang="en-US" sz="2000" dirty="0">
+                <a:solidFill>
+                  <a:schemeClr val="bg1"/>
+                </a:solidFill>
+              </a:rPr>
+              <a:t> </a:t>
+            </a:r>
+            <a:r>
+              <a:rPr kumimoji="1" lang="en-US" altLang="zh-CN" sz="2000" dirty="0">
+                <a:solidFill>
+                  <a:schemeClr val="bg1"/>
+                </a:solidFill>
+              </a:rPr>
+              <a:t>is</a:t>
+            </a:r>
+            <a:r>
+              <a:rPr kumimoji="1" lang="zh-CN" altLang="en-US" sz="2000" dirty="0">
+                <a:solidFill>
+                  <a:schemeClr val="bg1"/>
+                </a:solidFill>
+              </a:rPr>
+              <a:t> </a:t>
+            </a:r>
+            <a:r>
+              <a:rPr kumimoji="1" lang="en-US" altLang="zh-CN" sz="2000" dirty="0">
+                <a:solidFill>
+                  <a:schemeClr val="bg1"/>
+                </a:solidFill>
+              </a:rPr>
+              <a:t>cheap,</a:t>
+            </a:r>
+            <a:r>
+              <a:rPr kumimoji="1" lang="zh-CN" altLang="en-US" sz="2000" dirty="0">
+                <a:solidFill>
+                  <a:schemeClr val="bg1"/>
+                </a:solidFill>
+              </a:rPr>
+              <a:t> </a:t>
+            </a:r>
+            <a:r>
+              <a:rPr kumimoji="1" lang="en-US" altLang="zh-CN" sz="2000" dirty="0">
+                <a:solidFill>
+                  <a:schemeClr val="bg1"/>
+                </a:solidFill>
+              </a:rPr>
+              <a:t>show</a:t>
+            </a:r>
+            <a:r>
+              <a:rPr kumimoji="1" lang="zh-CN" altLang="en-US" sz="2000" dirty="0">
+                <a:solidFill>
+                  <a:schemeClr val="bg1"/>
+                </a:solidFill>
+              </a:rPr>
+              <a:t> </a:t>
+            </a:r>
+            <a:r>
+              <a:rPr kumimoji="1" lang="en-US" altLang="zh-CN" sz="2000" dirty="0">
+                <a:solidFill>
+                  <a:schemeClr val="bg1"/>
+                </a:solidFill>
+              </a:rPr>
+              <a:t>me</a:t>
+            </a:r>
+            <a:r>
+              <a:rPr kumimoji="1" lang="zh-CN" altLang="en-US" sz="2000" dirty="0">
+                <a:solidFill>
+                  <a:schemeClr val="bg1"/>
+                </a:solidFill>
+              </a:rPr>
+              <a:t> </a:t>
+            </a:r>
+            <a:r>
+              <a:rPr kumimoji="1" lang="en-US" altLang="zh-CN" sz="2000" dirty="0">
+                <a:solidFill>
+                  <a:schemeClr val="bg1"/>
+                </a:solidFill>
+              </a:rPr>
+              <a:t>the</a:t>
+            </a:r>
+            <a:r>
+              <a:rPr kumimoji="1" lang="zh-CN" altLang="en-US" sz="2000" dirty="0">
+                <a:solidFill>
+                  <a:schemeClr val="bg1"/>
+                </a:solidFill>
+              </a:rPr>
+              <a:t> </a:t>
+            </a:r>
+            <a:r>
+              <a:rPr kumimoji="1" lang="en-US" altLang="zh-CN" sz="2000" dirty="0">
+                <a:solidFill>
+                  <a:schemeClr val="bg1"/>
+                </a:solidFill>
+              </a:rPr>
+              <a:t>code</a:t>
+            </a:r>
+            <a:endParaRPr kumimoji="1" lang="zh-CN" altLang="en-US" sz="2000" dirty="0">
+              <a:solidFill>
+                <a:schemeClr val="bg1"/>
+              </a:solidFill>
+            </a:endParaRPr>
+          </a:p>
+        </p:txBody>
+      </p:sp>
     </p:spTree>
     <p:extLst>
       <p:ext uri="{BB962C8B-B14F-4D97-AF65-F5344CB8AC3E}">
-        <p14:creationId xmlns:p14="http://schemas.microsoft.com/office/powerpoint/2010/main" val="4080403581"/>
+        <p14:creationId xmlns:p14="http://schemas.microsoft.com/office/powerpoint/2010/main" val="1841721081"/>
       </p:ext>
     </p:extLst>
   </p:cSld>
@@ -6529,40 +5302,424 @@
           <a:chExt cx="0" cy="0"/>
         </a:xfrm>
       </p:grpSpPr>
-      <p:pic>
-        <p:nvPicPr>
-          <p:cNvPr id="2" name="图片 1">
-            <a:extLst>
-              <a:ext uri="{FF2B5EF4-FFF2-40B4-BE49-F238E27FC236}">
-                <a16:creationId xmlns:a16="http://schemas.microsoft.com/office/drawing/2014/main" id="{F83F5DD9-3551-A943-BC8D-16367F291D96}"/>
-              </a:ext>
-            </a:extLst>
-          </p:cNvPr>
-          <p:cNvPicPr>
-            <a:picLocks noChangeAspect="1"/>
-          </p:cNvPicPr>
+      <p:sp>
+        <p:nvSpPr>
+          <p:cNvPr id="2" name="文本框 1">
+            <a:extLst>
+              <a:ext uri="{FF2B5EF4-FFF2-40B4-BE49-F238E27FC236}">
+                <a16:creationId xmlns:a16="http://schemas.microsoft.com/office/drawing/2014/main" id="{12AA8BCC-7B15-4842-80C2-48C079429338}"/>
+              </a:ext>
+            </a:extLst>
+          </p:cNvPr>
+          <p:cNvSpPr txBox="1"/>
           <p:nvPr/>
-        </p:nvPicPr>
-        <p:blipFill>
-          <a:blip r:embed="rId4"/>
-          <a:stretch>
-            <a:fillRect/>
-          </a:stretch>
-        </p:blipFill>
+        </p:nvSpPr>
         <p:spPr>
           <a:xfrm>
-            <a:off x="4512031" y="0"/>
-            <a:ext cx="3167938" cy="6858000"/>
+            <a:off x="2520000" y="720000"/>
+            <a:ext cx="7735824" cy="830997"/>
           </a:xfrm>
           <a:prstGeom prst="rect">
             <a:avLst/>
           </a:prstGeom>
+          <a:noFill/>
         </p:spPr>
-      </p:pic>
+        <p:txBody>
+          <a:bodyPr wrap="square" rtlCol="0">
+            <a:spAutoFit/>
+          </a:bodyPr>
+          <a:lstStyle/>
+          <a:p>
+            <a:pPr algn="ctr"/>
+            <a:r>
+              <a:rPr kumimoji="1" lang="en-US" altLang="zh-CN" sz="4800" dirty="0">
+                <a:latin typeface="Microsoft YaHei" panose="020B0503020204020204" pitchFamily="34" charset="-122"/>
+                <a:ea typeface="Microsoft YaHei" panose="020B0503020204020204" pitchFamily="34" charset="-122"/>
+              </a:rPr>
+              <a:t>4.</a:t>
+            </a:r>
+            <a:r>
+              <a:rPr kumimoji="1" lang="zh-CN" altLang="en-US" sz="4800" dirty="0">
+                <a:latin typeface="Microsoft YaHei" panose="020B0503020204020204" pitchFamily="34" charset="-122"/>
+                <a:ea typeface="Microsoft YaHei" panose="020B0503020204020204" pitchFamily="34" charset="-122"/>
+              </a:rPr>
+              <a:t>字符串</a:t>
+            </a:r>
+            <a:r>
+              <a:rPr kumimoji="1" lang="en-US" altLang="zh-CN" sz="4800" dirty="0">
+                <a:latin typeface="Microsoft YaHei" panose="020B0503020204020204" pitchFamily="34" charset="-122"/>
+                <a:ea typeface="Microsoft YaHei" panose="020B0503020204020204" pitchFamily="34" charset="-122"/>
+              </a:rPr>
+              <a:t>(java</a:t>
+            </a:r>
+            <a:r>
+              <a:rPr kumimoji="1" lang="zh-CN" altLang="en-US" sz="4800" dirty="0">
+                <a:latin typeface="Microsoft YaHei" panose="020B0503020204020204" pitchFamily="34" charset="-122"/>
+                <a:ea typeface="Microsoft YaHei" panose="020B0503020204020204" pitchFamily="34" charset="-122"/>
+              </a:rPr>
+              <a:t>重要部分来了</a:t>
+            </a:r>
+            <a:r>
+              <a:rPr kumimoji="1" lang="en-US" altLang="zh-CN" sz="4800" dirty="0">
+                <a:latin typeface="Microsoft YaHei" panose="020B0503020204020204" pitchFamily="34" charset="-122"/>
+                <a:ea typeface="Microsoft YaHei" panose="020B0503020204020204" pitchFamily="34" charset="-122"/>
+              </a:rPr>
+              <a:t>)</a:t>
+            </a:r>
+            <a:endParaRPr kumimoji="1" lang="zh-CN" altLang="en-US" sz="4800" dirty="0">
+              <a:latin typeface="Microsoft YaHei" panose="020B0503020204020204" pitchFamily="34" charset="-122"/>
+              <a:ea typeface="Microsoft YaHei" panose="020B0503020204020204" pitchFamily="34" charset="-122"/>
+            </a:endParaRPr>
+          </a:p>
+        </p:txBody>
+      </p:sp>
+      <p:sp>
+        <p:nvSpPr>
+          <p:cNvPr id="5" name="文本框 4">
+            <a:extLst>
+              <a:ext uri="{FF2B5EF4-FFF2-40B4-BE49-F238E27FC236}">
+                <a16:creationId xmlns:a16="http://schemas.microsoft.com/office/drawing/2014/main" id="{BDDFC8EF-233D-6844-BAEC-86A2AA36D545}"/>
+              </a:ext>
+            </a:extLst>
+          </p:cNvPr>
+          <p:cNvSpPr txBox="1"/>
+          <p:nvPr/>
+        </p:nvSpPr>
+        <p:spPr>
+          <a:xfrm>
+            <a:off x="935664" y="2419098"/>
+            <a:ext cx="4635796" cy="954107"/>
+          </a:xfrm>
+          <a:prstGeom prst="rect">
+            <a:avLst/>
+          </a:prstGeom>
+          <a:solidFill>
+            <a:schemeClr val="accent2"/>
+          </a:solidFill>
+        </p:spPr>
+        <p:txBody>
+          <a:bodyPr wrap="square" rtlCol="0">
+            <a:spAutoFit/>
+          </a:bodyPr>
+          <a:lstStyle/>
+          <a:p>
+            <a:r>
+              <a:rPr lang="en-US" altLang="zh-CN" sz="2800" dirty="0">
+                <a:solidFill>
+                  <a:schemeClr val="bg1"/>
+                </a:solidFill>
+              </a:rPr>
+              <a:t>char</a:t>
+            </a:r>
+            <a:r>
+              <a:rPr lang="zh-CN" altLang="en-US" sz="2800" dirty="0">
+                <a:solidFill>
+                  <a:schemeClr val="bg1"/>
+                </a:solidFill>
+              </a:rPr>
+              <a:t>类型只能表示一个字符</a:t>
+            </a:r>
+            <a:endParaRPr lang="en-US" altLang="zh-CN" sz="2800" dirty="0">
+              <a:solidFill>
+                <a:schemeClr val="bg1"/>
+              </a:solidFill>
+            </a:endParaRPr>
+          </a:p>
+          <a:p>
+            <a:r>
+              <a:rPr lang="en-US" altLang="zh-CN" sz="2800" dirty="0">
+                <a:solidFill>
+                  <a:schemeClr val="bg1"/>
+                </a:solidFill>
+              </a:rPr>
+              <a:t>String</a:t>
+            </a:r>
+            <a:r>
+              <a:rPr lang="zh-CN" altLang="en-US" sz="2800" dirty="0">
+                <a:solidFill>
+                  <a:schemeClr val="bg1"/>
+                </a:solidFill>
+              </a:rPr>
+              <a:t>类型能表示一串字符</a:t>
+            </a:r>
+            <a:endParaRPr lang="en-US" altLang="zh-CN" sz="2800" dirty="0">
+              <a:solidFill>
+                <a:schemeClr val="bg1"/>
+              </a:solidFill>
+            </a:endParaRPr>
+          </a:p>
+        </p:txBody>
+      </p:sp>
+      <p:sp>
+        <p:nvSpPr>
+          <p:cNvPr id="7" name="文本框 6">
+            <a:extLst>
+              <a:ext uri="{FF2B5EF4-FFF2-40B4-BE49-F238E27FC236}">
+                <a16:creationId xmlns:a16="http://schemas.microsoft.com/office/drawing/2014/main" id="{6857331E-A777-044E-948D-BA4E25600C53}"/>
+              </a:ext>
+            </a:extLst>
+          </p:cNvPr>
+          <p:cNvSpPr txBox="1"/>
+          <p:nvPr/>
+        </p:nvSpPr>
+        <p:spPr>
+          <a:xfrm>
+            <a:off x="3491022" y="6323800"/>
+            <a:ext cx="4827181" cy="400110"/>
+          </a:xfrm>
+          <a:prstGeom prst="rect">
+            <a:avLst/>
+          </a:prstGeom>
+          <a:solidFill>
+            <a:schemeClr val="accent2"/>
+          </a:solidFill>
+        </p:spPr>
+        <p:txBody>
+          <a:bodyPr wrap="square" rtlCol="0">
+            <a:spAutoFit/>
+          </a:bodyPr>
+          <a:lstStyle/>
+          <a:p>
+            <a:r>
+              <a:rPr kumimoji="1" lang="zh-CN" altLang="en-US" sz="2000" dirty="0">
+                <a:solidFill>
+                  <a:schemeClr val="bg1"/>
+                </a:solidFill>
+              </a:rPr>
+              <a:t>上代码： </a:t>
+            </a:r>
+            <a:r>
+              <a:rPr kumimoji="1" lang="en-US" altLang="zh-CN" sz="2000" dirty="0">
+                <a:solidFill>
+                  <a:schemeClr val="bg1"/>
+                </a:solidFill>
+              </a:rPr>
+              <a:t>talk</a:t>
+            </a:r>
+            <a:r>
+              <a:rPr kumimoji="1" lang="zh-CN" altLang="en-US" sz="2000" dirty="0">
+                <a:solidFill>
+                  <a:schemeClr val="bg1"/>
+                </a:solidFill>
+              </a:rPr>
+              <a:t> </a:t>
+            </a:r>
+            <a:r>
+              <a:rPr kumimoji="1" lang="en-US" altLang="zh-CN" sz="2000" dirty="0">
+                <a:solidFill>
+                  <a:schemeClr val="bg1"/>
+                </a:solidFill>
+              </a:rPr>
+              <a:t>is</a:t>
+            </a:r>
+            <a:r>
+              <a:rPr kumimoji="1" lang="zh-CN" altLang="en-US" sz="2000" dirty="0">
+                <a:solidFill>
+                  <a:schemeClr val="bg1"/>
+                </a:solidFill>
+              </a:rPr>
+              <a:t> </a:t>
+            </a:r>
+            <a:r>
+              <a:rPr kumimoji="1" lang="en-US" altLang="zh-CN" sz="2000" dirty="0">
+                <a:solidFill>
+                  <a:schemeClr val="bg1"/>
+                </a:solidFill>
+              </a:rPr>
+              <a:t>cheap,</a:t>
+            </a:r>
+            <a:r>
+              <a:rPr kumimoji="1" lang="zh-CN" altLang="en-US" sz="2000" dirty="0">
+                <a:solidFill>
+                  <a:schemeClr val="bg1"/>
+                </a:solidFill>
+              </a:rPr>
+              <a:t> </a:t>
+            </a:r>
+            <a:r>
+              <a:rPr kumimoji="1" lang="en-US" altLang="zh-CN" sz="2000" dirty="0">
+                <a:solidFill>
+                  <a:schemeClr val="bg1"/>
+                </a:solidFill>
+              </a:rPr>
+              <a:t>show</a:t>
+            </a:r>
+            <a:r>
+              <a:rPr kumimoji="1" lang="zh-CN" altLang="en-US" sz="2000" dirty="0">
+                <a:solidFill>
+                  <a:schemeClr val="bg1"/>
+                </a:solidFill>
+              </a:rPr>
+              <a:t> </a:t>
+            </a:r>
+            <a:r>
+              <a:rPr kumimoji="1" lang="en-US" altLang="zh-CN" sz="2000" dirty="0">
+                <a:solidFill>
+                  <a:schemeClr val="bg1"/>
+                </a:solidFill>
+              </a:rPr>
+              <a:t>me</a:t>
+            </a:r>
+            <a:r>
+              <a:rPr kumimoji="1" lang="zh-CN" altLang="en-US" sz="2000" dirty="0">
+                <a:solidFill>
+                  <a:schemeClr val="bg1"/>
+                </a:solidFill>
+              </a:rPr>
+              <a:t> </a:t>
+            </a:r>
+            <a:r>
+              <a:rPr kumimoji="1" lang="en-US" altLang="zh-CN" sz="2000" dirty="0">
+                <a:solidFill>
+                  <a:schemeClr val="bg1"/>
+                </a:solidFill>
+              </a:rPr>
+              <a:t>the</a:t>
+            </a:r>
+            <a:r>
+              <a:rPr kumimoji="1" lang="zh-CN" altLang="en-US" sz="2000" dirty="0">
+                <a:solidFill>
+                  <a:schemeClr val="bg1"/>
+                </a:solidFill>
+              </a:rPr>
+              <a:t> </a:t>
+            </a:r>
+            <a:r>
+              <a:rPr kumimoji="1" lang="en-US" altLang="zh-CN" sz="2000" dirty="0">
+                <a:solidFill>
+                  <a:schemeClr val="bg1"/>
+                </a:solidFill>
+              </a:rPr>
+              <a:t>code</a:t>
+            </a:r>
+            <a:endParaRPr kumimoji="1" lang="zh-CN" altLang="en-US" sz="2000" dirty="0">
+              <a:solidFill>
+                <a:schemeClr val="bg1"/>
+              </a:solidFill>
+            </a:endParaRPr>
+          </a:p>
+        </p:txBody>
+      </p:sp>
+      <p:sp>
+        <p:nvSpPr>
+          <p:cNvPr id="3" name="文本框 2">
+            <a:extLst>
+              <a:ext uri="{FF2B5EF4-FFF2-40B4-BE49-F238E27FC236}">
+                <a16:creationId xmlns:a16="http://schemas.microsoft.com/office/drawing/2014/main" id="{A16284F0-DF43-B04C-8CC5-F96CE7D472CF}"/>
+              </a:ext>
+            </a:extLst>
+          </p:cNvPr>
+          <p:cNvSpPr txBox="1"/>
+          <p:nvPr/>
+        </p:nvSpPr>
+        <p:spPr>
+          <a:xfrm>
+            <a:off x="6387912" y="1936851"/>
+            <a:ext cx="5557285" cy="4401205"/>
+          </a:xfrm>
+          <a:prstGeom prst="rect">
+            <a:avLst/>
+          </a:prstGeom>
+          <a:noFill/>
+        </p:spPr>
+        <p:txBody>
+          <a:bodyPr wrap="square" rtlCol="0">
+            <a:spAutoFit/>
+          </a:bodyPr>
+          <a:lstStyle/>
+          <a:p>
+            <a:r>
+              <a:rPr kumimoji="1" lang="zh-CN" altLang="en-US" sz="2800" dirty="0"/>
+              <a:t>字符串长度</a:t>
+            </a:r>
+            <a:endParaRPr kumimoji="1" lang="en-US" altLang="zh-CN" sz="2800" dirty="0"/>
+          </a:p>
+          <a:p>
+            <a:r>
+              <a:rPr kumimoji="1" lang="zh-CN" altLang="en-US" sz="2800" dirty="0"/>
+              <a:t>字符串拼接</a:t>
+            </a:r>
+            <a:endParaRPr kumimoji="1" lang="en-US" altLang="zh-CN" sz="2800" dirty="0"/>
+          </a:p>
+          <a:p>
+            <a:r>
+              <a:rPr kumimoji="1" lang="zh-CN" altLang="en-US" sz="2800" dirty="0"/>
+              <a:t>字符串中获取字符</a:t>
+            </a:r>
+            <a:endParaRPr kumimoji="1" lang="en-US" altLang="zh-CN" sz="2800" dirty="0"/>
+          </a:p>
+          <a:p>
+            <a:r>
+              <a:rPr kumimoji="1" lang="zh-CN" altLang="en-US" sz="2800" dirty="0"/>
+              <a:t>字符串大小写转换</a:t>
+            </a:r>
+            <a:endParaRPr kumimoji="1" lang="en-US" altLang="zh-CN" sz="2800" dirty="0"/>
+          </a:p>
+          <a:p>
+            <a:r>
+              <a:rPr kumimoji="1" lang="zh-CN" altLang="en-US" sz="2800" dirty="0"/>
+              <a:t>字符串比较</a:t>
+            </a:r>
+            <a:r>
+              <a:rPr kumimoji="1" lang="en-US" altLang="zh-CN" sz="2800" dirty="0"/>
+              <a:t>(equal)</a:t>
+            </a:r>
+          </a:p>
+          <a:p>
+            <a:r>
+              <a:rPr kumimoji="1" lang="zh-CN" altLang="en-US" sz="2800" dirty="0"/>
+              <a:t>字符串比较</a:t>
+            </a:r>
+            <a:r>
+              <a:rPr kumimoji="1" lang="en-US" altLang="zh-CN" sz="2800" dirty="0"/>
+              <a:t>(start</a:t>
+            </a:r>
+            <a:r>
+              <a:rPr kumimoji="1" lang="zh-CN" altLang="en-US" sz="2800" dirty="0"/>
+              <a:t> </a:t>
+            </a:r>
+            <a:r>
+              <a:rPr kumimoji="1" lang="en-US" altLang="zh-CN" sz="2800" dirty="0"/>
+              <a:t>with)</a:t>
+            </a:r>
+          </a:p>
+          <a:p>
+            <a:r>
+              <a:rPr kumimoji="1" lang="zh-CN" altLang="en-US" sz="2800" dirty="0"/>
+              <a:t>字符串包含关系</a:t>
+            </a:r>
+            <a:r>
+              <a:rPr kumimoji="1" lang="en-US" altLang="zh-CN" sz="2800" dirty="0"/>
+              <a:t>(contains)</a:t>
+            </a:r>
+          </a:p>
+          <a:p>
+            <a:r>
+              <a:rPr kumimoji="1" lang="zh-CN" altLang="en-US" sz="2800" dirty="0"/>
+              <a:t>字符串子串</a:t>
+            </a:r>
+            <a:endParaRPr kumimoji="1" lang="en-US" altLang="zh-CN" sz="2800" dirty="0"/>
+          </a:p>
+          <a:p>
+            <a:r>
+              <a:rPr kumimoji="1" lang="zh-CN" altLang="en-US" sz="2800" dirty="0"/>
+              <a:t>字符串和数字之间的转换</a:t>
+            </a:r>
+            <a:endParaRPr kumimoji="1" lang="en-US" altLang="zh-CN" sz="2800" dirty="0"/>
+          </a:p>
+          <a:p>
+            <a:r>
+              <a:rPr kumimoji="1" lang="en-US" altLang="zh-CN" sz="2800" dirty="0"/>
+              <a:t>…</a:t>
+            </a:r>
+            <a:endParaRPr kumimoji="1" lang="zh-CN" altLang="en-US" sz="2800" dirty="0"/>
+          </a:p>
+        </p:txBody>
+      </p:sp>
     </p:spTree>
     <p:extLst>
       <p:ext uri="{BB962C8B-B14F-4D97-AF65-F5344CB8AC3E}">
-        <p14:creationId xmlns:p14="http://schemas.microsoft.com/office/powerpoint/2010/main" val="1529587092"/>
+        <p14:creationId xmlns:p14="http://schemas.microsoft.com/office/powerpoint/2010/main" val="1931940136"/>
       </p:ext>
     </p:extLst>
   </p:cSld>
@@ -6600,10 +5757,10 @@
       </p:grpSpPr>
       <p:sp>
         <p:nvSpPr>
-          <p:cNvPr id="8" name="文本框 7">
-            <a:extLst>
-              <a:ext uri="{FF2B5EF4-FFF2-40B4-BE49-F238E27FC236}">
-                <a16:creationId xmlns:a16="http://schemas.microsoft.com/office/drawing/2014/main" id="{B294230C-E86E-7247-BAC6-5F43DED3D0AF}"/>
+          <p:cNvPr id="2" name="文本框 1">
+            <a:extLst>
+              <a:ext uri="{FF2B5EF4-FFF2-40B4-BE49-F238E27FC236}">
+                <a16:creationId xmlns:a16="http://schemas.microsoft.com/office/drawing/2014/main" id="{12AA8BCC-7B15-4842-80C2-48C079429338}"/>
               </a:ext>
             </a:extLst>
           </p:cNvPr>
@@ -6612,8 +5769,8 @@
         </p:nvSpPr>
         <p:spPr>
           <a:xfrm>
-            <a:off x="2374392" y="1334415"/>
-            <a:ext cx="7443216" cy="4537049"/>
+            <a:off x="2228088" y="2921168"/>
+            <a:ext cx="7735824" cy="1015663"/>
           </a:xfrm>
           <a:prstGeom prst="rect">
             <a:avLst/>
@@ -6621,100 +5778,26 @@
           <a:noFill/>
         </p:spPr>
         <p:txBody>
-          <a:bodyPr wrap="square" tIns="360000" bIns="360000" rtlCol="0">
+          <a:bodyPr wrap="square" rtlCol="0">
             <a:spAutoFit/>
           </a:bodyPr>
           <a:lstStyle/>
           <a:p>
-            <a:pPr marL="457200" indent="-457200">
-              <a:lnSpc>
-                <a:spcPct val="150000"/>
-              </a:lnSpc>
-              <a:buFont typeface="Arial" panose="020B0604020202020204" pitchFamily="34" charset="0"/>
-              <a:buChar char="•"/>
-            </a:pPr>
-            <a:r>
-              <a:rPr kumimoji="1" lang="zh-CN" altLang="en-US" sz="2800" dirty="0">
-                <a:ea typeface="Microsoft YaHei" panose="020B0503020204020204" pitchFamily="34" charset="-122"/>
-              </a:rPr>
-              <a:t>如果在不同的地方触发同样的功能，都写一遍刚才的发送消息流程，那现实中程序员哥哥姐姐叔叔阿姨的奖金就没了。 </a:t>
-            </a:r>
-            <a:endParaRPr kumimoji="1" lang="en-US" altLang="zh-CN" sz="2800" dirty="0">
-              <a:ea typeface="Microsoft YaHei" panose="020B0503020204020204" pitchFamily="34" charset="-122"/>
-            </a:endParaRPr>
-          </a:p>
-          <a:p>
-            <a:pPr marL="457200" indent="-457200">
-              <a:lnSpc>
-                <a:spcPct val="150000"/>
-              </a:lnSpc>
-              <a:buFont typeface="Arial" panose="020B0604020202020204" pitchFamily="34" charset="0"/>
-              <a:buChar char="•"/>
-            </a:pPr>
-            <a:endParaRPr kumimoji="1" lang="en-US" altLang="zh-CN" sz="2800" dirty="0">
-              <a:ea typeface="Microsoft YaHei" panose="020B0503020204020204" pitchFamily="34" charset="-122"/>
-            </a:endParaRPr>
-          </a:p>
-          <a:p>
-            <a:pPr marL="457200" indent="-457200">
-              <a:lnSpc>
-                <a:spcPct val="150000"/>
-              </a:lnSpc>
-              <a:buFont typeface="Arial" panose="020B0604020202020204" pitchFamily="34" charset="0"/>
-              <a:buChar char="•"/>
-            </a:pPr>
-            <a:r>
-              <a:rPr kumimoji="1" lang="zh-CN" altLang="en-US" sz="2800" dirty="0">
-                <a:ea typeface="Microsoft YaHei" panose="020B0503020204020204" pitchFamily="34" charset="-122"/>
-              </a:rPr>
-              <a:t>那怎么做能避免这样的窘境吗？  方法指了指自己说 “要靠我”</a:t>
-            </a:r>
-            <a:endParaRPr kumimoji="1" lang="en-US" altLang="zh-CN" sz="2800" dirty="0">
-              <a:ea typeface="Microsoft YaHei" panose="020B0503020204020204" pitchFamily="34" charset="-122"/>
-            </a:endParaRPr>
-          </a:p>
-        </p:txBody>
-      </p:sp>
-      <p:pic>
-        <p:nvPicPr>
-          <p:cNvPr id="4" name="图形 3" descr="实心填充的哭泣表情">
-            <a:extLst>
-              <a:ext uri="{FF2B5EF4-FFF2-40B4-BE49-F238E27FC236}">
-                <a16:creationId xmlns:a16="http://schemas.microsoft.com/office/drawing/2014/main" id="{5A4BEFB3-981F-A542-B4EE-5D80D028303D}"/>
-              </a:ext>
-            </a:extLst>
-          </p:cNvPr>
-          <p:cNvPicPr>
-            <a:picLocks noChangeAspect="1"/>
-          </p:cNvPicPr>
-          <p:nvPr/>
-        </p:nvPicPr>
-        <p:blipFill>
-          <a:blip r:embed="rId4">
-            <a:extLst>
-              <a:ext uri="{96DAC541-7B7A-43D3-8B79-37D633B846F1}">
-                <asvg:svgBlip xmlns:asvg="http://schemas.microsoft.com/office/drawing/2016/SVG/main" r:embed="rId5"/>
-              </a:ext>
-            </a:extLst>
-          </a:blip>
-          <a:stretch>
-            <a:fillRect/>
-          </a:stretch>
-        </p:blipFill>
-        <p:spPr>
-          <a:xfrm>
-            <a:off x="8016240" y="2981007"/>
-            <a:ext cx="680720" cy="680720"/>
-          </a:xfrm>
-          <a:prstGeom prst="rect">
-            <a:avLst/>
-          </a:prstGeom>
-        </p:spPr>
-      </p:pic>
+            <a:pPr algn="ctr"/>
+            <a:r>
+              <a:rPr kumimoji="1" lang="zh-CN" altLang="en-US" sz="6000" dirty="0">
+                <a:latin typeface="Microsoft YaHei" panose="020B0503020204020204" pitchFamily="34" charset="-122"/>
+                <a:ea typeface="Microsoft YaHei" panose="020B0503020204020204" pitchFamily="34" charset="-122"/>
+              </a:rPr>
+              <a:t>这堂课我们学了什么？</a:t>
+            </a:r>
+          </a:p>
+        </p:txBody>
+      </p:sp>
     </p:spTree>
     <p:extLst>
       <p:ext uri="{BB962C8B-B14F-4D97-AF65-F5344CB8AC3E}">
-        <p14:creationId xmlns:p14="http://schemas.microsoft.com/office/powerpoint/2010/main" val="1217957394"/>
+        <p14:creationId xmlns:p14="http://schemas.microsoft.com/office/powerpoint/2010/main" val="3338372476"/>
       </p:ext>
     </p:extLst>
   </p:cSld>
@@ -6729,9 +5812,14 @@
   <p:cSld>
     <p:bg>
       <p:bgPr>
-        <a:blipFill>
-          <a:blip r:embed="rId3"/>
-          <a:tile tx="0" ty="0" sx="100000" sy="100000" flip="none" algn="tl"/>
+        <a:blipFill dpi="0" rotWithShape="1">
+          <a:blip r:embed="rId3">
+            <a:lum/>
+          </a:blip>
+          <a:srcRect/>
+          <a:stretch>
+            <a:fillRect/>
+          </a:stretch>
         </a:blipFill>
         <a:effectLst/>
       </p:bgPr>
@@ -6750,1381 +5838,10 @@
           <a:chExt cx="0" cy="0"/>
         </a:xfrm>
       </p:grpSpPr>
-      <p:sp>
-        <p:nvSpPr>
-          <p:cNvPr id="2" name="文本框 1">
-            <a:extLst>
-              <a:ext uri="{FF2B5EF4-FFF2-40B4-BE49-F238E27FC236}">
-                <a16:creationId xmlns:a16="http://schemas.microsoft.com/office/drawing/2014/main" id="{12AA8BCC-7B15-4842-80C2-48C079429338}"/>
-              </a:ext>
-            </a:extLst>
-          </p:cNvPr>
-          <p:cNvSpPr txBox="1"/>
-          <p:nvPr/>
-        </p:nvSpPr>
-        <p:spPr>
-          <a:xfrm>
-            <a:off x="2520000" y="720000"/>
-            <a:ext cx="7735824" cy="830997"/>
-          </a:xfrm>
-          <a:prstGeom prst="rect">
-            <a:avLst/>
-          </a:prstGeom>
-          <a:noFill/>
-        </p:spPr>
-        <p:txBody>
-          <a:bodyPr wrap="square" rtlCol="0">
-            <a:spAutoFit/>
-          </a:bodyPr>
-          <a:lstStyle/>
-          <a:p>
-            <a:pPr algn="ctr"/>
-            <a:r>
-              <a:rPr kumimoji="1" lang="zh-CN" altLang="en-US" sz="4800" dirty="0">
-                <a:latin typeface="Microsoft YaHei" panose="020B0503020204020204" pitchFamily="34" charset="-122"/>
-                <a:ea typeface="Microsoft YaHei" panose="020B0503020204020204" pitchFamily="34" charset="-122"/>
-              </a:rPr>
-              <a:t>方法存在的意义</a:t>
-            </a:r>
-          </a:p>
-        </p:txBody>
-      </p:sp>
-      <p:sp>
-        <p:nvSpPr>
-          <p:cNvPr id="8" name="文本框 7">
-            <a:extLst>
-              <a:ext uri="{FF2B5EF4-FFF2-40B4-BE49-F238E27FC236}">
-                <a16:creationId xmlns:a16="http://schemas.microsoft.com/office/drawing/2014/main" id="{B294230C-E86E-7247-BAC6-5F43DED3D0AF}"/>
-              </a:ext>
-            </a:extLst>
-          </p:cNvPr>
-          <p:cNvSpPr txBox="1"/>
-          <p:nvPr/>
-        </p:nvSpPr>
-        <p:spPr>
-          <a:xfrm>
-            <a:off x="2520000" y="2025295"/>
-            <a:ext cx="7443216" cy="3890718"/>
-          </a:xfrm>
-          <a:prstGeom prst="rect">
-            <a:avLst/>
-          </a:prstGeom>
-          <a:noFill/>
-        </p:spPr>
-        <p:txBody>
-          <a:bodyPr wrap="square" tIns="360000" bIns="360000" rtlCol="0">
-            <a:spAutoFit/>
-          </a:bodyPr>
-          <a:lstStyle/>
-          <a:p>
-            <a:pPr>
-              <a:lnSpc>
-                <a:spcPct val="150000"/>
-              </a:lnSpc>
-            </a:pPr>
-            <a:r>
-              <a:rPr kumimoji="1" lang="zh-CN" altLang="en-US" sz="2800" dirty="0">
-                <a:ea typeface="Microsoft YaHei" panose="020B0503020204020204" pitchFamily="34" charset="-122"/>
-              </a:rPr>
-              <a:t>回顾刚才的例子：</a:t>
-            </a:r>
-            <a:endParaRPr kumimoji="1" lang="en-US" altLang="zh-CN" sz="2800" dirty="0">
-              <a:ea typeface="Microsoft YaHei" panose="020B0503020204020204" pitchFamily="34" charset="-122"/>
-            </a:endParaRPr>
-          </a:p>
-          <a:p>
-            <a:pPr>
-              <a:lnSpc>
-                <a:spcPct val="150000"/>
-              </a:lnSpc>
-            </a:pPr>
-            <a:r>
-              <a:rPr kumimoji="1" lang="zh-CN" altLang="en-US" sz="2800" u="sng" dirty="0">
-                <a:solidFill>
-                  <a:srgbClr val="00B050"/>
-                </a:solidFill>
-                <a:ea typeface="Microsoft YaHei" panose="020B0503020204020204" pitchFamily="34" charset="-122"/>
-              </a:rPr>
-              <a:t>当相同逻辑功能</a:t>
-            </a:r>
-            <a:r>
-              <a:rPr kumimoji="1" lang="zh-CN" altLang="en-US" sz="2800" u="sng" dirty="0">
-                <a:ea typeface="Microsoft YaHei" panose="020B0503020204020204" pitchFamily="34" charset="-122"/>
-              </a:rPr>
-              <a:t>在</a:t>
-            </a:r>
-            <a:r>
-              <a:rPr kumimoji="1" lang="zh-CN" altLang="en-US" sz="2800" u="sng" dirty="0">
-                <a:solidFill>
-                  <a:srgbClr val="00B050"/>
-                </a:solidFill>
-                <a:ea typeface="Microsoft YaHei" panose="020B0503020204020204" pitchFamily="34" charset="-122"/>
-              </a:rPr>
-              <a:t>不同地方被调用</a:t>
-            </a:r>
-            <a:r>
-              <a:rPr kumimoji="1" lang="zh-CN" altLang="en-US" sz="2800" u="sng" dirty="0">
-                <a:ea typeface="Microsoft YaHei" panose="020B0503020204020204" pitchFamily="34" charset="-122"/>
-              </a:rPr>
-              <a:t>的时候，为了避免重复代码，我们把这部分相同的逻辑统一写到一个方法里，然后它可以被反复调用而不用重复写，还利于后期维护</a:t>
-            </a:r>
-            <a:r>
-              <a:rPr kumimoji="1" lang="zh-CN" altLang="en-US" sz="2800" dirty="0">
-                <a:ea typeface="Microsoft YaHei" panose="020B0503020204020204" pitchFamily="34" charset="-122"/>
-              </a:rPr>
-              <a:t>。</a:t>
-            </a:r>
-            <a:endParaRPr kumimoji="1" lang="en-US" altLang="zh-CN" sz="2800" dirty="0">
-              <a:ea typeface="Microsoft YaHei" panose="020B0503020204020204" pitchFamily="34" charset="-122"/>
-            </a:endParaRPr>
-          </a:p>
-        </p:txBody>
-      </p:sp>
     </p:spTree>
     <p:extLst>
       <p:ext uri="{BB962C8B-B14F-4D97-AF65-F5344CB8AC3E}">
-        <p14:creationId xmlns:p14="http://schemas.microsoft.com/office/powerpoint/2010/main" val="427992593"/>
-      </p:ext>
-    </p:extLst>
-  </p:cSld>
-  <p:clrMapOvr>
-    <a:masterClrMapping/>
-  </p:clrMapOvr>
-</p:sld>
-</file>
-
-<file path=ppt/slides/slide14.xml><?xml version="1.0" encoding="utf-8"?>
-<p:sld xmlns:a="http://schemas.openxmlformats.org/drawingml/2006/main" xmlns:r="http://schemas.openxmlformats.org/officeDocument/2006/relationships" xmlns:p="http://schemas.openxmlformats.org/presentationml/2006/main">
-  <p:cSld>
-    <p:bg>
-      <p:bgPr>
-        <a:blipFill>
-          <a:blip r:embed="rId3"/>
-          <a:tile tx="0" ty="0" sx="100000" sy="100000" flip="none" algn="tl"/>
-        </a:blipFill>
-        <a:effectLst/>
-      </p:bgPr>
-    </p:bg>
-    <p:spTree>
-      <p:nvGrpSpPr>
-        <p:cNvPr id="1" name=""/>
-        <p:cNvGrpSpPr/>
-        <p:nvPr/>
-      </p:nvGrpSpPr>
-      <p:grpSpPr>
-        <a:xfrm>
-          <a:off x="0" y="0"/>
-          <a:ext cx="0" cy="0"/>
-          <a:chOff x="0" y="0"/>
-          <a:chExt cx="0" cy="0"/>
-        </a:xfrm>
-      </p:grpSpPr>
-      <p:sp>
-        <p:nvSpPr>
-          <p:cNvPr id="2" name="文本框 1">
-            <a:extLst>
-              <a:ext uri="{FF2B5EF4-FFF2-40B4-BE49-F238E27FC236}">
-                <a16:creationId xmlns:a16="http://schemas.microsoft.com/office/drawing/2014/main" id="{12AA8BCC-7B15-4842-80C2-48C079429338}"/>
-              </a:ext>
-            </a:extLst>
-          </p:cNvPr>
-          <p:cNvSpPr txBox="1"/>
-          <p:nvPr/>
-        </p:nvSpPr>
-        <p:spPr>
-          <a:xfrm>
-            <a:off x="2234234" y="597430"/>
-            <a:ext cx="9132000" cy="830997"/>
-          </a:xfrm>
-          <a:prstGeom prst="rect">
-            <a:avLst/>
-          </a:prstGeom>
-          <a:noFill/>
-        </p:spPr>
-        <p:txBody>
-          <a:bodyPr wrap="square" rtlCol="0">
-            <a:spAutoFit/>
-          </a:bodyPr>
-          <a:lstStyle/>
-          <a:p>
-            <a:pPr algn="ctr"/>
-            <a:r>
-              <a:rPr kumimoji="1" lang="en-US" altLang="zh-CN" sz="4800" dirty="0">
-                <a:latin typeface="Microsoft YaHei" panose="020B0503020204020204" pitchFamily="34" charset="-122"/>
-                <a:ea typeface="Microsoft YaHei" panose="020B0503020204020204" pitchFamily="34" charset="-122"/>
-              </a:rPr>
-              <a:t>2.</a:t>
-            </a:r>
-            <a:r>
-              <a:rPr kumimoji="1" lang="zh-CN" altLang="en-US" sz="4800" dirty="0">
-                <a:latin typeface="Microsoft YaHei" panose="020B0503020204020204" pitchFamily="34" charset="-122"/>
-                <a:ea typeface="Microsoft YaHei" panose="020B0503020204020204" pitchFamily="34" charset="-122"/>
-              </a:rPr>
-              <a:t>如何定义方法</a:t>
-            </a:r>
-            <a:endParaRPr kumimoji="1" lang="en-US" altLang="zh-CN" sz="4800" dirty="0">
-              <a:latin typeface="Microsoft YaHei" panose="020B0503020204020204" pitchFamily="34" charset="-122"/>
-              <a:ea typeface="Microsoft YaHei" panose="020B0503020204020204" pitchFamily="34" charset="-122"/>
-            </a:endParaRPr>
-          </a:p>
-        </p:txBody>
-      </p:sp>
-      <p:pic>
-        <p:nvPicPr>
-          <p:cNvPr id="5" name="图片 4">
-            <a:extLst>
-              <a:ext uri="{FF2B5EF4-FFF2-40B4-BE49-F238E27FC236}">
-                <a16:creationId xmlns:a16="http://schemas.microsoft.com/office/drawing/2014/main" id="{C284D264-8863-EA43-88F5-E716400845B5}"/>
-              </a:ext>
-            </a:extLst>
-          </p:cNvPr>
-          <p:cNvPicPr>
-            <a:picLocks noChangeAspect="1"/>
-          </p:cNvPicPr>
-          <p:nvPr/>
-        </p:nvPicPr>
-        <p:blipFill>
-          <a:blip r:embed="rId4"/>
-          <a:stretch>
-            <a:fillRect/>
-          </a:stretch>
-        </p:blipFill>
-        <p:spPr>
-          <a:xfrm>
-            <a:off x="2021648" y="2666365"/>
-            <a:ext cx="8148703" cy="1525270"/>
-          </a:xfrm>
-          <a:prstGeom prst="rect">
-            <a:avLst/>
-          </a:prstGeom>
-        </p:spPr>
-      </p:pic>
-    </p:spTree>
-    <p:extLst>
-      <p:ext uri="{BB962C8B-B14F-4D97-AF65-F5344CB8AC3E}">
-        <p14:creationId xmlns:p14="http://schemas.microsoft.com/office/powerpoint/2010/main" val="24070890"/>
-      </p:ext>
-    </p:extLst>
-  </p:cSld>
-  <p:clrMapOvr>
-    <a:masterClrMapping/>
-  </p:clrMapOvr>
-</p:sld>
-</file>
-
-<file path=ppt/slides/slide15.xml><?xml version="1.0" encoding="utf-8"?>
-<p:sld xmlns:a="http://schemas.openxmlformats.org/drawingml/2006/main" xmlns:r="http://schemas.openxmlformats.org/officeDocument/2006/relationships" xmlns:p="http://schemas.openxmlformats.org/presentationml/2006/main">
-  <p:cSld>
-    <p:bg>
-      <p:bgPr>
-        <a:blipFill>
-          <a:blip r:embed="rId3"/>
-          <a:tile tx="0" ty="0" sx="100000" sy="100000" flip="none" algn="tl"/>
-        </a:blipFill>
-        <a:effectLst/>
-      </p:bgPr>
-    </p:bg>
-    <p:spTree>
-      <p:nvGrpSpPr>
-        <p:cNvPr id="1" name=""/>
-        <p:cNvGrpSpPr/>
-        <p:nvPr/>
-      </p:nvGrpSpPr>
-      <p:grpSpPr>
-        <a:xfrm>
-          <a:off x="0" y="0"/>
-          <a:ext cx="0" cy="0"/>
-          <a:chOff x="0" y="0"/>
-          <a:chExt cx="0" cy="0"/>
-        </a:xfrm>
-      </p:grpSpPr>
-      <p:sp>
-        <p:nvSpPr>
-          <p:cNvPr id="2" name="文本框 1">
-            <a:extLst>
-              <a:ext uri="{FF2B5EF4-FFF2-40B4-BE49-F238E27FC236}">
-                <a16:creationId xmlns:a16="http://schemas.microsoft.com/office/drawing/2014/main" id="{12AA8BCC-7B15-4842-80C2-48C079429338}"/>
-              </a:ext>
-            </a:extLst>
-          </p:cNvPr>
-          <p:cNvSpPr txBox="1"/>
-          <p:nvPr/>
-        </p:nvSpPr>
-        <p:spPr>
-          <a:xfrm>
-            <a:off x="2234234" y="597430"/>
-            <a:ext cx="9132000" cy="830997"/>
-          </a:xfrm>
-          <a:prstGeom prst="rect">
-            <a:avLst/>
-          </a:prstGeom>
-          <a:noFill/>
-        </p:spPr>
-        <p:txBody>
-          <a:bodyPr wrap="square" rtlCol="0">
-            <a:spAutoFit/>
-          </a:bodyPr>
-          <a:lstStyle/>
-          <a:p>
-            <a:pPr algn="ctr"/>
-            <a:r>
-              <a:rPr kumimoji="1" lang="en-US" altLang="zh-CN" sz="4800" dirty="0">
-                <a:latin typeface="Microsoft YaHei" panose="020B0503020204020204" pitchFamily="34" charset="-122"/>
-                <a:ea typeface="Microsoft YaHei" panose="020B0503020204020204" pitchFamily="34" charset="-122"/>
-              </a:rPr>
-              <a:t>3.</a:t>
-            </a:r>
-            <a:r>
-              <a:rPr kumimoji="1" lang="zh-CN" altLang="en-US" sz="4800" dirty="0">
-                <a:latin typeface="Microsoft YaHei" panose="020B0503020204020204" pitchFamily="34" charset="-122"/>
-                <a:ea typeface="Microsoft YaHei" panose="020B0503020204020204" pitchFamily="34" charset="-122"/>
-              </a:rPr>
-              <a:t>如何定义并调用方法</a:t>
-            </a:r>
-            <a:endParaRPr kumimoji="1" lang="en-US" altLang="zh-CN" sz="4800" dirty="0">
-              <a:latin typeface="Microsoft YaHei" panose="020B0503020204020204" pitchFamily="34" charset="-122"/>
-              <a:ea typeface="Microsoft YaHei" panose="020B0503020204020204" pitchFamily="34" charset="-122"/>
-            </a:endParaRPr>
-          </a:p>
-        </p:txBody>
-      </p:sp>
-      <p:pic>
-        <p:nvPicPr>
-          <p:cNvPr id="4" name="图片 3">
-            <a:extLst>
-              <a:ext uri="{FF2B5EF4-FFF2-40B4-BE49-F238E27FC236}">
-                <a16:creationId xmlns:a16="http://schemas.microsoft.com/office/drawing/2014/main" id="{E3E40931-2A65-D049-AFF8-1A724DC281C2}"/>
-              </a:ext>
-            </a:extLst>
-          </p:cNvPr>
-          <p:cNvPicPr>
-            <a:picLocks noChangeAspect="1"/>
-          </p:cNvPicPr>
-          <p:nvPr/>
-        </p:nvPicPr>
-        <p:blipFill>
-          <a:blip r:embed="rId4"/>
-          <a:stretch>
-            <a:fillRect/>
-          </a:stretch>
-        </p:blipFill>
-        <p:spPr>
-          <a:xfrm>
-            <a:off x="722166" y="1888490"/>
-            <a:ext cx="10747667" cy="4065270"/>
-          </a:xfrm>
-          <a:prstGeom prst="rect">
-            <a:avLst/>
-          </a:prstGeom>
-        </p:spPr>
-      </p:pic>
-    </p:spTree>
-    <p:extLst>
-      <p:ext uri="{BB962C8B-B14F-4D97-AF65-F5344CB8AC3E}">
-        <p14:creationId xmlns:p14="http://schemas.microsoft.com/office/powerpoint/2010/main" val="3610289145"/>
-      </p:ext>
-    </p:extLst>
-  </p:cSld>
-  <p:clrMapOvr>
-    <a:masterClrMapping/>
-  </p:clrMapOvr>
-</p:sld>
-</file>
-
-<file path=ppt/slides/slide16.xml><?xml version="1.0" encoding="utf-8"?>
-<p:sld xmlns:a="http://schemas.openxmlformats.org/drawingml/2006/main" xmlns:r="http://schemas.openxmlformats.org/officeDocument/2006/relationships" xmlns:p="http://schemas.openxmlformats.org/presentationml/2006/main">
-  <p:cSld>
-    <p:bg>
-      <p:bgPr>
-        <a:blipFill>
-          <a:blip r:embed="rId3"/>
-          <a:tile tx="0" ty="0" sx="100000" sy="100000" flip="none" algn="tl"/>
-        </a:blipFill>
-        <a:effectLst/>
-      </p:bgPr>
-    </p:bg>
-    <p:spTree>
-      <p:nvGrpSpPr>
-        <p:cNvPr id="1" name=""/>
-        <p:cNvGrpSpPr/>
-        <p:nvPr/>
-      </p:nvGrpSpPr>
-      <p:grpSpPr>
-        <a:xfrm>
-          <a:off x="0" y="0"/>
-          <a:ext cx="0" cy="0"/>
-          <a:chOff x="0" y="0"/>
-          <a:chExt cx="0" cy="0"/>
-        </a:xfrm>
-      </p:grpSpPr>
-      <p:sp>
-        <p:nvSpPr>
-          <p:cNvPr id="2" name="文本框 1">
-            <a:extLst>
-              <a:ext uri="{FF2B5EF4-FFF2-40B4-BE49-F238E27FC236}">
-                <a16:creationId xmlns:a16="http://schemas.microsoft.com/office/drawing/2014/main" id="{12AA8BCC-7B15-4842-80C2-48C079429338}"/>
-              </a:ext>
-            </a:extLst>
-          </p:cNvPr>
-          <p:cNvSpPr txBox="1"/>
-          <p:nvPr/>
-        </p:nvSpPr>
-        <p:spPr>
-          <a:xfrm>
-            <a:off x="2234234" y="597430"/>
-            <a:ext cx="9132000" cy="830997"/>
-          </a:xfrm>
-          <a:prstGeom prst="rect">
-            <a:avLst/>
-          </a:prstGeom>
-          <a:noFill/>
-        </p:spPr>
-        <p:txBody>
-          <a:bodyPr wrap="square" rtlCol="0">
-            <a:spAutoFit/>
-          </a:bodyPr>
-          <a:lstStyle/>
-          <a:p>
-            <a:pPr algn="ctr"/>
-            <a:r>
-              <a:rPr kumimoji="1" lang="en-US" altLang="zh-CN" sz="4800" dirty="0">
-                <a:latin typeface="Microsoft YaHei" panose="020B0503020204020204" pitchFamily="34" charset="-122"/>
-                <a:ea typeface="Microsoft YaHei" panose="020B0503020204020204" pitchFamily="34" charset="-122"/>
-              </a:rPr>
-              <a:t>4.Void</a:t>
-            </a:r>
-            <a:r>
-              <a:rPr kumimoji="1" lang="zh-CN" altLang="en-US" sz="4800" dirty="0">
-                <a:latin typeface="Microsoft YaHei" panose="020B0503020204020204" pitchFamily="34" charset="-122"/>
-                <a:ea typeface="Microsoft YaHei" panose="020B0503020204020204" pitchFamily="34" charset="-122"/>
-              </a:rPr>
-              <a:t>方法</a:t>
-            </a:r>
-            <a:endParaRPr kumimoji="1" lang="en-US" altLang="zh-CN" sz="4800" dirty="0">
-              <a:latin typeface="Microsoft YaHei" panose="020B0503020204020204" pitchFamily="34" charset="-122"/>
-              <a:ea typeface="Microsoft YaHei" panose="020B0503020204020204" pitchFamily="34" charset="-122"/>
-            </a:endParaRPr>
-          </a:p>
-        </p:txBody>
-      </p:sp>
-      <p:sp>
-        <p:nvSpPr>
-          <p:cNvPr id="3" name="文本框 2">
-            <a:extLst>
-              <a:ext uri="{FF2B5EF4-FFF2-40B4-BE49-F238E27FC236}">
-                <a16:creationId xmlns:a16="http://schemas.microsoft.com/office/drawing/2014/main" id="{C0CFBE9F-84F2-FE48-AC8E-D41196C42DBA}"/>
-              </a:ext>
-            </a:extLst>
-          </p:cNvPr>
-          <p:cNvSpPr txBox="1"/>
-          <p:nvPr/>
-        </p:nvSpPr>
-        <p:spPr>
-          <a:xfrm>
-            <a:off x="1731818" y="2015173"/>
-            <a:ext cx="8728364" cy="3894143"/>
-          </a:xfrm>
-          <a:prstGeom prst="rect">
-            <a:avLst/>
-          </a:prstGeom>
-          <a:noFill/>
-        </p:spPr>
-        <p:txBody>
-          <a:bodyPr wrap="square" rtlCol="0">
-            <a:spAutoFit/>
-          </a:bodyPr>
-          <a:lstStyle/>
-          <a:p>
-            <a:pPr>
-              <a:lnSpc>
-                <a:spcPct val="150000"/>
-              </a:lnSpc>
-            </a:pPr>
-            <a:r>
-              <a:rPr kumimoji="1" lang="en-US" altLang="zh-CN" sz="2800" dirty="0">
-                <a:latin typeface="Microsoft YaHei" panose="020B0503020204020204" pitchFamily="34" charset="-122"/>
-                <a:ea typeface="Microsoft YaHei" panose="020B0503020204020204" pitchFamily="34" charset="-122"/>
-              </a:rPr>
-              <a:t>Void</a:t>
-            </a:r>
-            <a:r>
-              <a:rPr kumimoji="1" lang="zh-CN" altLang="en-US" sz="2800" dirty="0">
-                <a:latin typeface="Microsoft YaHei" panose="020B0503020204020204" pitchFamily="34" charset="-122"/>
-                <a:ea typeface="Microsoft YaHei" panose="020B0503020204020204" pitchFamily="34" charset="-122"/>
-              </a:rPr>
-              <a:t>方法是所有方法中的其中一类，只不过它没有返回值</a:t>
-            </a:r>
-            <a:endParaRPr kumimoji="1" lang="en-US" altLang="zh-CN" sz="2800" dirty="0">
-              <a:latin typeface="Microsoft YaHei" panose="020B0503020204020204" pitchFamily="34" charset="-122"/>
-              <a:ea typeface="Microsoft YaHei" panose="020B0503020204020204" pitchFamily="34" charset="-122"/>
-            </a:endParaRPr>
-          </a:p>
-          <a:p>
-            <a:pPr>
-              <a:lnSpc>
-                <a:spcPct val="150000"/>
-              </a:lnSpc>
-            </a:pPr>
-            <a:r>
-              <a:rPr kumimoji="1" lang="en-US" altLang="zh-CN" sz="2800" dirty="0">
-                <a:latin typeface="Microsoft YaHei" panose="020B0503020204020204" pitchFamily="34" charset="-122"/>
-                <a:ea typeface="Microsoft YaHei" panose="020B0503020204020204" pitchFamily="34" charset="-122"/>
-              </a:rPr>
-              <a:t>Void</a:t>
-            </a:r>
-            <a:r>
-              <a:rPr kumimoji="1" lang="zh-CN" altLang="en-US" sz="2800" dirty="0">
-                <a:latin typeface="Microsoft YaHei" panose="020B0503020204020204" pitchFamily="34" charset="-122"/>
-                <a:ea typeface="Microsoft YaHei" panose="020B0503020204020204" pitchFamily="34" charset="-122"/>
-              </a:rPr>
-              <a:t>常用于 打印，转变全局变量，转变传入的引用</a:t>
-            </a:r>
-            <a:r>
-              <a:rPr kumimoji="1" lang="en-US" altLang="zh-CN" sz="2800" dirty="0">
-                <a:latin typeface="Microsoft YaHei" panose="020B0503020204020204" pitchFamily="34" charset="-122"/>
-                <a:ea typeface="Microsoft YaHei" panose="020B0503020204020204" pitchFamily="34" charset="-122"/>
-              </a:rPr>
-              <a:t>(</a:t>
-            </a:r>
-            <a:r>
-              <a:rPr kumimoji="1" lang="zh-CN" altLang="en-US" sz="2800" dirty="0">
-                <a:latin typeface="Microsoft YaHei" panose="020B0503020204020204" pitchFamily="34" charset="-122"/>
-                <a:ea typeface="Microsoft YaHei" panose="020B0503020204020204" pitchFamily="34" charset="-122"/>
-              </a:rPr>
-              <a:t>以引用方式传入参数，后面会讲以值的方式传入参数，这是</a:t>
-            </a:r>
-            <a:r>
-              <a:rPr kumimoji="1" lang="en-US" altLang="zh-CN" sz="2800" dirty="0">
-                <a:latin typeface="Microsoft YaHei" panose="020B0503020204020204" pitchFamily="34" charset="-122"/>
-                <a:ea typeface="Microsoft YaHei" panose="020B0503020204020204" pitchFamily="34" charset="-122"/>
-              </a:rPr>
-              <a:t>2</a:t>
-            </a:r>
-            <a:r>
-              <a:rPr kumimoji="1" lang="zh-CN" altLang="en-US" sz="2800" dirty="0">
-                <a:latin typeface="Microsoft YaHei" panose="020B0503020204020204" pitchFamily="34" charset="-122"/>
-                <a:ea typeface="Microsoft YaHei" panose="020B0503020204020204" pitchFamily="34" charset="-122"/>
-              </a:rPr>
-              <a:t>种不同的方式</a:t>
-            </a:r>
-            <a:r>
-              <a:rPr kumimoji="1" lang="en-US" altLang="zh-CN" sz="2800" dirty="0">
-                <a:latin typeface="Microsoft YaHei" panose="020B0503020204020204" pitchFamily="34" charset="-122"/>
-                <a:ea typeface="Microsoft YaHei" panose="020B0503020204020204" pitchFamily="34" charset="-122"/>
-              </a:rPr>
-              <a:t>)</a:t>
-            </a:r>
-          </a:p>
-          <a:p>
-            <a:pPr marL="1028700" lvl="1" indent="-571500">
-              <a:lnSpc>
-                <a:spcPct val="150000"/>
-              </a:lnSpc>
-              <a:buFont typeface="Wingdings" pitchFamily="2" charset="2"/>
-              <a:buChar char="Ø"/>
-            </a:pPr>
-            <a:endParaRPr kumimoji="1" lang="en-US" altLang="zh-CN" sz="2800" dirty="0">
-              <a:latin typeface="Microsoft YaHei" panose="020B0503020204020204" pitchFamily="34" charset="-122"/>
-              <a:ea typeface="Microsoft YaHei" panose="020B0503020204020204" pitchFamily="34" charset="-122"/>
-            </a:endParaRPr>
-          </a:p>
-        </p:txBody>
-      </p:sp>
-      <p:sp>
-        <p:nvSpPr>
-          <p:cNvPr id="4" name="文本框 3">
-            <a:extLst>
-              <a:ext uri="{FF2B5EF4-FFF2-40B4-BE49-F238E27FC236}">
-                <a16:creationId xmlns:a16="http://schemas.microsoft.com/office/drawing/2014/main" id="{F8CED669-7580-E546-A3A0-E4AC19AFDC77}"/>
-              </a:ext>
-            </a:extLst>
-          </p:cNvPr>
-          <p:cNvSpPr txBox="1"/>
-          <p:nvPr/>
-        </p:nvSpPr>
-        <p:spPr>
-          <a:xfrm>
-            <a:off x="2193594" y="5541955"/>
-            <a:ext cx="8143702" cy="954107"/>
-          </a:xfrm>
-          <a:prstGeom prst="rect">
-            <a:avLst/>
-          </a:prstGeom>
-          <a:solidFill>
-            <a:schemeClr val="accent2"/>
-          </a:solidFill>
-        </p:spPr>
-        <p:txBody>
-          <a:bodyPr wrap="square" rtlCol="0">
-            <a:spAutoFit/>
-          </a:bodyPr>
-          <a:lstStyle/>
-          <a:p>
-            <a:r>
-              <a:rPr kumimoji="1" lang="zh-CN" altLang="en-US" sz="2800" dirty="0"/>
-              <a:t>举例： 打印成绩</a:t>
-            </a:r>
-            <a:endParaRPr kumimoji="1" lang="en-US" altLang="zh-CN" sz="2800" dirty="0"/>
-          </a:p>
-          <a:p>
-            <a:endParaRPr kumimoji="1" lang="zh-CN" altLang="en-US" sz="2800" dirty="0"/>
-          </a:p>
-        </p:txBody>
-      </p:sp>
-    </p:spTree>
-    <p:extLst>
-      <p:ext uri="{BB962C8B-B14F-4D97-AF65-F5344CB8AC3E}">
-        <p14:creationId xmlns:p14="http://schemas.microsoft.com/office/powerpoint/2010/main" val="401505725"/>
-      </p:ext>
-    </p:extLst>
-  </p:cSld>
-  <p:clrMapOvr>
-    <a:masterClrMapping/>
-  </p:clrMapOvr>
-</p:sld>
-</file>
-
-<file path=ppt/slides/slide17.xml><?xml version="1.0" encoding="utf-8"?>
-<p:sld xmlns:a="http://schemas.openxmlformats.org/drawingml/2006/main" xmlns:r="http://schemas.openxmlformats.org/officeDocument/2006/relationships" xmlns:p="http://schemas.openxmlformats.org/presentationml/2006/main">
-  <p:cSld>
-    <p:bg>
-      <p:bgPr>
-        <a:blipFill>
-          <a:blip r:embed="rId3"/>
-          <a:tile tx="0" ty="0" sx="100000" sy="100000" flip="none" algn="tl"/>
-        </a:blipFill>
-        <a:effectLst/>
-      </p:bgPr>
-    </p:bg>
-    <p:spTree>
-      <p:nvGrpSpPr>
-        <p:cNvPr id="1" name=""/>
-        <p:cNvGrpSpPr/>
-        <p:nvPr/>
-      </p:nvGrpSpPr>
-      <p:grpSpPr>
-        <a:xfrm>
-          <a:off x="0" y="0"/>
-          <a:ext cx="0" cy="0"/>
-          <a:chOff x="0" y="0"/>
-          <a:chExt cx="0" cy="0"/>
-        </a:xfrm>
-      </p:grpSpPr>
-      <p:sp>
-        <p:nvSpPr>
-          <p:cNvPr id="2" name="文本框 1">
-            <a:extLst>
-              <a:ext uri="{FF2B5EF4-FFF2-40B4-BE49-F238E27FC236}">
-                <a16:creationId xmlns:a16="http://schemas.microsoft.com/office/drawing/2014/main" id="{12AA8BCC-7B15-4842-80C2-48C079429338}"/>
-              </a:ext>
-            </a:extLst>
-          </p:cNvPr>
-          <p:cNvSpPr txBox="1"/>
-          <p:nvPr/>
-        </p:nvSpPr>
-        <p:spPr>
-          <a:xfrm>
-            <a:off x="2234234" y="597430"/>
-            <a:ext cx="9132000" cy="830997"/>
-          </a:xfrm>
-          <a:prstGeom prst="rect">
-            <a:avLst/>
-          </a:prstGeom>
-          <a:noFill/>
-        </p:spPr>
-        <p:txBody>
-          <a:bodyPr wrap="square" rtlCol="0">
-            <a:spAutoFit/>
-          </a:bodyPr>
-          <a:lstStyle/>
-          <a:p>
-            <a:pPr algn="ctr"/>
-            <a:r>
-              <a:rPr kumimoji="1" lang="en-US" altLang="zh-CN" sz="4800" dirty="0">
-                <a:latin typeface="Microsoft YaHei" panose="020B0503020204020204" pitchFamily="34" charset="-122"/>
-                <a:ea typeface="Microsoft YaHei" panose="020B0503020204020204" pitchFamily="34" charset="-122"/>
-              </a:rPr>
-              <a:t>5.</a:t>
-            </a:r>
-            <a:r>
-              <a:rPr kumimoji="1" lang="zh-CN" altLang="en-US" sz="4800" dirty="0">
-                <a:latin typeface="Microsoft YaHei" panose="020B0503020204020204" pitchFamily="34" charset="-122"/>
-                <a:ea typeface="Microsoft YaHei" panose="020B0503020204020204" pitchFamily="34" charset="-122"/>
-              </a:rPr>
-              <a:t>按值作为参数</a:t>
-            </a:r>
-            <a:endParaRPr kumimoji="1" lang="en-US" altLang="zh-CN" sz="4800" dirty="0">
-              <a:latin typeface="Microsoft YaHei" panose="020B0503020204020204" pitchFamily="34" charset="-122"/>
-              <a:ea typeface="Microsoft YaHei" panose="020B0503020204020204" pitchFamily="34" charset="-122"/>
-            </a:endParaRPr>
-          </a:p>
-        </p:txBody>
-      </p:sp>
-      <p:sp>
-        <p:nvSpPr>
-          <p:cNvPr id="3" name="文本框 2">
-            <a:extLst>
-              <a:ext uri="{FF2B5EF4-FFF2-40B4-BE49-F238E27FC236}">
-                <a16:creationId xmlns:a16="http://schemas.microsoft.com/office/drawing/2014/main" id="{C0CFBE9F-84F2-FE48-AC8E-D41196C42DBA}"/>
-              </a:ext>
-            </a:extLst>
-          </p:cNvPr>
-          <p:cNvSpPr txBox="1"/>
-          <p:nvPr/>
-        </p:nvSpPr>
-        <p:spPr>
-          <a:xfrm>
-            <a:off x="1731818" y="2015173"/>
-            <a:ext cx="8728364" cy="3247812"/>
-          </a:xfrm>
-          <a:prstGeom prst="rect">
-            <a:avLst/>
-          </a:prstGeom>
-          <a:noFill/>
-        </p:spPr>
-        <p:txBody>
-          <a:bodyPr wrap="square" rtlCol="0">
-            <a:spAutoFit/>
-          </a:bodyPr>
-          <a:lstStyle/>
-          <a:p>
-            <a:pPr>
-              <a:lnSpc>
-                <a:spcPct val="150000"/>
-              </a:lnSpc>
-            </a:pPr>
-            <a:r>
-              <a:rPr kumimoji="1" lang="zh-CN" altLang="en-US" sz="2800" dirty="0">
-                <a:latin typeface="Microsoft YaHei" panose="020B0503020204020204" pitchFamily="34" charset="-122"/>
-                <a:ea typeface="Microsoft YaHei" panose="020B0503020204020204" pitchFamily="34" charset="-122"/>
-              </a:rPr>
-              <a:t>当调用带参数的方法时，实参的值传递给形参，这个过程称为按值传递</a:t>
-            </a:r>
-            <a:r>
-              <a:rPr kumimoji="1" lang="en-US" altLang="zh-CN" sz="2800" dirty="0">
-                <a:latin typeface="Microsoft YaHei" panose="020B0503020204020204" pitchFamily="34" charset="-122"/>
-                <a:ea typeface="Microsoft YaHei" panose="020B0503020204020204" pitchFamily="34" charset="-122"/>
-              </a:rPr>
-              <a:t>(pass by </a:t>
-            </a:r>
-            <a:r>
-              <a:rPr kumimoji="1" lang="en-US" altLang="zh-CN" sz="2800" dirty="0" err="1">
-                <a:latin typeface="Microsoft YaHei" panose="020B0503020204020204" pitchFamily="34" charset="-122"/>
-                <a:ea typeface="Microsoft YaHei" panose="020B0503020204020204" pitchFamily="34" charset="-122"/>
-              </a:rPr>
-              <a:t>va!ue</a:t>
-            </a:r>
-            <a:r>
-              <a:rPr kumimoji="1" lang="en-US" altLang="zh-CN" sz="2800" dirty="0">
-                <a:latin typeface="Microsoft YaHei" panose="020B0503020204020204" pitchFamily="34" charset="-122"/>
-                <a:ea typeface="Microsoft YaHei" panose="020B0503020204020204" pitchFamily="34" charset="-122"/>
-              </a:rPr>
-              <a:t>)</a:t>
-            </a:r>
-          </a:p>
-          <a:p>
-            <a:pPr>
-              <a:lnSpc>
-                <a:spcPct val="150000"/>
-              </a:lnSpc>
-            </a:pPr>
-            <a:r>
-              <a:rPr kumimoji="1" lang="en-US" altLang="zh-CN" sz="2800" dirty="0">
-                <a:latin typeface="Microsoft YaHei" panose="020B0503020204020204" pitchFamily="34" charset="-122"/>
-                <a:ea typeface="Microsoft YaHei" panose="020B0503020204020204" pitchFamily="34" charset="-122"/>
-              </a:rPr>
-              <a:t> </a:t>
-            </a:r>
-            <a:r>
-              <a:rPr kumimoji="1" lang="zh-CN" altLang="en-US" sz="2800" dirty="0">
-                <a:latin typeface="Microsoft YaHei" panose="020B0503020204020204" pitchFamily="34" charset="-122"/>
-                <a:ea typeface="Microsoft YaHei" panose="020B0503020204020204" pitchFamily="34" charset="-122"/>
-              </a:rPr>
-              <a:t>将该变童的值传递给形参。</a:t>
-            </a:r>
-            <a:r>
-              <a:rPr kumimoji="1" lang="zh-CN" altLang="en-US" sz="2800" u="sng" dirty="0">
-                <a:solidFill>
-                  <a:srgbClr val="00B050"/>
-                </a:solidFill>
-                <a:latin typeface="Microsoft YaHei" panose="020B0503020204020204" pitchFamily="34" charset="-122"/>
-                <a:ea typeface="Microsoft YaHei" panose="020B0503020204020204" pitchFamily="34" charset="-122"/>
-              </a:rPr>
-              <a:t>无论形参在方法中是 否改变，该变量都不受影响。 </a:t>
-            </a:r>
-          </a:p>
-          <a:p>
-            <a:pPr marL="571500" indent="-571500" algn="ctr">
-              <a:lnSpc>
-                <a:spcPct val="150000"/>
-              </a:lnSpc>
-              <a:buFont typeface="Wingdings" pitchFamily="2" charset="2"/>
-              <a:buChar char="Ø"/>
-            </a:pPr>
-            <a:endParaRPr kumimoji="1" lang="zh-CN" altLang="en-US" sz="2800" dirty="0">
-              <a:latin typeface="Microsoft YaHei" panose="020B0503020204020204" pitchFamily="34" charset="-122"/>
-              <a:ea typeface="Microsoft YaHei" panose="020B0503020204020204" pitchFamily="34" charset="-122"/>
-            </a:endParaRPr>
-          </a:p>
-        </p:txBody>
-      </p:sp>
-      <p:sp>
-        <p:nvSpPr>
-          <p:cNvPr id="4" name="文本框 3">
-            <a:extLst>
-              <a:ext uri="{FF2B5EF4-FFF2-40B4-BE49-F238E27FC236}">
-                <a16:creationId xmlns:a16="http://schemas.microsoft.com/office/drawing/2014/main" id="{ED516FFF-C307-994E-B74D-777D7738C653}"/>
-              </a:ext>
-            </a:extLst>
-          </p:cNvPr>
-          <p:cNvSpPr txBox="1"/>
-          <p:nvPr/>
-        </p:nvSpPr>
-        <p:spPr>
-          <a:xfrm>
-            <a:off x="1889760" y="5811520"/>
-            <a:ext cx="7294880" cy="400110"/>
-          </a:xfrm>
-          <a:prstGeom prst="rect">
-            <a:avLst/>
-          </a:prstGeom>
-          <a:solidFill>
-            <a:schemeClr val="accent2"/>
-          </a:solidFill>
-        </p:spPr>
-        <p:txBody>
-          <a:bodyPr wrap="square" rtlCol="0">
-            <a:spAutoFit/>
-          </a:bodyPr>
-          <a:lstStyle/>
-          <a:p>
-            <a:r>
-              <a:rPr kumimoji="1" lang="zh-CN" altLang="en-US" sz="2000" dirty="0">
-                <a:solidFill>
-                  <a:schemeClr val="bg1"/>
-                </a:solidFill>
-                <a:latin typeface="Microsoft YaHei" panose="020B0503020204020204" pitchFamily="34" charset="-122"/>
-                <a:ea typeface="Microsoft YaHei" panose="020B0503020204020204" pitchFamily="34" charset="-122"/>
-              </a:rPr>
-              <a:t>上代码，参考书中例子 的 </a:t>
-            </a:r>
-            <a:r>
-              <a:rPr kumimoji="1" lang="en-US" altLang="zh-CN" sz="2000" dirty="0">
-                <a:solidFill>
-                  <a:schemeClr val="bg1"/>
-                </a:solidFill>
-                <a:latin typeface="Microsoft YaHei" panose="020B0503020204020204" pitchFamily="34" charset="-122"/>
-                <a:ea typeface="Microsoft YaHei" panose="020B0503020204020204" pitchFamily="34" charset="-122"/>
-              </a:rPr>
-              <a:t>swap</a:t>
-            </a:r>
-            <a:r>
-              <a:rPr kumimoji="1" lang="zh-CN" altLang="en-US" sz="2000" dirty="0">
-                <a:solidFill>
-                  <a:schemeClr val="bg1"/>
-                </a:solidFill>
-                <a:latin typeface="Microsoft YaHei" panose="020B0503020204020204" pitchFamily="34" charset="-122"/>
-                <a:ea typeface="Microsoft YaHei" panose="020B0503020204020204" pitchFamily="34" charset="-122"/>
-              </a:rPr>
-              <a:t> </a:t>
-            </a:r>
-            <a:r>
-              <a:rPr kumimoji="1" lang="en-US" altLang="zh-CN" sz="2000" dirty="0">
-                <a:solidFill>
-                  <a:schemeClr val="bg1"/>
-                </a:solidFill>
-                <a:latin typeface="Microsoft YaHei" panose="020B0503020204020204" pitchFamily="34" charset="-122"/>
-                <a:ea typeface="Microsoft YaHei" panose="020B0503020204020204" pitchFamily="34" charset="-122"/>
-              </a:rPr>
-              <a:t>(int</a:t>
-            </a:r>
-            <a:r>
-              <a:rPr kumimoji="1" lang="zh-CN" altLang="en-US" sz="2000" dirty="0">
-                <a:solidFill>
-                  <a:schemeClr val="bg1"/>
-                </a:solidFill>
-                <a:latin typeface="Microsoft YaHei" panose="020B0503020204020204" pitchFamily="34" charset="-122"/>
-                <a:ea typeface="Microsoft YaHei" panose="020B0503020204020204" pitchFamily="34" charset="-122"/>
-              </a:rPr>
-              <a:t> </a:t>
-            </a:r>
-            <a:r>
-              <a:rPr kumimoji="1" lang="en-US" altLang="zh-CN" sz="2000" dirty="0" err="1">
-                <a:solidFill>
-                  <a:schemeClr val="bg1"/>
-                </a:solidFill>
-                <a:latin typeface="Microsoft YaHei" panose="020B0503020204020204" pitchFamily="34" charset="-122"/>
-                <a:ea typeface="Microsoft YaHei" panose="020B0503020204020204" pitchFamily="34" charset="-122"/>
-              </a:rPr>
-              <a:t>a,int</a:t>
-            </a:r>
-            <a:r>
-              <a:rPr kumimoji="1" lang="zh-CN" altLang="en-US" sz="2000" dirty="0">
-                <a:solidFill>
-                  <a:schemeClr val="bg1"/>
-                </a:solidFill>
-                <a:latin typeface="Microsoft YaHei" panose="020B0503020204020204" pitchFamily="34" charset="-122"/>
-                <a:ea typeface="Microsoft YaHei" panose="020B0503020204020204" pitchFamily="34" charset="-122"/>
-              </a:rPr>
-              <a:t> </a:t>
-            </a:r>
-            <a:r>
-              <a:rPr kumimoji="1" lang="en-US" altLang="zh-CN" sz="2000" dirty="0">
-                <a:solidFill>
-                  <a:schemeClr val="bg1"/>
-                </a:solidFill>
-                <a:latin typeface="Microsoft YaHei" panose="020B0503020204020204" pitchFamily="34" charset="-122"/>
-                <a:ea typeface="Microsoft YaHei" panose="020B0503020204020204" pitchFamily="34" charset="-122"/>
-              </a:rPr>
-              <a:t>b)</a:t>
-            </a:r>
-            <a:endParaRPr kumimoji="1" lang="zh-CN" altLang="en-US" sz="2000" dirty="0">
-              <a:solidFill>
-                <a:schemeClr val="bg1"/>
-              </a:solidFill>
-              <a:latin typeface="Microsoft YaHei" panose="020B0503020204020204" pitchFamily="34" charset="-122"/>
-              <a:ea typeface="Microsoft YaHei" panose="020B0503020204020204" pitchFamily="34" charset="-122"/>
-            </a:endParaRPr>
-          </a:p>
-        </p:txBody>
-      </p:sp>
-    </p:spTree>
-    <p:extLst>
-      <p:ext uri="{BB962C8B-B14F-4D97-AF65-F5344CB8AC3E}">
-        <p14:creationId xmlns:p14="http://schemas.microsoft.com/office/powerpoint/2010/main" val="2532579333"/>
-      </p:ext>
-    </p:extLst>
-  </p:cSld>
-  <p:clrMapOvr>
-    <a:masterClrMapping/>
-  </p:clrMapOvr>
-</p:sld>
-</file>
-
-<file path=ppt/slides/slide18.xml><?xml version="1.0" encoding="utf-8"?>
-<p:sld xmlns:a="http://schemas.openxmlformats.org/drawingml/2006/main" xmlns:r="http://schemas.openxmlformats.org/officeDocument/2006/relationships" xmlns:p="http://schemas.openxmlformats.org/presentationml/2006/main">
-  <p:cSld>
-    <p:bg>
-      <p:bgPr>
-        <a:blipFill>
-          <a:blip r:embed="rId3"/>
-          <a:tile tx="0" ty="0" sx="100000" sy="100000" flip="none" algn="tl"/>
-        </a:blipFill>
-        <a:effectLst/>
-      </p:bgPr>
-    </p:bg>
-    <p:spTree>
-      <p:nvGrpSpPr>
-        <p:cNvPr id="1" name=""/>
-        <p:cNvGrpSpPr/>
-        <p:nvPr/>
-      </p:nvGrpSpPr>
-      <p:grpSpPr>
-        <a:xfrm>
-          <a:off x="0" y="0"/>
-          <a:ext cx="0" cy="0"/>
-          <a:chOff x="0" y="0"/>
-          <a:chExt cx="0" cy="0"/>
-        </a:xfrm>
-      </p:grpSpPr>
-      <p:sp>
-        <p:nvSpPr>
-          <p:cNvPr id="2" name="文本框 1">
-            <a:extLst>
-              <a:ext uri="{FF2B5EF4-FFF2-40B4-BE49-F238E27FC236}">
-                <a16:creationId xmlns:a16="http://schemas.microsoft.com/office/drawing/2014/main" id="{12AA8BCC-7B15-4842-80C2-48C079429338}"/>
-              </a:ext>
-            </a:extLst>
-          </p:cNvPr>
-          <p:cNvSpPr txBox="1"/>
-          <p:nvPr/>
-        </p:nvSpPr>
-        <p:spPr>
-          <a:xfrm>
-            <a:off x="2234234" y="597430"/>
-            <a:ext cx="9132000" cy="830997"/>
-          </a:xfrm>
-          <a:prstGeom prst="rect">
-            <a:avLst/>
-          </a:prstGeom>
-          <a:noFill/>
-        </p:spPr>
-        <p:txBody>
-          <a:bodyPr wrap="square" rtlCol="0">
-            <a:spAutoFit/>
-          </a:bodyPr>
-          <a:lstStyle/>
-          <a:p>
-            <a:pPr algn="ctr"/>
-            <a:r>
-              <a:rPr kumimoji="1" lang="en-US" altLang="zh-CN" sz="4800" dirty="0">
-                <a:latin typeface="Microsoft YaHei" panose="020B0503020204020204" pitchFamily="34" charset="-122"/>
-                <a:ea typeface="Microsoft YaHei" panose="020B0503020204020204" pitchFamily="34" charset="-122"/>
-              </a:rPr>
-              <a:t>6.</a:t>
-            </a:r>
-            <a:r>
-              <a:rPr kumimoji="1" lang="zh-CN" altLang="en-US" sz="4800" dirty="0">
-                <a:latin typeface="Microsoft YaHei" panose="020B0503020204020204" pitchFamily="34" charset="-122"/>
-                <a:ea typeface="Microsoft YaHei" panose="020B0503020204020204" pitchFamily="34" charset="-122"/>
-              </a:rPr>
-              <a:t>按值作为参数</a:t>
-            </a:r>
-            <a:endParaRPr kumimoji="1" lang="en-US" altLang="zh-CN" sz="4800" dirty="0">
-              <a:latin typeface="Microsoft YaHei" panose="020B0503020204020204" pitchFamily="34" charset="-122"/>
-              <a:ea typeface="Microsoft YaHei" panose="020B0503020204020204" pitchFamily="34" charset="-122"/>
-            </a:endParaRPr>
-          </a:p>
-        </p:txBody>
-      </p:sp>
-      <p:sp>
-        <p:nvSpPr>
-          <p:cNvPr id="3" name="文本框 2">
-            <a:extLst>
-              <a:ext uri="{FF2B5EF4-FFF2-40B4-BE49-F238E27FC236}">
-                <a16:creationId xmlns:a16="http://schemas.microsoft.com/office/drawing/2014/main" id="{C0CFBE9F-84F2-FE48-AC8E-D41196C42DBA}"/>
-              </a:ext>
-            </a:extLst>
-          </p:cNvPr>
-          <p:cNvSpPr txBox="1"/>
-          <p:nvPr/>
-        </p:nvSpPr>
-        <p:spPr>
-          <a:xfrm>
-            <a:off x="1731818" y="2015173"/>
-            <a:ext cx="8728364" cy="4109587"/>
-          </a:xfrm>
-          <a:prstGeom prst="rect">
-            <a:avLst/>
-          </a:prstGeom>
-          <a:noFill/>
-        </p:spPr>
-        <p:txBody>
-          <a:bodyPr wrap="square" rtlCol="0">
-            <a:spAutoFit/>
-          </a:bodyPr>
-          <a:lstStyle/>
-          <a:p>
-            <a:pPr marL="457200" indent="-457200">
-              <a:buFont typeface="Arial" panose="020B0604020202020204" pitchFamily="34" charset="0"/>
-              <a:buChar char="•"/>
-            </a:pPr>
-            <a:r>
-              <a:rPr lang="zh-CN" altLang="en-US" sz="2800" dirty="0"/>
-              <a:t>标识符</a:t>
-            </a:r>
-            <a:r>
-              <a:rPr lang="en-US" altLang="zh-CN" sz="2800" dirty="0"/>
-              <a:t>:</a:t>
-            </a:r>
-            <a:r>
-              <a:rPr lang="zh-CN" altLang="en-US" sz="2800" dirty="0"/>
-              <a:t>  为了标识程序中的变量，函数，类而采用的命名。是由字母、数字、下划线</a:t>
-            </a:r>
-            <a:r>
-              <a:rPr lang="en-US" altLang="zh-CN" sz="2800" dirty="0"/>
-              <a:t>(_)</a:t>
-            </a:r>
-            <a:r>
-              <a:rPr lang="zh-CN" altLang="en-US" sz="2800" dirty="0"/>
-              <a:t>和美元符号</a:t>
-            </a:r>
-            <a:r>
-              <a:rPr lang="en-US" altLang="zh-CN" sz="2800" dirty="0"/>
-              <a:t>($)</a:t>
-            </a:r>
-            <a:r>
-              <a:rPr lang="zh-CN" altLang="en-US" sz="2800" dirty="0"/>
-              <a:t>构成的字符序列。 </a:t>
-            </a:r>
-          </a:p>
-          <a:p>
-            <a:pPr marL="457200" indent="-457200">
-              <a:buFont typeface="Arial" panose="020B0604020202020204" pitchFamily="34" charset="0"/>
-              <a:buChar char="•"/>
-            </a:pPr>
-            <a:r>
-              <a:rPr lang="zh-CN" altLang="en-US" sz="2800" dirty="0"/>
-              <a:t>标识符必须以字母、下划线</a:t>
-            </a:r>
-            <a:r>
-              <a:rPr lang="en-US" altLang="zh-CN" sz="2800" dirty="0"/>
-              <a:t>(_)</a:t>
-            </a:r>
-            <a:r>
-              <a:rPr lang="zh-CN" altLang="en-US" sz="2800" dirty="0"/>
-              <a:t>或美元符号</a:t>
-            </a:r>
-            <a:r>
-              <a:rPr lang="en-US" altLang="zh-CN" sz="2800" dirty="0"/>
-              <a:t>($)</a:t>
-            </a:r>
-            <a:r>
-              <a:rPr lang="zh-CN" altLang="en-US" sz="2800" dirty="0"/>
-              <a:t>开头，不能以数字开头。 </a:t>
-            </a:r>
-            <a:endParaRPr lang="en-US" altLang="zh-CN" sz="2800" dirty="0"/>
-          </a:p>
-          <a:p>
-            <a:pPr marL="457200" indent="-457200">
-              <a:buFont typeface="Arial" panose="020B0604020202020204" pitchFamily="34" charset="0"/>
-              <a:buChar char="•"/>
-            </a:pPr>
-            <a:r>
-              <a:rPr lang="zh-CN" altLang="en-US" sz="2800" dirty="0"/>
-              <a:t>标识符不能是保留字</a:t>
-            </a:r>
-            <a:r>
-              <a:rPr lang="en-US" altLang="zh-CN" sz="2800" dirty="0"/>
-              <a:t>(</a:t>
-            </a:r>
-            <a:r>
-              <a:rPr lang="zh-CN" altLang="en-US" sz="2800" dirty="0"/>
-              <a:t>参见附录</a:t>
-            </a:r>
-            <a:r>
-              <a:rPr lang="en-US" altLang="zh-CN" sz="2800" dirty="0"/>
-              <a:t>A</a:t>
-            </a:r>
-            <a:r>
-              <a:rPr lang="zh-CN" altLang="en-US" sz="2800" dirty="0"/>
-              <a:t>中的保留字列表</a:t>
-            </a:r>
-            <a:r>
-              <a:rPr lang="en-US" altLang="zh-CN" sz="2800" dirty="0"/>
-              <a:t>)</a:t>
-            </a:r>
-          </a:p>
-          <a:p>
-            <a:pPr marL="457200" indent="-457200">
-              <a:buFont typeface="Arial" panose="020B0604020202020204" pitchFamily="34" charset="0"/>
-              <a:buChar char="•"/>
-            </a:pPr>
-            <a:r>
-              <a:rPr lang="zh-CN" altLang="en-US" sz="2800" dirty="0"/>
-              <a:t>标识符不能是</a:t>
-            </a:r>
-            <a:r>
-              <a:rPr lang="en-US" altLang="zh-CN" sz="2800" dirty="0"/>
-              <a:t>true</a:t>
-            </a:r>
-            <a:r>
-              <a:rPr lang="zh-CN" altLang="en-US" sz="2800" dirty="0"/>
-              <a:t>、</a:t>
-            </a:r>
-            <a:r>
-              <a:rPr lang="en-US" altLang="zh-CN" sz="2800" dirty="0"/>
-              <a:t>false</a:t>
-            </a:r>
-            <a:r>
-              <a:rPr lang="zh-CN" altLang="en-US" sz="2800" dirty="0"/>
-              <a:t>或</a:t>
-            </a:r>
-            <a:r>
-              <a:rPr lang="en-US" altLang="zh-CN" sz="2800" dirty="0"/>
-              <a:t>null</a:t>
-            </a:r>
-            <a:r>
-              <a:rPr lang="zh-CN" altLang="en-US" sz="2800" dirty="0"/>
-              <a:t>。</a:t>
-            </a:r>
-            <a:endParaRPr lang="en-US" altLang="zh-CN" sz="2800" dirty="0"/>
-          </a:p>
-          <a:p>
-            <a:pPr marL="457200" indent="-457200">
-              <a:buFont typeface="Arial" panose="020B0604020202020204" pitchFamily="34" charset="0"/>
-              <a:buChar char="•"/>
-            </a:pPr>
-            <a:r>
-              <a:rPr lang="zh-CN" altLang="en-US" sz="2800" dirty="0"/>
-              <a:t>标识符可以为任意长度。 </a:t>
-            </a:r>
-          </a:p>
-          <a:p>
-            <a:pPr marL="571500" indent="-571500" algn="ctr">
-              <a:lnSpc>
-                <a:spcPct val="150000"/>
-              </a:lnSpc>
-              <a:buFont typeface="Wingdings" pitchFamily="2" charset="2"/>
-              <a:buChar char="Ø"/>
-            </a:pPr>
-            <a:endParaRPr kumimoji="1" lang="zh-CN" altLang="en-US" sz="2800" dirty="0">
-              <a:latin typeface="Microsoft YaHei" panose="020B0503020204020204" pitchFamily="34" charset="-122"/>
-              <a:ea typeface="Microsoft YaHei" panose="020B0503020204020204" pitchFamily="34" charset="-122"/>
-            </a:endParaRPr>
-          </a:p>
-        </p:txBody>
-      </p:sp>
-    </p:spTree>
-    <p:extLst>
-      <p:ext uri="{BB962C8B-B14F-4D97-AF65-F5344CB8AC3E}">
-        <p14:creationId xmlns:p14="http://schemas.microsoft.com/office/powerpoint/2010/main" val="1753380635"/>
-      </p:ext>
-    </p:extLst>
-  </p:cSld>
-  <p:clrMapOvr>
-    <a:masterClrMapping/>
-  </p:clrMapOvr>
-</p:sld>
-</file>
-
-<file path=ppt/slides/slide19.xml><?xml version="1.0" encoding="utf-8"?>
-<p:sld xmlns:a="http://schemas.openxmlformats.org/drawingml/2006/main" xmlns:r="http://schemas.openxmlformats.org/officeDocument/2006/relationships" xmlns:p="http://schemas.openxmlformats.org/presentationml/2006/main">
-  <p:cSld>
-    <p:bg>
-      <p:bgPr>
-        <a:blipFill>
-          <a:blip r:embed="rId3"/>
-          <a:tile tx="0" ty="0" sx="100000" sy="100000" flip="none" algn="tl"/>
-        </a:blipFill>
-        <a:effectLst/>
-      </p:bgPr>
-    </p:bg>
-    <p:spTree>
-      <p:nvGrpSpPr>
-        <p:cNvPr id="1" name=""/>
-        <p:cNvGrpSpPr/>
-        <p:nvPr/>
-      </p:nvGrpSpPr>
-      <p:grpSpPr>
-        <a:xfrm>
-          <a:off x="0" y="0"/>
-          <a:ext cx="0" cy="0"/>
-          <a:chOff x="0" y="0"/>
-          <a:chExt cx="0" cy="0"/>
-        </a:xfrm>
-      </p:grpSpPr>
-      <p:sp>
-        <p:nvSpPr>
-          <p:cNvPr id="2" name="文本框 1">
-            <a:extLst>
-              <a:ext uri="{FF2B5EF4-FFF2-40B4-BE49-F238E27FC236}">
-                <a16:creationId xmlns:a16="http://schemas.microsoft.com/office/drawing/2014/main" id="{12AA8BCC-7B15-4842-80C2-48C079429338}"/>
-              </a:ext>
-            </a:extLst>
-          </p:cNvPr>
-          <p:cNvSpPr txBox="1"/>
-          <p:nvPr/>
-        </p:nvSpPr>
-        <p:spPr>
-          <a:xfrm>
-            <a:off x="2234234" y="597430"/>
-            <a:ext cx="9132000" cy="830997"/>
-          </a:xfrm>
-          <a:prstGeom prst="rect">
-            <a:avLst/>
-          </a:prstGeom>
-          <a:noFill/>
-        </p:spPr>
-        <p:txBody>
-          <a:bodyPr wrap="square" rtlCol="0">
-            <a:spAutoFit/>
-          </a:bodyPr>
-          <a:lstStyle/>
-          <a:p>
-            <a:pPr algn="ctr"/>
-            <a:r>
-              <a:rPr kumimoji="1" lang="en-US" altLang="zh-CN" sz="4800" dirty="0">
-                <a:latin typeface="Microsoft YaHei" panose="020B0503020204020204" pitchFamily="34" charset="-122"/>
-                <a:ea typeface="Microsoft YaHei" panose="020B0503020204020204" pitchFamily="34" charset="-122"/>
-              </a:rPr>
-              <a:t>7.</a:t>
-            </a:r>
-            <a:r>
-              <a:rPr kumimoji="1" lang="zh-CN" altLang="en-US" sz="4800" dirty="0">
-                <a:latin typeface="Microsoft YaHei" panose="020B0503020204020204" pitchFamily="34" charset="-122"/>
-                <a:ea typeface="Microsoft YaHei" panose="020B0503020204020204" pitchFamily="34" charset="-122"/>
-              </a:rPr>
-              <a:t> 重载方法</a:t>
-            </a:r>
-            <a:endParaRPr kumimoji="1" lang="en-US" altLang="zh-CN" sz="4800" dirty="0">
-              <a:latin typeface="Microsoft YaHei" panose="020B0503020204020204" pitchFamily="34" charset="-122"/>
-              <a:ea typeface="Microsoft YaHei" panose="020B0503020204020204" pitchFamily="34" charset="-122"/>
-            </a:endParaRPr>
-          </a:p>
-        </p:txBody>
-      </p:sp>
-      <p:sp>
-        <p:nvSpPr>
-          <p:cNvPr id="3" name="文本框 2">
-            <a:extLst>
-              <a:ext uri="{FF2B5EF4-FFF2-40B4-BE49-F238E27FC236}">
-                <a16:creationId xmlns:a16="http://schemas.microsoft.com/office/drawing/2014/main" id="{C0CFBE9F-84F2-FE48-AC8E-D41196C42DBA}"/>
-              </a:ext>
-            </a:extLst>
-          </p:cNvPr>
-          <p:cNvSpPr txBox="1"/>
-          <p:nvPr/>
-        </p:nvSpPr>
-        <p:spPr>
-          <a:xfrm>
-            <a:off x="1731818" y="2015173"/>
-            <a:ext cx="8728364" cy="662489"/>
-          </a:xfrm>
-          <a:prstGeom prst="rect">
-            <a:avLst/>
-          </a:prstGeom>
-          <a:noFill/>
-        </p:spPr>
-        <p:txBody>
-          <a:bodyPr wrap="square" rtlCol="0">
-            <a:spAutoFit/>
-          </a:bodyPr>
-          <a:lstStyle/>
-          <a:p>
-            <a:pPr>
-              <a:lnSpc>
-                <a:spcPct val="150000"/>
-              </a:lnSpc>
-            </a:pPr>
-            <a:r>
-              <a:rPr kumimoji="1" lang="zh-CN" altLang="en-US" sz="2800" dirty="0">
-                <a:latin typeface="Microsoft YaHei" panose="020B0503020204020204" pitchFamily="34" charset="-122"/>
-                <a:ea typeface="Microsoft YaHei" panose="020B0503020204020204" pitchFamily="34" charset="-122"/>
-              </a:rPr>
-              <a:t>学之前，想一想： 重载方法的存在意义是什么？</a:t>
-            </a:r>
-            <a:endParaRPr kumimoji="1" lang="en-US" altLang="zh-CN" sz="2800" dirty="0">
-              <a:latin typeface="Microsoft YaHei" panose="020B0503020204020204" pitchFamily="34" charset="-122"/>
-              <a:ea typeface="Microsoft YaHei" panose="020B0503020204020204" pitchFamily="34" charset="-122"/>
-            </a:endParaRPr>
-          </a:p>
-        </p:txBody>
-      </p:sp>
-      <p:pic>
-        <p:nvPicPr>
-          <p:cNvPr id="4" name="图片 3">
-            <a:extLst>
-              <a:ext uri="{FF2B5EF4-FFF2-40B4-BE49-F238E27FC236}">
-                <a16:creationId xmlns:a16="http://schemas.microsoft.com/office/drawing/2014/main" id="{E4449CF8-D1E6-FA41-8CA9-BB25CC091B51}"/>
-              </a:ext>
-            </a:extLst>
-          </p:cNvPr>
-          <p:cNvPicPr>
-            <a:picLocks noChangeAspect="1"/>
-          </p:cNvPicPr>
-          <p:nvPr/>
-        </p:nvPicPr>
-        <p:blipFill>
-          <a:blip r:embed="rId4"/>
-          <a:stretch>
-            <a:fillRect/>
-          </a:stretch>
-        </p:blipFill>
-        <p:spPr>
-          <a:xfrm>
-            <a:off x="4151630" y="2975610"/>
-            <a:ext cx="3441700" cy="3467100"/>
-          </a:xfrm>
-          <a:prstGeom prst="rect">
-            <a:avLst/>
-          </a:prstGeom>
-        </p:spPr>
-      </p:pic>
-    </p:spTree>
-    <p:extLst>
-      <p:ext uri="{BB962C8B-B14F-4D97-AF65-F5344CB8AC3E}">
-        <p14:creationId xmlns:p14="http://schemas.microsoft.com/office/powerpoint/2010/main" val="405832132"/>
+        <p14:creationId xmlns:p14="http://schemas.microsoft.com/office/powerpoint/2010/main" val="327218390"/>
       </p:ext>
     </p:extLst>
   </p:cSld>
@@ -8214,7 +5931,7 @@
         <p:spPr>
           <a:xfrm>
             <a:off x="3344236" y="1550997"/>
-            <a:ext cx="7443216" cy="5695058"/>
+            <a:ext cx="7443216" cy="6772276"/>
           </a:xfrm>
           <a:prstGeom prst="rect">
             <a:avLst/>
@@ -8238,6 +5955,9 @@
           </a:p>
           <a:p>
             <a:pPr marL="571500" indent="-571500">
+              <a:lnSpc>
+                <a:spcPct val="150000"/>
+              </a:lnSpc>
               <a:buFont typeface="Wingdings" pitchFamily="2" charset="2"/>
               <a:buChar char="Ø"/>
             </a:pPr>
@@ -8255,6 +5975,39 @@
           </a:p>
           <a:p>
             <a:pPr marL="571500" indent="-571500">
+              <a:lnSpc>
+                <a:spcPct val="150000"/>
+              </a:lnSpc>
+              <a:buFont typeface="Wingdings" pitchFamily="2" charset="2"/>
+              <a:buChar char="Ø"/>
+            </a:pPr>
+            <a:r>
+              <a:rPr kumimoji="1" lang="en-US" altLang="zh-CN" sz="2800" dirty="0">
+                <a:latin typeface="Microsoft YaHei" panose="020B0503020204020204" pitchFamily="34" charset="-122"/>
+                <a:ea typeface="Microsoft YaHei" panose="020B0503020204020204" pitchFamily="34" charset="-122"/>
+              </a:rPr>
+              <a:t>ASCII</a:t>
+            </a:r>
+            <a:r>
+              <a:rPr kumimoji="1" lang="zh-CN" altLang="en-US" sz="2800" dirty="0">
+                <a:latin typeface="Microsoft YaHei" panose="020B0503020204020204" pitchFamily="34" charset="-122"/>
+                <a:ea typeface="Microsoft YaHei" panose="020B0503020204020204" pitchFamily="34" charset="-122"/>
+              </a:rPr>
+              <a:t> 和</a:t>
+            </a:r>
+            <a:r>
+              <a:rPr kumimoji="1" lang="en-US" altLang="zh-CN" sz="2800" dirty="0">
+                <a:latin typeface="Microsoft YaHei" panose="020B0503020204020204" pitchFamily="34" charset="-122"/>
+                <a:ea typeface="Microsoft YaHei" panose="020B0503020204020204" pitchFamily="34" charset="-122"/>
+              </a:rPr>
+              <a:t>Unicode</a:t>
+            </a:r>
+          </a:p>
+          <a:p>
+            <a:pPr marL="571500" indent="-571500">
+              <a:lnSpc>
+                <a:spcPct val="150000"/>
+              </a:lnSpc>
               <a:buFont typeface="Wingdings" pitchFamily="2" charset="2"/>
               <a:buChar char="Ø"/>
             </a:pPr>
@@ -8351,2083 +6104,6 @@
     <p:extLst>
       <p:ext uri="{BB962C8B-B14F-4D97-AF65-F5344CB8AC3E}">
         <p14:creationId xmlns:p14="http://schemas.microsoft.com/office/powerpoint/2010/main" val="4038558307"/>
-      </p:ext>
-    </p:extLst>
-  </p:cSld>
-  <p:clrMapOvr>
-    <a:masterClrMapping/>
-  </p:clrMapOvr>
-</p:sld>
-</file>
-
-<file path=ppt/slides/slide20.xml><?xml version="1.0" encoding="utf-8"?>
-<p:sld xmlns:a="http://schemas.openxmlformats.org/drawingml/2006/main" xmlns:r="http://schemas.openxmlformats.org/officeDocument/2006/relationships" xmlns:p="http://schemas.openxmlformats.org/presentationml/2006/main">
-  <p:cSld>
-    <p:bg>
-      <p:bgPr>
-        <a:blipFill>
-          <a:blip r:embed="rId3"/>
-          <a:tile tx="0" ty="0" sx="100000" sy="100000" flip="none" algn="tl"/>
-        </a:blipFill>
-        <a:effectLst/>
-      </p:bgPr>
-    </p:bg>
-    <p:spTree>
-      <p:nvGrpSpPr>
-        <p:cNvPr id="1" name=""/>
-        <p:cNvGrpSpPr/>
-        <p:nvPr/>
-      </p:nvGrpSpPr>
-      <p:grpSpPr>
-        <a:xfrm>
-          <a:off x="0" y="0"/>
-          <a:ext cx="0" cy="0"/>
-          <a:chOff x="0" y="0"/>
-          <a:chExt cx="0" cy="0"/>
-        </a:xfrm>
-      </p:grpSpPr>
-      <p:sp>
-        <p:nvSpPr>
-          <p:cNvPr id="2" name="文本框 1">
-            <a:extLst>
-              <a:ext uri="{FF2B5EF4-FFF2-40B4-BE49-F238E27FC236}">
-                <a16:creationId xmlns:a16="http://schemas.microsoft.com/office/drawing/2014/main" id="{12AA8BCC-7B15-4842-80C2-48C079429338}"/>
-              </a:ext>
-            </a:extLst>
-          </p:cNvPr>
-          <p:cNvSpPr txBox="1"/>
-          <p:nvPr/>
-        </p:nvSpPr>
-        <p:spPr>
-          <a:xfrm>
-            <a:off x="2234234" y="597430"/>
-            <a:ext cx="9132000" cy="830997"/>
-          </a:xfrm>
-          <a:prstGeom prst="rect">
-            <a:avLst/>
-          </a:prstGeom>
-          <a:noFill/>
-        </p:spPr>
-        <p:txBody>
-          <a:bodyPr wrap="square" rtlCol="0">
-            <a:spAutoFit/>
-          </a:bodyPr>
-          <a:lstStyle/>
-          <a:p>
-            <a:pPr algn="ctr"/>
-            <a:r>
-              <a:rPr kumimoji="1" lang="en-US" altLang="zh-CN" sz="4800" dirty="0">
-                <a:latin typeface="Microsoft YaHei" panose="020B0503020204020204" pitchFamily="34" charset="-122"/>
-                <a:ea typeface="Microsoft YaHei" panose="020B0503020204020204" pitchFamily="34" charset="-122"/>
-              </a:rPr>
-              <a:t>7.</a:t>
-            </a:r>
-            <a:r>
-              <a:rPr kumimoji="1" lang="zh-CN" altLang="en-US" sz="4800" dirty="0">
-                <a:latin typeface="Microsoft YaHei" panose="020B0503020204020204" pitchFamily="34" charset="-122"/>
-                <a:ea typeface="Microsoft YaHei" panose="020B0503020204020204" pitchFamily="34" charset="-122"/>
-              </a:rPr>
-              <a:t> 重载方法</a:t>
-            </a:r>
-            <a:endParaRPr kumimoji="1" lang="en-US" altLang="zh-CN" sz="4800" dirty="0">
-              <a:latin typeface="Microsoft YaHei" panose="020B0503020204020204" pitchFamily="34" charset="-122"/>
-              <a:ea typeface="Microsoft YaHei" panose="020B0503020204020204" pitchFamily="34" charset="-122"/>
-            </a:endParaRPr>
-          </a:p>
-        </p:txBody>
-      </p:sp>
-      <p:sp>
-        <p:nvSpPr>
-          <p:cNvPr id="3" name="文本框 2">
-            <a:extLst>
-              <a:ext uri="{FF2B5EF4-FFF2-40B4-BE49-F238E27FC236}">
-                <a16:creationId xmlns:a16="http://schemas.microsoft.com/office/drawing/2014/main" id="{C0CFBE9F-84F2-FE48-AC8E-D41196C42DBA}"/>
-              </a:ext>
-            </a:extLst>
-          </p:cNvPr>
-          <p:cNvSpPr txBox="1"/>
-          <p:nvPr/>
-        </p:nvSpPr>
-        <p:spPr>
-          <a:xfrm>
-            <a:off x="1731818" y="2015173"/>
-            <a:ext cx="8728364" cy="3894143"/>
-          </a:xfrm>
-          <a:prstGeom prst="rect">
-            <a:avLst/>
-          </a:prstGeom>
-          <a:noFill/>
-        </p:spPr>
-        <p:txBody>
-          <a:bodyPr wrap="square" rtlCol="0">
-            <a:spAutoFit/>
-          </a:bodyPr>
-          <a:lstStyle/>
-          <a:p>
-            <a:pPr>
-              <a:lnSpc>
-                <a:spcPct val="150000"/>
-              </a:lnSpc>
-            </a:pPr>
-            <a:r>
-              <a:rPr kumimoji="1" lang="zh-CN" altLang="en-US" sz="2800" dirty="0">
-                <a:latin typeface="Microsoft YaHei" panose="020B0503020204020204" pitchFamily="34" charset="-122"/>
-                <a:ea typeface="Microsoft YaHei" panose="020B0503020204020204" pitchFamily="34" charset="-122"/>
-              </a:rPr>
-              <a:t>取</a:t>
-            </a:r>
-            <a:r>
-              <a:rPr kumimoji="1" lang="en-US" altLang="zh-CN" sz="2800" dirty="0">
-                <a:latin typeface="Microsoft YaHei" panose="020B0503020204020204" pitchFamily="34" charset="-122"/>
-                <a:ea typeface="Microsoft YaHei" panose="020B0503020204020204" pitchFamily="34" charset="-122"/>
-              </a:rPr>
-              <a:t>2</a:t>
-            </a:r>
-            <a:r>
-              <a:rPr kumimoji="1" lang="zh-CN" altLang="en-US" sz="2800" dirty="0">
-                <a:latin typeface="Microsoft YaHei" panose="020B0503020204020204" pitchFamily="34" charset="-122"/>
-                <a:ea typeface="Microsoft YaHei" panose="020B0503020204020204" pitchFamily="34" charset="-122"/>
-              </a:rPr>
-              <a:t>个</a:t>
-            </a:r>
-            <a:r>
-              <a:rPr kumimoji="1" lang="en-US" altLang="zh-CN" sz="2800" dirty="0">
-                <a:latin typeface="Microsoft YaHei" panose="020B0503020204020204" pitchFamily="34" charset="-122"/>
-                <a:ea typeface="Microsoft YaHei" panose="020B0503020204020204" pitchFamily="34" charset="-122"/>
-              </a:rPr>
-              <a:t>int</a:t>
-            </a:r>
-            <a:r>
-              <a:rPr kumimoji="1" lang="zh-CN" altLang="en-US" sz="2800" dirty="0">
-                <a:latin typeface="Microsoft YaHei" panose="020B0503020204020204" pitchFamily="34" charset="-122"/>
-                <a:ea typeface="Microsoft YaHei" panose="020B0503020204020204" pitchFamily="34" charset="-122"/>
-              </a:rPr>
-              <a:t>类型最大值的函数 </a:t>
-            </a:r>
-            <a:r>
-              <a:rPr kumimoji="1" lang="en-US" altLang="zh-CN" sz="2800" dirty="0">
-                <a:latin typeface="Microsoft YaHei" panose="020B0503020204020204" pitchFamily="34" charset="-122"/>
-                <a:ea typeface="Microsoft YaHei" panose="020B0503020204020204" pitchFamily="34" charset="-122"/>
-              </a:rPr>
-              <a:t>int</a:t>
-            </a:r>
-            <a:r>
-              <a:rPr kumimoji="1" lang="zh-CN" altLang="en-US" sz="2800" dirty="0">
-                <a:latin typeface="Microsoft YaHei" panose="020B0503020204020204" pitchFamily="34" charset="-122"/>
-                <a:ea typeface="Microsoft YaHei" panose="020B0503020204020204" pitchFamily="34" charset="-122"/>
-              </a:rPr>
-              <a:t> </a:t>
-            </a:r>
-            <a:r>
-              <a:rPr kumimoji="1" lang="en-US" altLang="zh-CN" sz="2800" dirty="0">
-                <a:latin typeface="Microsoft YaHei" panose="020B0503020204020204" pitchFamily="34" charset="-122"/>
-                <a:ea typeface="Microsoft YaHei" panose="020B0503020204020204" pitchFamily="34" charset="-122"/>
-              </a:rPr>
-              <a:t>max(int</a:t>
-            </a:r>
-            <a:r>
-              <a:rPr kumimoji="1" lang="zh-CN" altLang="en-US" sz="2800" dirty="0">
-                <a:latin typeface="Microsoft YaHei" panose="020B0503020204020204" pitchFamily="34" charset="-122"/>
-                <a:ea typeface="Microsoft YaHei" panose="020B0503020204020204" pitchFamily="34" charset="-122"/>
-              </a:rPr>
-              <a:t> </a:t>
-            </a:r>
-            <a:r>
-              <a:rPr kumimoji="1" lang="en-US" altLang="zh-CN" sz="2800" dirty="0" err="1">
-                <a:latin typeface="Microsoft YaHei" panose="020B0503020204020204" pitchFamily="34" charset="-122"/>
-                <a:ea typeface="Microsoft YaHei" panose="020B0503020204020204" pitchFamily="34" charset="-122"/>
-              </a:rPr>
-              <a:t>a,int</a:t>
-            </a:r>
-            <a:r>
-              <a:rPr kumimoji="1" lang="zh-CN" altLang="en-US" sz="2800" dirty="0">
-                <a:latin typeface="Microsoft YaHei" panose="020B0503020204020204" pitchFamily="34" charset="-122"/>
-                <a:ea typeface="Microsoft YaHei" panose="020B0503020204020204" pitchFamily="34" charset="-122"/>
-              </a:rPr>
-              <a:t> </a:t>
-            </a:r>
-            <a:r>
-              <a:rPr kumimoji="1" lang="en-US" altLang="zh-CN" sz="2800" dirty="0">
-                <a:latin typeface="Microsoft YaHei" panose="020B0503020204020204" pitchFamily="34" charset="-122"/>
-                <a:ea typeface="Microsoft YaHei" panose="020B0503020204020204" pitchFamily="34" charset="-122"/>
-              </a:rPr>
-              <a:t>b),</a:t>
-            </a:r>
-            <a:r>
-              <a:rPr kumimoji="1" lang="zh-CN" altLang="en-US" sz="2800" dirty="0">
-                <a:latin typeface="Microsoft YaHei" panose="020B0503020204020204" pitchFamily="34" charset="-122"/>
-                <a:ea typeface="Microsoft YaHei" panose="020B0503020204020204" pitchFamily="34" charset="-122"/>
-              </a:rPr>
-              <a:t> </a:t>
-            </a:r>
-            <a:endParaRPr kumimoji="1" lang="en-US" altLang="zh-CN" sz="2800" dirty="0">
-              <a:latin typeface="Microsoft YaHei" panose="020B0503020204020204" pitchFamily="34" charset="-122"/>
-              <a:ea typeface="Microsoft YaHei" panose="020B0503020204020204" pitchFamily="34" charset="-122"/>
-            </a:endParaRPr>
-          </a:p>
-          <a:p>
-            <a:pPr>
-              <a:lnSpc>
-                <a:spcPct val="150000"/>
-              </a:lnSpc>
-            </a:pPr>
-            <a:endParaRPr kumimoji="1" lang="en-US" altLang="zh-CN" sz="2800" dirty="0">
-              <a:latin typeface="Microsoft YaHei" panose="020B0503020204020204" pitchFamily="34" charset="-122"/>
-              <a:ea typeface="Microsoft YaHei" panose="020B0503020204020204" pitchFamily="34" charset="-122"/>
-            </a:endParaRPr>
-          </a:p>
-          <a:p>
-            <a:pPr>
-              <a:lnSpc>
-                <a:spcPct val="150000"/>
-              </a:lnSpc>
-            </a:pPr>
-            <a:r>
-              <a:rPr kumimoji="1" lang="zh-CN" altLang="en-US" sz="2800" dirty="0">
-                <a:latin typeface="Microsoft YaHei" panose="020B0503020204020204" pitchFamily="34" charset="-122"/>
-                <a:ea typeface="Microsoft YaHei" panose="020B0503020204020204" pitchFamily="34" charset="-122"/>
-              </a:rPr>
-              <a:t>那如果我想要取 </a:t>
-            </a:r>
-            <a:r>
-              <a:rPr kumimoji="1" lang="en-US" altLang="zh-CN" sz="2800" dirty="0">
-                <a:latin typeface="Microsoft YaHei" panose="020B0503020204020204" pitchFamily="34" charset="-122"/>
-                <a:ea typeface="Microsoft YaHei" panose="020B0503020204020204" pitchFamily="34" charset="-122"/>
-              </a:rPr>
-              <a:t>2</a:t>
-            </a:r>
-            <a:r>
-              <a:rPr kumimoji="1" lang="zh-CN" altLang="en-US" sz="2800" dirty="0">
-                <a:latin typeface="Microsoft YaHei" panose="020B0503020204020204" pitchFamily="34" charset="-122"/>
-                <a:ea typeface="Microsoft YaHei" panose="020B0503020204020204" pitchFamily="34" charset="-122"/>
-              </a:rPr>
-              <a:t>个 </a:t>
-            </a:r>
-            <a:r>
-              <a:rPr kumimoji="1" lang="en-US" altLang="zh-CN" sz="2800" dirty="0">
-                <a:latin typeface="Microsoft YaHei" panose="020B0503020204020204" pitchFamily="34" charset="-122"/>
-                <a:ea typeface="Microsoft YaHei" panose="020B0503020204020204" pitchFamily="34" charset="-122"/>
-              </a:rPr>
-              <a:t>double</a:t>
-            </a:r>
-            <a:r>
-              <a:rPr kumimoji="1" lang="zh-CN" altLang="en-US" sz="2800" dirty="0">
-                <a:latin typeface="Microsoft YaHei" panose="020B0503020204020204" pitchFamily="34" charset="-122"/>
-                <a:ea typeface="Microsoft YaHei" panose="020B0503020204020204" pitchFamily="34" charset="-122"/>
-              </a:rPr>
-              <a:t>类型的函数呢，但我希望名字不要改，因为方法名字体现了方法的功能</a:t>
-            </a:r>
-            <a:endParaRPr kumimoji="1" lang="en-US" altLang="zh-CN" sz="2800" dirty="0">
-              <a:latin typeface="Microsoft YaHei" panose="020B0503020204020204" pitchFamily="34" charset="-122"/>
-              <a:ea typeface="Microsoft YaHei" panose="020B0503020204020204" pitchFamily="34" charset="-122"/>
-            </a:endParaRPr>
-          </a:p>
-          <a:p>
-            <a:pPr>
-              <a:lnSpc>
-                <a:spcPct val="150000"/>
-              </a:lnSpc>
-            </a:pPr>
-            <a:endParaRPr kumimoji="1" lang="en-US" altLang="zh-CN" sz="2800" dirty="0">
-              <a:latin typeface="Microsoft YaHei" panose="020B0503020204020204" pitchFamily="34" charset="-122"/>
-              <a:ea typeface="Microsoft YaHei" panose="020B0503020204020204" pitchFamily="34" charset="-122"/>
-            </a:endParaRPr>
-          </a:p>
-          <a:p>
-            <a:pPr>
-              <a:lnSpc>
-                <a:spcPct val="150000"/>
-              </a:lnSpc>
-            </a:pPr>
-            <a:r>
-              <a:rPr kumimoji="1" lang="zh-CN" altLang="en-US" sz="2800" dirty="0">
-                <a:latin typeface="Microsoft YaHei" panose="020B0503020204020204" pitchFamily="34" charset="-122"/>
-                <a:ea typeface="Microsoft YaHei" panose="020B0503020204020204" pitchFamily="34" charset="-122"/>
-              </a:rPr>
-              <a:t>于是 同名但不同参数的 重载函数就出现了</a:t>
-            </a:r>
-            <a:endParaRPr kumimoji="1" lang="en-US" altLang="zh-CN" sz="2800" dirty="0">
-              <a:latin typeface="Microsoft YaHei" panose="020B0503020204020204" pitchFamily="34" charset="-122"/>
-              <a:ea typeface="Microsoft YaHei" panose="020B0503020204020204" pitchFamily="34" charset="-122"/>
-            </a:endParaRPr>
-          </a:p>
-        </p:txBody>
-      </p:sp>
-    </p:spTree>
-    <p:extLst>
-      <p:ext uri="{BB962C8B-B14F-4D97-AF65-F5344CB8AC3E}">
-        <p14:creationId xmlns:p14="http://schemas.microsoft.com/office/powerpoint/2010/main" val="4187786587"/>
-      </p:ext>
-    </p:extLst>
-  </p:cSld>
-  <p:clrMapOvr>
-    <a:masterClrMapping/>
-  </p:clrMapOvr>
-</p:sld>
-</file>
-
-<file path=ppt/slides/slide21.xml><?xml version="1.0" encoding="utf-8"?>
-<p:sld xmlns:a="http://schemas.openxmlformats.org/drawingml/2006/main" xmlns:r="http://schemas.openxmlformats.org/officeDocument/2006/relationships" xmlns:p="http://schemas.openxmlformats.org/presentationml/2006/main">
-  <p:cSld>
-    <p:bg>
-      <p:bgPr>
-        <a:blipFill>
-          <a:blip r:embed="rId3"/>
-          <a:tile tx="0" ty="0" sx="100000" sy="100000" flip="none" algn="tl"/>
-        </a:blipFill>
-        <a:effectLst/>
-      </p:bgPr>
-    </p:bg>
-    <p:spTree>
-      <p:nvGrpSpPr>
-        <p:cNvPr id="1" name=""/>
-        <p:cNvGrpSpPr/>
-        <p:nvPr/>
-      </p:nvGrpSpPr>
-      <p:grpSpPr>
-        <a:xfrm>
-          <a:off x="0" y="0"/>
-          <a:ext cx="0" cy="0"/>
-          <a:chOff x="0" y="0"/>
-          <a:chExt cx="0" cy="0"/>
-        </a:xfrm>
-      </p:grpSpPr>
-      <p:sp>
-        <p:nvSpPr>
-          <p:cNvPr id="2" name="文本框 1">
-            <a:extLst>
-              <a:ext uri="{FF2B5EF4-FFF2-40B4-BE49-F238E27FC236}">
-                <a16:creationId xmlns:a16="http://schemas.microsoft.com/office/drawing/2014/main" id="{12AA8BCC-7B15-4842-80C2-48C079429338}"/>
-              </a:ext>
-            </a:extLst>
-          </p:cNvPr>
-          <p:cNvSpPr txBox="1"/>
-          <p:nvPr/>
-        </p:nvSpPr>
-        <p:spPr>
-          <a:xfrm>
-            <a:off x="2234234" y="597430"/>
-            <a:ext cx="9132000" cy="830997"/>
-          </a:xfrm>
-          <a:prstGeom prst="rect">
-            <a:avLst/>
-          </a:prstGeom>
-          <a:noFill/>
-        </p:spPr>
-        <p:txBody>
-          <a:bodyPr wrap="square" rtlCol="0">
-            <a:spAutoFit/>
-          </a:bodyPr>
-          <a:lstStyle/>
-          <a:p>
-            <a:pPr algn="ctr"/>
-            <a:r>
-              <a:rPr kumimoji="1" lang="en-US" altLang="zh-CN" sz="4800" dirty="0">
-                <a:latin typeface="Microsoft YaHei" panose="020B0503020204020204" pitchFamily="34" charset="-122"/>
-                <a:ea typeface="Microsoft YaHei" panose="020B0503020204020204" pitchFamily="34" charset="-122"/>
-              </a:rPr>
-              <a:t>7.</a:t>
-            </a:r>
-            <a:r>
-              <a:rPr kumimoji="1" lang="zh-CN" altLang="en-US" sz="4800" dirty="0">
-                <a:latin typeface="Microsoft YaHei" panose="020B0503020204020204" pitchFamily="34" charset="-122"/>
-                <a:ea typeface="Microsoft YaHei" panose="020B0503020204020204" pitchFamily="34" charset="-122"/>
-              </a:rPr>
-              <a:t> 重载方法</a:t>
-            </a:r>
-            <a:endParaRPr kumimoji="1" lang="en-US" altLang="zh-CN" sz="4800" dirty="0">
-              <a:latin typeface="Microsoft YaHei" panose="020B0503020204020204" pitchFamily="34" charset="-122"/>
-              <a:ea typeface="Microsoft YaHei" panose="020B0503020204020204" pitchFamily="34" charset="-122"/>
-            </a:endParaRPr>
-          </a:p>
-        </p:txBody>
-      </p:sp>
-      <p:sp>
-        <p:nvSpPr>
-          <p:cNvPr id="3" name="文本框 2">
-            <a:extLst>
-              <a:ext uri="{FF2B5EF4-FFF2-40B4-BE49-F238E27FC236}">
-                <a16:creationId xmlns:a16="http://schemas.microsoft.com/office/drawing/2014/main" id="{C0CFBE9F-84F2-FE48-AC8E-D41196C42DBA}"/>
-              </a:ext>
-            </a:extLst>
-          </p:cNvPr>
-          <p:cNvSpPr txBox="1"/>
-          <p:nvPr/>
-        </p:nvSpPr>
-        <p:spPr>
-          <a:xfrm>
-            <a:off x="1731818" y="1671195"/>
-            <a:ext cx="8728364" cy="5186805"/>
-          </a:xfrm>
-          <a:prstGeom prst="rect">
-            <a:avLst/>
-          </a:prstGeom>
-          <a:noFill/>
-        </p:spPr>
-        <p:txBody>
-          <a:bodyPr wrap="square" rtlCol="0">
-            <a:spAutoFit/>
-          </a:bodyPr>
-          <a:lstStyle/>
-          <a:p>
-            <a:pPr>
-              <a:lnSpc>
-                <a:spcPct val="150000"/>
-              </a:lnSpc>
-            </a:pPr>
-            <a:r>
-              <a:rPr kumimoji="1" lang="zh-CN" altLang="en-US" sz="2800" dirty="0">
-                <a:latin typeface="Microsoft YaHei" panose="020B0503020204020204" pitchFamily="34" charset="-122"/>
-                <a:ea typeface="Microsoft YaHei" panose="020B0503020204020204" pitchFamily="34" charset="-122"/>
-              </a:rPr>
-              <a:t>重载方法：使用同样的名字来定义不同方法，只要它们的函数签名是不 同的。</a:t>
-            </a:r>
-            <a:endParaRPr kumimoji="1" lang="en-US" altLang="zh-CN" sz="2800" dirty="0">
-              <a:latin typeface="Microsoft YaHei" panose="020B0503020204020204" pitchFamily="34" charset="-122"/>
-              <a:ea typeface="Microsoft YaHei" panose="020B0503020204020204" pitchFamily="34" charset="-122"/>
-            </a:endParaRPr>
-          </a:p>
-          <a:p>
-            <a:pPr>
-              <a:lnSpc>
-                <a:spcPct val="150000"/>
-              </a:lnSpc>
-            </a:pPr>
-            <a:r>
-              <a:rPr kumimoji="1" lang="zh-CN" altLang="en-US" sz="2800" dirty="0">
-                <a:latin typeface="Microsoft YaHei" panose="020B0503020204020204" pitchFamily="34" charset="-122"/>
-                <a:ea typeface="Microsoft YaHei" panose="020B0503020204020204" pitchFamily="34" charset="-122"/>
-              </a:rPr>
-              <a:t>函数签名：包括函数名，参数的数量、类型和顺序</a:t>
-            </a:r>
-            <a:endParaRPr kumimoji="1" lang="en-US" altLang="zh-CN" sz="2800" dirty="0">
-              <a:latin typeface="Microsoft YaHei" panose="020B0503020204020204" pitchFamily="34" charset="-122"/>
-              <a:ea typeface="Microsoft YaHei" panose="020B0503020204020204" pitchFamily="34" charset="-122"/>
-            </a:endParaRPr>
-          </a:p>
-          <a:p>
-            <a:pPr>
-              <a:lnSpc>
-                <a:spcPct val="150000"/>
-              </a:lnSpc>
-            </a:pPr>
-            <a:endParaRPr kumimoji="1" lang="en-US" altLang="zh-CN" sz="2800" dirty="0">
-              <a:latin typeface="Microsoft YaHei" panose="020B0503020204020204" pitchFamily="34" charset="-122"/>
-              <a:ea typeface="Microsoft YaHei" panose="020B0503020204020204" pitchFamily="34" charset="-122"/>
-            </a:endParaRPr>
-          </a:p>
-          <a:p>
-            <a:pPr>
-              <a:lnSpc>
-                <a:spcPct val="150000"/>
-              </a:lnSpc>
-            </a:pPr>
-            <a:r>
-              <a:rPr kumimoji="1" lang="en-US" altLang="zh-CN" sz="2800" dirty="0">
-                <a:latin typeface="Microsoft YaHei" panose="020B0503020204020204" pitchFamily="34" charset="-122"/>
-                <a:ea typeface="Microsoft YaHei" panose="020B0503020204020204" pitchFamily="34" charset="-122"/>
-              </a:rPr>
-              <a:t>Void</a:t>
-            </a:r>
-            <a:r>
-              <a:rPr kumimoji="1" lang="zh-CN" altLang="en-US" sz="2800" dirty="0">
-                <a:latin typeface="Microsoft YaHei" panose="020B0503020204020204" pitchFamily="34" charset="-122"/>
-                <a:ea typeface="Microsoft YaHei" panose="020B0503020204020204" pitchFamily="34" charset="-122"/>
-              </a:rPr>
-              <a:t> </a:t>
-            </a:r>
-            <a:r>
-              <a:rPr kumimoji="1" lang="en-US" altLang="zh-CN" sz="2800" dirty="0">
-                <a:latin typeface="Microsoft YaHei" panose="020B0503020204020204" pitchFamily="34" charset="-122"/>
-                <a:ea typeface="Microsoft YaHei" panose="020B0503020204020204" pitchFamily="34" charset="-122"/>
-              </a:rPr>
-              <a:t>print(int</a:t>
-            </a:r>
-            <a:r>
-              <a:rPr kumimoji="1" lang="zh-CN" altLang="en-US" sz="2800" dirty="0">
-                <a:latin typeface="Microsoft YaHei" panose="020B0503020204020204" pitchFamily="34" charset="-122"/>
-                <a:ea typeface="Microsoft YaHei" panose="020B0503020204020204" pitchFamily="34" charset="-122"/>
-              </a:rPr>
-              <a:t> </a:t>
-            </a:r>
-            <a:r>
-              <a:rPr kumimoji="1" lang="en-US" altLang="zh-CN" sz="2800" dirty="0" err="1">
-                <a:latin typeface="Microsoft YaHei" panose="020B0503020204020204" pitchFamily="34" charset="-122"/>
-                <a:ea typeface="Microsoft YaHei" panose="020B0503020204020204" pitchFamily="34" charset="-122"/>
-              </a:rPr>
-              <a:t>a,int</a:t>
-            </a:r>
-            <a:r>
-              <a:rPr kumimoji="1" lang="zh-CN" altLang="en-US" sz="2800" dirty="0">
-                <a:latin typeface="Microsoft YaHei" panose="020B0503020204020204" pitchFamily="34" charset="-122"/>
-                <a:ea typeface="Microsoft YaHei" panose="020B0503020204020204" pitchFamily="34" charset="-122"/>
-              </a:rPr>
-              <a:t> </a:t>
-            </a:r>
-            <a:r>
-              <a:rPr kumimoji="1" lang="en-US" altLang="zh-CN" sz="2800" dirty="0">
-                <a:latin typeface="Microsoft YaHei" panose="020B0503020204020204" pitchFamily="34" charset="-122"/>
-                <a:ea typeface="Microsoft YaHei" panose="020B0503020204020204" pitchFamily="34" charset="-122"/>
-              </a:rPr>
-              <a:t>b)</a:t>
-            </a:r>
-          </a:p>
-          <a:p>
-            <a:pPr>
-              <a:lnSpc>
-                <a:spcPct val="150000"/>
-              </a:lnSpc>
-            </a:pPr>
-            <a:r>
-              <a:rPr kumimoji="1" lang="en-US" altLang="zh-CN" sz="2800" dirty="0">
-                <a:latin typeface="Microsoft YaHei" panose="020B0503020204020204" pitchFamily="34" charset="-122"/>
-                <a:ea typeface="Microsoft YaHei" panose="020B0503020204020204" pitchFamily="34" charset="-122"/>
-              </a:rPr>
-              <a:t>Void</a:t>
-            </a:r>
-            <a:r>
-              <a:rPr kumimoji="1" lang="zh-CN" altLang="en-US" sz="2800" dirty="0">
-                <a:latin typeface="Microsoft YaHei" panose="020B0503020204020204" pitchFamily="34" charset="-122"/>
-                <a:ea typeface="Microsoft YaHei" panose="020B0503020204020204" pitchFamily="34" charset="-122"/>
-              </a:rPr>
-              <a:t> </a:t>
-            </a:r>
-            <a:r>
-              <a:rPr kumimoji="1" lang="en-US" altLang="zh-CN" sz="2800" dirty="0">
-                <a:latin typeface="Microsoft YaHei" panose="020B0503020204020204" pitchFamily="34" charset="-122"/>
-                <a:ea typeface="Microsoft YaHei" panose="020B0503020204020204" pitchFamily="34" charset="-122"/>
-              </a:rPr>
-              <a:t>print(double</a:t>
-            </a:r>
-            <a:r>
-              <a:rPr kumimoji="1" lang="zh-CN" altLang="en-US" sz="2800" dirty="0">
-                <a:latin typeface="Microsoft YaHei" panose="020B0503020204020204" pitchFamily="34" charset="-122"/>
-                <a:ea typeface="Microsoft YaHei" panose="020B0503020204020204" pitchFamily="34" charset="-122"/>
-              </a:rPr>
-              <a:t> </a:t>
-            </a:r>
-            <a:r>
-              <a:rPr kumimoji="1" lang="en-US" altLang="zh-CN" sz="2800" dirty="0" err="1">
-                <a:latin typeface="Microsoft YaHei" panose="020B0503020204020204" pitchFamily="34" charset="-122"/>
-                <a:ea typeface="Microsoft YaHei" panose="020B0503020204020204" pitchFamily="34" charset="-122"/>
-              </a:rPr>
-              <a:t>a,double</a:t>
-            </a:r>
-            <a:r>
-              <a:rPr kumimoji="1" lang="zh-CN" altLang="en-US" sz="2800" dirty="0">
-                <a:latin typeface="Microsoft YaHei" panose="020B0503020204020204" pitchFamily="34" charset="-122"/>
-                <a:ea typeface="Microsoft YaHei" panose="020B0503020204020204" pitchFamily="34" charset="-122"/>
-              </a:rPr>
-              <a:t> </a:t>
-            </a:r>
-            <a:r>
-              <a:rPr kumimoji="1" lang="en-US" altLang="zh-CN" sz="2800" dirty="0">
-                <a:latin typeface="Microsoft YaHei" panose="020B0503020204020204" pitchFamily="34" charset="-122"/>
-                <a:ea typeface="Microsoft YaHei" panose="020B0503020204020204" pitchFamily="34" charset="-122"/>
-              </a:rPr>
-              <a:t>b)</a:t>
-            </a:r>
-          </a:p>
-          <a:p>
-            <a:pPr>
-              <a:lnSpc>
-                <a:spcPct val="150000"/>
-              </a:lnSpc>
-            </a:pPr>
-            <a:r>
-              <a:rPr kumimoji="1" lang="en-US" altLang="zh-CN" sz="2800" dirty="0">
-                <a:latin typeface="Microsoft YaHei" panose="020B0503020204020204" pitchFamily="34" charset="-122"/>
-                <a:ea typeface="Microsoft YaHei" panose="020B0503020204020204" pitchFamily="34" charset="-122"/>
-              </a:rPr>
-              <a:t>int</a:t>
-            </a:r>
-            <a:r>
-              <a:rPr kumimoji="1" lang="zh-CN" altLang="en-US" sz="2800" dirty="0">
-                <a:latin typeface="Microsoft YaHei" panose="020B0503020204020204" pitchFamily="34" charset="-122"/>
-                <a:ea typeface="Microsoft YaHei" panose="020B0503020204020204" pitchFamily="34" charset="-122"/>
-              </a:rPr>
-              <a:t>  </a:t>
-            </a:r>
-            <a:r>
-              <a:rPr kumimoji="1" lang="en-US" altLang="zh-CN" sz="2800" dirty="0">
-                <a:latin typeface="Microsoft YaHei" panose="020B0503020204020204" pitchFamily="34" charset="-122"/>
-                <a:ea typeface="Microsoft YaHei" panose="020B0503020204020204" pitchFamily="34" charset="-122"/>
-              </a:rPr>
-              <a:t>print(int</a:t>
-            </a:r>
-            <a:r>
-              <a:rPr kumimoji="1" lang="zh-CN" altLang="en-US" sz="2800" dirty="0">
-                <a:latin typeface="Microsoft YaHei" panose="020B0503020204020204" pitchFamily="34" charset="-122"/>
-                <a:ea typeface="Microsoft YaHei" panose="020B0503020204020204" pitchFamily="34" charset="-122"/>
-              </a:rPr>
-              <a:t> </a:t>
-            </a:r>
-            <a:r>
-              <a:rPr kumimoji="1" lang="en-US" altLang="zh-CN" sz="2800" dirty="0">
-                <a:latin typeface="Microsoft YaHei" panose="020B0503020204020204" pitchFamily="34" charset="-122"/>
-                <a:ea typeface="Microsoft YaHei" panose="020B0503020204020204" pitchFamily="34" charset="-122"/>
-              </a:rPr>
-              <a:t>a,</a:t>
-            </a:r>
-            <a:r>
-              <a:rPr kumimoji="1" lang="zh-CN" altLang="en-US" sz="2800" dirty="0">
-                <a:latin typeface="Microsoft YaHei" panose="020B0503020204020204" pitchFamily="34" charset="-122"/>
-                <a:ea typeface="Microsoft YaHei" panose="020B0503020204020204" pitchFamily="34" charset="-122"/>
-              </a:rPr>
-              <a:t> </a:t>
-            </a:r>
-            <a:r>
-              <a:rPr kumimoji="1" lang="en-US" altLang="zh-CN" sz="2800" dirty="0">
-                <a:latin typeface="Microsoft YaHei" panose="020B0503020204020204" pitchFamily="34" charset="-122"/>
-                <a:ea typeface="Microsoft YaHei" panose="020B0503020204020204" pitchFamily="34" charset="-122"/>
-              </a:rPr>
-              <a:t>int</a:t>
-            </a:r>
-            <a:r>
-              <a:rPr kumimoji="1" lang="zh-CN" altLang="en-US" sz="2800" dirty="0">
-                <a:latin typeface="Microsoft YaHei" panose="020B0503020204020204" pitchFamily="34" charset="-122"/>
-                <a:ea typeface="Microsoft YaHei" panose="020B0503020204020204" pitchFamily="34" charset="-122"/>
-              </a:rPr>
-              <a:t> </a:t>
-            </a:r>
-            <a:r>
-              <a:rPr kumimoji="1" lang="en-US" altLang="zh-CN" sz="2800" dirty="0">
-                <a:latin typeface="Microsoft YaHei" panose="020B0503020204020204" pitchFamily="34" charset="-122"/>
-                <a:ea typeface="Microsoft YaHei" panose="020B0503020204020204" pitchFamily="34" charset="-122"/>
-              </a:rPr>
-              <a:t>b,</a:t>
-            </a:r>
-            <a:r>
-              <a:rPr kumimoji="1" lang="zh-CN" altLang="en-US" sz="2800" dirty="0">
-                <a:latin typeface="Microsoft YaHei" panose="020B0503020204020204" pitchFamily="34" charset="-122"/>
-                <a:ea typeface="Microsoft YaHei" panose="020B0503020204020204" pitchFamily="34" charset="-122"/>
-              </a:rPr>
-              <a:t> </a:t>
-            </a:r>
-            <a:r>
-              <a:rPr kumimoji="1" lang="en-US" altLang="zh-CN" sz="2800" dirty="0">
-                <a:latin typeface="Microsoft YaHei" panose="020B0503020204020204" pitchFamily="34" charset="-122"/>
-                <a:ea typeface="Microsoft YaHei" panose="020B0503020204020204" pitchFamily="34" charset="-122"/>
-              </a:rPr>
-              <a:t>int</a:t>
-            </a:r>
-            <a:r>
-              <a:rPr kumimoji="1" lang="zh-CN" altLang="en-US" sz="2800" dirty="0">
-                <a:latin typeface="Microsoft YaHei" panose="020B0503020204020204" pitchFamily="34" charset="-122"/>
-                <a:ea typeface="Microsoft YaHei" panose="020B0503020204020204" pitchFamily="34" charset="-122"/>
-              </a:rPr>
-              <a:t> </a:t>
-            </a:r>
-            <a:r>
-              <a:rPr kumimoji="1" lang="en-US" altLang="zh-CN" sz="2800" dirty="0">
-                <a:latin typeface="Microsoft YaHei" panose="020B0503020204020204" pitchFamily="34" charset="-122"/>
-                <a:ea typeface="Microsoft YaHei" panose="020B0503020204020204" pitchFamily="34" charset="-122"/>
-              </a:rPr>
-              <a:t>c)</a:t>
-            </a:r>
-          </a:p>
-          <a:p>
-            <a:pPr>
-              <a:lnSpc>
-                <a:spcPct val="150000"/>
-              </a:lnSpc>
-            </a:pPr>
-            <a:endParaRPr kumimoji="1" lang="en-US" altLang="zh-CN" sz="2800" dirty="0">
-              <a:latin typeface="Microsoft YaHei" panose="020B0503020204020204" pitchFamily="34" charset="-122"/>
-              <a:ea typeface="Microsoft YaHei" panose="020B0503020204020204" pitchFamily="34" charset="-122"/>
-            </a:endParaRPr>
-          </a:p>
-        </p:txBody>
-      </p:sp>
-      <p:sp>
-        <p:nvSpPr>
-          <p:cNvPr id="4" name="文本框 3">
-            <a:extLst>
-              <a:ext uri="{FF2B5EF4-FFF2-40B4-BE49-F238E27FC236}">
-                <a16:creationId xmlns:a16="http://schemas.microsoft.com/office/drawing/2014/main" id="{98CF86B4-74B4-0648-A212-2B011FBF298A}"/>
-              </a:ext>
-            </a:extLst>
-          </p:cNvPr>
-          <p:cNvSpPr txBox="1"/>
-          <p:nvPr/>
-        </p:nvSpPr>
-        <p:spPr>
-          <a:xfrm>
-            <a:off x="7762240" y="4771306"/>
-            <a:ext cx="4010394" cy="830997"/>
-          </a:xfrm>
-          <a:prstGeom prst="rect">
-            <a:avLst/>
-          </a:prstGeom>
-          <a:solidFill>
-            <a:schemeClr val="accent2"/>
-          </a:solidFill>
-        </p:spPr>
-        <p:txBody>
-          <a:bodyPr wrap="square" rtlCol="0">
-            <a:spAutoFit/>
-          </a:bodyPr>
-          <a:lstStyle/>
-          <a:p>
-            <a:r>
-              <a:rPr kumimoji="1" lang="zh-CN" altLang="en-US" sz="2400" dirty="0">
-                <a:solidFill>
-                  <a:schemeClr val="bg1"/>
-                </a:solidFill>
-                <a:latin typeface="Microsoft YaHei" panose="020B0503020204020204" pitchFamily="34" charset="-122"/>
-                <a:ea typeface="Microsoft YaHei" panose="020B0503020204020204" pitchFamily="34" charset="-122"/>
-              </a:rPr>
-              <a:t>例子： 书中 </a:t>
-            </a:r>
-            <a:r>
-              <a:rPr lang="en-US" altLang="zh-CN" sz="2400" dirty="0" err="1">
-                <a:solidFill>
-                  <a:schemeClr val="bg1"/>
-                </a:solidFill>
-                <a:latin typeface="Microsoft YaHei" panose="020B0503020204020204" pitchFamily="34" charset="-122"/>
-                <a:ea typeface="Microsoft YaHei" panose="020B0503020204020204" pitchFamily="34" charset="-122"/>
-              </a:rPr>
-              <a:t>TestMethodOverloading</a:t>
-            </a:r>
-            <a:endParaRPr kumimoji="1" lang="zh-CN" altLang="en-US" sz="2400" dirty="0">
-              <a:solidFill>
-                <a:schemeClr val="bg1"/>
-              </a:solidFill>
-              <a:latin typeface="Microsoft YaHei" panose="020B0503020204020204" pitchFamily="34" charset="-122"/>
-              <a:ea typeface="Microsoft YaHei" panose="020B0503020204020204" pitchFamily="34" charset="-122"/>
-            </a:endParaRPr>
-          </a:p>
-        </p:txBody>
-      </p:sp>
-    </p:spTree>
-    <p:extLst>
-      <p:ext uri="{BB962C8B-B14F-4D97-AF65-F5344CB8AC3E}">
-        <p14:creationId xmlns:p14="http://schemas.microsoft.com/office/powerpoint/2010/main" val="436147118"/>
-      </p:ext>
-    </p:extLst>
-  </p:cSld>
-  <p:clrMapOvr>
-    <a:masterClrMapping/>
-  </p:clrMapOvr>
-</p:sld>
-</file>
-
-<file path=ppt/slides/slide22.xml><?xml version="1.0" encoding="utf-8"?>
-<p:sld xmlns:a="http://schemas.openxmlformats.org/drawingml/2006/main" xmlns:r="http://schemas.openxmlformats.org/officeDocument/2006/relationships" xmlns:p="http://schemas.openxmlformats.org/presentationml/2006/main">
-  <p:cSld>
-    <p:bg>
-      <p:bgPr>
-        <a:blipFill>
-          <a:blip r:embed="rId3"/>
-          <a:tile tx="0" ty="0" sx="100000" sy="100000" flip="none" algn="tl"/>
-        </a:blipFill>
-        <a:effectLst/>
-      </p:bgPr>
-    </p:bg>
-    <p:spTree>
-      <p:nvGrpSpPr>
-        <p:cNvPr id="1" name=""/>
-        <p:cNvGrpSpPr/>
-        <p:nvPr/>
-      </p:nvGrpSpPr>
-      <p:grpSpPr>
-        <a:xfrm>
-          <a:off x="0" y="0"/>
-          <a:ext cx="0" cy="0"/>
-          <a:chOff x="0" y="0"/>
-          <a:chExt cx="0" cy="0"/>
-        </a:xfrm>
-      </p:grpSpPr>
-      <p:sp>
-        <p:nvSpPr>
-          <p:cNvPr id="2" name="文本框 1">
-            <a:extLst>
-              <a:ext uri="{FF2B5EF4-FFF2-40B4-BE49-F238E27FC236}">
-                <a16:creationId xmlns:a16="http://schemas.microsoft.com/office/drawing/2014/main" id="{12AA8BCC-7B15-4842-80C2-48C079429338}"/>
-              </a:ext>
-            </a:extLst>
-          </p:cNvPr>
-          <p:cNvSpPr txBox="1"/>
-          <p:nvPr/>
-        </p:nvSpPr>
-        <p:spPr>
-          <a:xfrm>
-            <a:off x="2234234" y="597430"/>
-            <a:ext cx="9132000" cy="830997"/>
-          </a:xfrm>
-          <a:prstGeom prst="rect">
-            <a:avLst/>
-          </a:prstGeom>
-          <a:noFill/>
-        </p:spPr>
-        <p:txBody>
-          <a:bodyPr wrap="square" rtlCol="0">
-            <a:spAutoFit/>
-          </a:bodyPr>
-          <a:lstStyle/>
-          <a:p>
-            <a:pPr algn="ctr"/>
-            <a:r>
-              <a:rPr kumimoji="1" lang="en-US" altLang="zh-CN" sz="4800" dirty="0">
-                <a:latin typeface="Microsoft YaHei" panose="020B0503020204020204" pitchFamily="34" charset="-122"/>
-                <a:ea typeface="Microsoft YaHei" panose="020B0503020204020204" pitchFamily="34" charset="-122"/>
-              </a:rPr>
-              <a:t>8.</a:t>
-            </a:r>
-            <a:r>
-              <a:rPr kumimoji="1" lang="zh-CN" altLang="en-US" sz="4800" dirty="0">
-                <a:latin typeface="Microsoft YaHei" panose="020B0503020204020204" pitchFamily="34" charset="-122"/>
-                <a:ea typeface="Microsoft YaHei" panose="020B0503020204020204" pitchFamily="34" charset="-122"/>
-              </a:rPr>
-              <a:t> 如何自顶向下地设计系统</a:t>
-            </a:r>
-            <a:r>
-              <a:rPr kumimoji="1" lang="en-US" altLang="zh-CN" sz="4800" dirty="0">
-                <a:latin typeface="Microsoft YaHei" panose="020B0503020204020204" pitchFamily="34" charset="-122"/>
-                <a:ea typeface="Microsoft YaHei" panose="020B0503020204020204" pitchFamily="34" charset="-122"/>
-              </a:rPr>
-              <a:t>/</a:t>
-            </a:r>
-            <a:r>
-              <a:rPr kumimoji="1" lang="zh-CN" altLang="en-US" sz="4800" dirty="0">
-                <a:latin typeface="Microsoft YaHei" panose="020B0503020204020204" pitchFamily="34" charset="-122"/>
-                <a:ea typeface="Microsoft YaHei" panose="020B0503020204020204" pitchFamily="34" charset="-122"/>
-              </a:rPr>
-              <a:t>方法 </a:t>
-            </a:r>
-            <a:endParaRPr kumimoji="1" lang="en-US" altLang="zh-CN" sz="4800" dirty="0">
-              <a:latin typeface="Microsoft YaHei" panose="020B0503020204020204" pitchFamily="34" charset="-122"/>
-              <a:ea typeface="Microsoft YaHei" panose="020B0503020204020204" pitchFamily="34" charset="-122"/>
-            </a:endParaRPr>
-          </a:p>
-        </p:txBody>
-      </p:sp>
-      <p:sp>
-        <p:nvSpPr>
-          <p:cNvPr id="3" name="文本框 2">
-            <a:extLst>
-              <a:ext uri="{FF2B5EF4-FFF2-40B4-BE49-F238E27FC236}">
-                <a16:creationId xmlns:a16="http://schemas.microsoft.com/office/drawing/2014/main" id="{C0CFBE9F-84F2-FE48-AC8E-D41196C42DBA}"/>
-              </a:ext>
-            </a:extLst>
-          </p:cNvPr>
-          <p:cNvSpPr txBox="1"/>
-          <p:nvPr/>
-        </p:nvSpPr>
-        <p:spPr>
-          <a:xfrm>
-            <a:off x="1731818" y="2015173"/>
-            <a:ext cx="8728364" cy="3170099"/>
-          </a:xfrm>
-          <a:prstGeom prst="rect">
-            <a:avLst/>
-          </a:prstGeom>
-          <a:noFill/>
-        </p:spPr>
-        <p:txBody>
-          <a:bodyPr wrap="square" rtlCol="0">
-            <a:spAutoFit/>
-          </a:bodyPr>
-          <a:lstStyle/>
-          <a:p>
-            <a:r>
-              <a:rPr lang="zh-CN" altLang="en-US" sz="3600" dirty="0"/>
-              <a:t>两种 思维大家会受益终身</a:t>
-            </a:r>
-            <a:endParaRPr lang="en-US" altLang="zh-CN" sz="3600" dirty="0"/>
-          </a:p>
-          <a:p>
-            <a:pPr marL="457200" indent="-457200">
-              <a:buFont typeface="Arial" panose="020B0604020202020204" pitchFamily="34" charset="0"/>
-              <a:buChar char="•"/>
-            </a:pPr>
-            <a:endParaRPr kumimoji="1" lang="en-US" altLang="zh-CN" sz="3600" dirty="0">
-              <a:latin typeface="Microsoft YaHei" panose="020B0503020204020204" pitchFamily="34" charset="-122"/>
-              <a:ea typeface="Microsoft YaHei" panose="020B0503020204020204" pitchFamily="34" charset="-122"/>
-            </a:endParaRPr>
-          </a:p>
-          <a:p>
-            <a:pPr marL="457200" indent="-457200">
-              <a:buFont typeface="Arial" panose="020B0604020202020204" pitchFamily="34" charset="0"/>
-              <a:buChar char="•"/>
-            </a:pPr>
-            <a:r>
-              <a:rPr kumimoji="1" lang="zh-CN" altLang="en-US" sz="3600" dirty="0">
-                <a:latin typeface="Microsoft YaHei" panose="020B0503020204020204" pitchFamily="34" charset="-122"/>
-                <a:ea typeface="Microsoft YaHei" panose="020B0503020204020204" pitchFamily="34" charset="-122"/>
-              </a:rPr>
-              <a:t>自上而下</a:t>
-            </a:r>
-            <a:endParaRPr kumimoji="1" lang="en-US" altLang="zh-CN" sz="3600" dirty="0">
-              <a:latin typeface="Microsoft YaHei" panose="020B0503020204020204" pitchFamily="34" charset="-122"/>
-              <a:ea typeface="Microsoft YaHei" panose="020B0503020204020204" pitchFamily="34" charset="-122"/>
-            </a:endParaRPr>
-          </a:p>
-          <a:p>
-            <a:pPr marL="457200" indent="-457200">
-              <a:buFont typeface="Arial" panose="020B0604020202020204" pitchFamily="34" charset="0"/>
-              <a:buChar char="•"/>
-            </a:pPr>
-            <a:r>
-              <a:rPr kumimoji="1" lang="zh-CN" altLang="en-US" sz="3600" dirty="0">
-                <a:latin typeface="Microsoft YaHei" panose="020B0503020204020204" pitchFamily="34" charset="-122"/>
-                <a:ea typeface="Microsoft YaHei" panose="020B0503020204020204" pitchFamily="34" charset="-122"/>
-              </a:rPr>
-              <a:t>自下而上</a:t>
-            </a:r>
-            <a:endParaRPr kumimoji="1" lang="en-US" altLang="zh-CN" sz="3600" dirty="0">
-              <a:latin typeface="Microsoft YaHei" panose="020B0503020204020204" pitchFamily="34" charset="-122"/>
-              <a:ea typeface="Microsoft YaHei" panose="020B0503020204020204" pitchFamily="34" charset="-122"/>
-            </a:endParaRPr>
-          </a:p>
-          <a:p>
-            <a:endParaRPr kumimoji="1" lang="en-US" altLang="zh-CN" sz="2800" dirty="0">
-              <a:latin typeface="Microsoft YaHei" panose="020B0503020204020204" pitchFamily="34" charset="-122"/>
-              <a:ea typeface="Microsoft YaHei" panose="020B0503020204020204" pitchFamily="34" charset="-122"/>
-            </a:endParaRPr>
-          </a:p>
-          <a:p>
-            <a:endParaRPr kumimoji="1" lang="zh-CN" altLang="en-US" sz="2800" dirty="0">
-              <a:latin typeface="Microsoft YaHei" panose="020B0503020204020204" pitchFamily="34" charset="-122"/>
-              <a:ea typeface="Microsoft YaHei" panose="020B0503020204020204" pitchFamily="34" charset="-122"/>
-            </a:endParaRPr>
-          </a:p>
-        </p:txBody>
-      </p:sp>
-    </p:spTree>
-    <p:extLst>
-      <p:ext uri="{BB962C8B-B14F-4D97-AF65-F5344CB8AC3E}">
-        <p14:creationId xmlns:p14="http://schemas.microsoft.com/office/powerpoint/2010/main" val="780049352"/>
-      </p:ext>
-    </p:extLst>
-  </p:cSld>
-  <p:clrMapOvr>
-    <a:masterClrMapping/>
-  </p:clrMapOvr>
-</p:sld>
-</file>
-
-<file path=ppt/slides/slide23.xml><?xml version="1.0" encoding="utf-8"?>
-<p:sld xmlns:a="http://schemas.openxmlformats.org/drawingml/2006/main" xmlns:r="http://schemas.openxmlformats.org/officeDocument/2006/relationships" xmlns:p="http://schemas.openxmlformats.org/presentationml/2006/main">
-  <p:cSld>
-    <p:bg>
-      <p:bgPr>
-        <a:blipFill>
-          <a:blip r:embed="rId3"/>
-          <a:tile tx="0" ty="0" sx="100000" sy="100000" flip="none" algn="tl"/>
-        </a:blipFill>
-        <a:effectLst/>
-      </p:bgPr>
-    </p:bg>
-    <p:spTree>
-      <p:nvGrpSpPr>
-        <p:cNvPr id="1" name=""/>
-        <p:cNvGrpSpPr/>
-        <p:nvPr/>
-      </p:nvGrpSpPr>
-      <p:grpSpPr>
-        <a:xfrm>
-          <a:off x="0" y="0"/>
-          <a:ext cx="0" cy="0"/>
-          <a:chOff x="0" y="0"/>
-          <a:chExt cx="0" cy="0"/>
-        </a:xfrm>
-      </p:grpSpPr>
-      <p:sp>
-        <p:nvSpPr>
-          <p:cNvPr id="2" name="文本框 1">
-            <a:extLst>
-              <a:ext uri="{FF2B5EF4-FFF2-40B4-BE49-F238E27FC236}">
-                <a16:creationId xmlns:a16="http://schemas.microsoft.com/office/drawing/2014/main" id="{12AA8BCC-7B15-4842-80C2-48C079429338}"/>
-              </a:ext>
-            </a:extLst>
-          </p:cNvPr>
-          <p:cNvSpPr txBox="1"/>
-          <p:nvPr/>
-        </p:nvSpPr>
-        <p:spPr>
-          <a:xfrm>
-            <a:off x="2234234" y="597430"/>
-            <a:ext cx="9132000" cy="830997"/>
-          </a:xfrm>
-          <a:prstGeom prst="rect">
-            <a:avLst/>
-          </a:prstGeom>
-          <a:noFill/>
-        </p:spPr>
-        <p:txBody>
-          <a:bodyPr wrap="square" rtlCol="0">
-            <a:spAutoFit/>
-          </a:bodyPr>
-          <a:lstStyle/>
-          <a:p>
-            <a:pPr algn="ctr"/>
-            <a:r>
-              <a:rPr kumimoji="1" lang="zh-CN" altLang="en-US" sz="4800" dirty="0">
-                <a:latin typeface="Microsoft YaHei" panose="020B0503020204020204" pitchFamily="34" charset="-122"/>
-                <a:ea typeface="Microsoft YaHei" panose="020B0503020204020204" pitchFamily="34" charset="-122"/>
-              </a:rPr>
-              <a:t>自上而下</a:t>
-            </a:r>
-            <a:endParaRPr kumimoji="1" lang="en-US" altLang="zh-CN" sz="4800" dirty="0">
-              <a:latin typeface="Microsoft YaHei" panose="020B0503020204020204" pitchFamily="34" charset="-122"/>
-              <a:ea typeface="Microsoft YaHei" panose="020B0503020204020204" pitchFamily="34" charset="-122"/>
-            </a:endParaRPr>
-          </a:p>
-        </p:txBody>
-      </p:sp>
-      <p:sp>
-        <p:nvSpPr>
-          <p:cNvPr id="3" name="文本框 2">
-            <a:extLst>
-              <a:ext uri="{FF2B5EF4-FFF2-40B4-BE49-F238E27FC236}">
-                <a16:creationId xmlns:a16="http://schemas.microsoft.com/office/drawing/2014/main" id="{C0CFBE9F-84F2-FE48-AC8E-D41196C42DBA}"/>
-              </a:ext>
-            </a:extLst>
-          </p:cNvPr>
-          <p:cNvSpPr txBox="1"/>
-          <p:nvPr/>
-        </p:nvSpPr>
-        <p:spPr>
-          <a:xfrm>
-            <a:off x="508000" y="2865120"/>
-            <a:ext cx="4917440" cy="3108543"/>
-          </a:xfrm>
-          <a:prstGeom prst="rect">
-            <a:avLst/>
-          </a:prstGeom>
-          <a:noFill/>
-        </p:spPr>
-        <p:txBody>
-          <a:bodyPr wrap="square" rtlCol="0">
-            <a:spAutoFit/>
-          </a:bodyPr>
-          <a:lstStyle/>
-          <a:p>
-            <a:r>
-              <a:rPr kumimoji="1" lang="zh-CN" altLang="en-US" sz="2800" dirty="0">
-                <a:latin typeface="Microsoft YaHei" panose="020B0503020204020204" pitchFamily="34" charset="-122"/>
-                <a:ea typeface="Microsoft YaHei" panose="020B0503020204020204" pitchFamily="34" charset="-122"/>
-              </a:rPr>
-              <a:t>定义：先从总体出发，然后逐步分解</a:t>
-            </a:r>
-            <a:endParaRPr kumimoji="1" lang="en-US" altLang="zh-CN" sz="2800" dirty="0">
-              <a:latin typeface="Microsoft YaHei" panose="020B0503020204020204" pitchFamily="34" charset="-122"/>
-              <a:ea typeface="Microsoft YaHei" panose="020B0503020204020204" pitchFamily="34" charset="-122"/>
-            </a:endParaRPr>
-          </a:p>
-          <a:p>
-            <a:endParaRPr kumimoji="1" lang="en-US" altLang="zh-CN" sz="2800" dirty="0">
-              <a:latin typeface="Microsoft YaHei" panose="020B0503020204020204" pitchFamily="34" charset="-122"/>
-              <a:ea typeface="Microsoft YaHei" panose="020B0503020204020204" pitchFamily="34" charset="-122"/>
-            </a:endParaRPr>
-          </a:p>
-          <a:p>
-            <a:r>
-              <a:rPr kumimoji="1" lang="zh-CN" altLang="en-US" sz="2800" dirty="0">
-                <a:latin typeface="Microsoft YaHei" panose="020B0503020204020204" pitchFamily="34" charset="-122"/>
-                <a:ea typeface="Microsoft YaHei" panose="020B0503020204020204" pitchFamily="34" charset="-122"/>
-              </a:rPr>
-              <a:t>例子：</a:t>
-            </a:r>
-            <a:endParaRPr kumimoji="1" lang="en-US" altLang="zh-CN" sz="2800" dirty="0">
-              <a:latin typeface="Microsoft YaHei" panose="020B0503020204020204" pitchFamily="34" charset="-122"/>
-              <a:ea typeface="Microsoft YaHei" panose="020B0503020204020204" pitchFamily="34" charset="-122"/>
-            </a:endParaRPr>
-          </a:p>
-          <a:p>
-            <a:pPr marL="457200" indent="-457200">
-              <a:buFont typeface="Arial" panose="020B0604020202020204" pitchFamily="34" charset="0"/>
-              <a:buChar char="•"/>
-            </a:pPr>
-            <a:r>
-              <a:rPr kumimoji="1" lang="zh-CN" altLang="en-US" sz="2800" dirty="0">
-                <a:latin typeface="Microsoft YaHei" panose="020B0503020204020204" pitchFamily="34" charset="-122"/>
-                <a:ea typeface="Microsoft YaHei" panose="020B0503020204020204" pitchFamily="34" charset="-122"/>
-              </a:rPr>
-              <a:t>思维导图</a:t>
-            </a:r>
-            <a:endParaRPr kumimoji="1" lang="en-US" altLang="zh-CN" sz="2800" dirty="0">
-              <a:latin typeface="Microsoft YaHei" panose="020B0503020204020204" pitchFamily="34" charset="-122"/>
-              <a:ea typeface="Microsoft YaHei" panose="020B0503020204020204" pitchFamily="34" charset="-122"/>
-            </a:endParaRPr>
-          </a:p>
-          <a:p>
-            <a:pPr marL="457200" indent="-457200">
-              <a:buFont typeface="Arial" panose="020B0604020202020204" pitchFamily="34" charset="0"/>
-              <a:buChar char="•"/>
-            </a:pPr>
-            <a:r>
-              <a:rPr kumimoji="1" lang="zh-CN" altLang="en-US" sz="2800" dirty="0">
-                <a:latin typeface="Microsoft YaHei" panose="020B0503020204020204" pitchFamily="34" charset="-122"/>
-                <a:ea typeface="Microsoft YaHei" panose="020B0503020204020204" pitchFamily="34" charset="-122"/>
-              </a:rPr>
-              <a:t>金字塔思维</a:t>
-            </a:r>
-            <a:endParaRPr kumimoji="1" lang="en-US" altLang="zh-CN" sz="2800" dirty="0">
-              <a:latin typeface="Microsoft YaHei" panose="020B0503020204020204" pitchFamily="34" charset="-122"/>
-              <a:ea typeface="Microsoft YaHei" panose="020B0503020204020204" pitchFamily="34" charset="-122"/>
-            </a:endParaRPr>
-          </a:p>
-          <a:p>
-            <a:endParaRPr kumimoji="1" lang="zh-CN" altLang="en-US" sz="2800" dirty="0">
-              <a:latin typeface="Microsoft YaHei" panose="020B0503020204020204" pitchFamily="34" charset="-122"/>
-              <a:ea typeface="Microsoft YaHei" panose="020B0503020204020204" pitchFamily="34" charset="-122"/>
-            </a:endParaRPr>
-          </a:p>
-        </p:txBody>
-      </p:sp>
-      <p:pic>
-        <p:nvPicPr>
-          <p:cNvPr id="4" name="图片 3">
-            <a:extLst>
-              <a:ext uri="{FF2B5EF4-FFF2-40B4-BE49-F238E27FC236}">
-                <a16:creationId xmlns:a16="http://schemas.microsoft.com/office/drawing/2014/main" id="{D81F4E62-9FC7-5345-91C2-B22BE1037F19}"/>
-              </a:ext>
-            </a:extLst>
-          </p:cNvPr>
-          <p:cNvPicPr>
-            <a:picLocks noChangeAspect="1"/>
-          </p:cNvPicPr>
-          <p:nvPr/>
-        </p:nvPicPr>
-        <p:blipFill>
-          <a:blip r:embed="rId4"/>
-          <a:stretch>
-            <a:fillRect/>
-          </a:stretch>
-        </p:blipFill>
-        <p:spPr>
-          <a:xfrm>
-            <a:off x="6032500" y="1651000"/>
-            <a:ext cx="6159500" cy="5207000"/>
-          </a:xfrm>
-          <a:prstGeom prst="rect">
-            <a:avLst/>
-          </a:prstGeom>
-        </p:spPr>
-      </p:pic>
-    </p:spTree>
-    <p:extLst>
-      <p:ext uri="{BB962C8B-B14F-4D97-AF65-F5344CB8AC3E}">
-        <p14:creationId xmlns:p14="http://schemas.microsoft.com/office/powerpoint/2010/main" val="3208649552"/>
-      </p:ext>
-    </p:extLst>
-  </p:cSld>
-  <p:clrMapOvr>
-    <a:masterClrMapping/>
-  </p:clrMapOvr>
-</p:sld>
-</file>
-
-<file path=ppt/slides/slide24.xml><?xml version="1.0" encoding="utf-8"?>
-<p:sld xmlns:a="http://schemas.openxmlformats.org/drawingml/2006/main" xmlns:r="http://schemas.openxmlformats.org/officeDocument/2006/relationships" xmlns:p="http://schemas.openxmlformats.org/presentationml/2006/main">
-  <p:cSld>
-    <p:bg>
-      <p:bgPr>
-        <a:blipFill>
-          <a:blip r:embed="rId3"/>
-          <a:tile tx="0" ty="0" sx="100000" sy="100000" flip="none" algn="tl"/>
-        </a:blipFill>
-        <a:effectLst/>
-      </p:bgPr>
-    </p:bg>
-    <p:spTree>
-      <p:nvGrpSpPr>
-        <p:cNvPr id="1" name=""/>
-        <p:cNvGrpSpPr/>
-        <p:nvPr/>
-      </p:nvGrpSpPr>
-      <p:grpSpPr>
-        <a:xfrm>
-          <a:off x="0" y="0"/>
-          <a:ext cx="0" cy="0"/>
-          <a:chOff x="0" y="0"/>
-          <a:chExt cx="0" cy="0"/>
-        </a:xfrm>
-      </p:grpSpPr>
-      <p:sp>
-        <p:nvSpPr>
-          <p:cNvPr id="2" name="文本框 1">
-            <a:extLst>
-              <a:ext uri="{FF2B5EF4-FFF2-40B4-BE49-F238E27FC236}">
-                <a16:creationId xmlns:a16="http://schemas.microsoft.com/office/drawing/2014/main" id="{12AA8BCC-7B15-4842-80C2-48C079429338}"/>
-              </a:ext>
-            </a:extLst>
-          </p:cNvPr>
-          <p:cNvSpPr txBox="1"/>
-          <p:nvPr/>
-        </p:nvSpPr>
-        <p:spPr>
-          <a:xfrm>
-            <a:off x="2234234" y="597430"/>
-            <a:ext cx="9132000" cy="830997"/>
-          </a:xfrm>
-          <a:prstGeom prst="rect">
-            <a:avLst/>
-          </a:prstGeom>
-          <a:noFill/>
-        </p:spPr>
-        <p:txBody>
-          <a:bodyPr wrap="square" rtlCol="0">
-            <a:spAutoFit/>
-          </a:bodyPr>
-          <a:lstStyle/>
-          <a:p>
-            <a:pPr algn="ctr"/>
-            <a:r>
-              <a:rPr kumimoji="1" lang="zh-CN" altLang="en-US" sz="4800" dirty="0">
-                <a:latin typeface="Microsoft YaHei" panose="020B0503020204020204" pitchFamily="34" charset="-122"/>
-                <a:ea typeface="Microsoft YaHei" panose="020B0503020204020204" pitchFamily="34" charset="-122"/>
-              </a:rPr>
-              <a:t>自下而上</a:t>
-            </a:r>
-            <a:endParaRPr kumimoji="1" lang="en-US" altLang="zh-CN" sz="4800" dirty="0">
-              <a:latin typeface="Microsoft YaHei" panose="020B0503020204020204" pitchFamily="34" charset="-122"/>
-              <a:ea typeface="Microsoft YaHei" panose="020B0503020204020204" pitchFamily="34" charset="-122"/>
-            </a:endParaRPr>
-          </a:p>
-        </p:txBody>
-      </p:sp>
-      <p:sp>
-        <p:nvSpPr>
-          <p:cNvPr id="3" name="文本框 2">
-            <a:extLst>
-              <a:ext uri="{FF2B5EF4-FFF2-40B4-BE49-F238E27FC236}">
-                <a16:creationId xmlns:a16="http://schemas.microsoft.com/office/drawing/2014/main" id="{C0CFBE9F-84F2-FE48-AC8E-D41196C42DBA}"/>
-              </a:ext>
-            </a:extLst>
-          </p:cNvPr>
-          <p:cNvSpPr txBox="1"/>
-          <p:nvPr/>
-        </p:nvSpPr>
-        <p:spPr>
-          <a:xfrm>
-            <a:off x="568960" y="2153920"/>
-            <a:ext cx="11440160" cy="4401205"/>
-          </a:xfrm>
-          <a:prstGeom prst="rect">
-            <a:avLst/>
-          </a:prstGeom>
-          <a:noFill/>
-        </p:spPr>
-        <p:txBody>
-          <a:bodyPr wrap="square" rtlCol="0">
-            <a:spAutoFit/>
-          </a:bodyPr>
-          <a:lstStyle/>
-          <a:p>
-            <a:r>
-              <a:rPr kumimoji="1" lang="zh-CN" altLang="en-US" sz="2800" dirty="0">
-                <a:latin typeface="Microsoft YaHei" panose="020B0503020204020204" pitchFamily="34" charset="-122"/>
-                <a:ea typeface="Microsoft YaHei" panose="020B0503020204020204" pitchFamily="34" charset="-122"/>
-              </a:rPr>
-              <a:t>定义：先从局部出发，然后逐步往上汇总，最终形成整体</a:t>
-            </a:r>
-            <a:endParaRPr kumimoji="1" lang="en-US" altLang="zh-CN" sz="2800" dirty="0">
-              <a:latin typeface="Microsoft YaHei" panose="020B0503020204020204" pitchFamily="34" charset="-122"/>
-              <a:ea typeface="Microsoft YaHei" panose="020B0503020204020204" pitchFamily="34" charset="-122"/>
-            </a:endParaRPr>
-          </a:p>
-          <a:p>
-            <a:endParaRPr kumimoji="1" lang="en-US" altLang="zh-CN" sz="2800" dirty="0">
-              <a:latin typeface="Microsoft YaHei" panose="020B0503020204020204" pitchFamily="34" charset="-122"/>
-              <a:ea typeface="Microsoft YaHei" panose="020B0503020204020204" pitchFamily="34" charset="-122"/>
-            </a:endParaRPr>
-          </a:p>
-          <a:p>
-            <a:r>
-              <a:rPr kumimoji="1" lang="zh-CN" altLang="en-US" sz="2800" dirty="0">
-                <a:latin typeface="Microsoft YaHei" panose="020B0503020204020204" pitchFamily="34" charset="-122"/>
-                <a:ea typeface="Microsoft YaHei" panose="020B0503020204020204" pitchFamily="34" charset="-122"/>
-              </a:rPr>
-              <a:t>例子：群体智能，比如蚁群</a:t>
-            </a:r>
-            <a:endParaRPr kumimoji="1" lang="en-US" altLang="zh-CN" sz="2800" dirty="0">
-              <a:latin typeface="Microsoft YaHei" panose="020B0503020204020204" pitchFamily="34" charset="-122"/>
-              <a:ea typeface="Microsoft YaHei" panose="020B0503020204020204" pitchFamily="34" charset="-122"/>
-            </a:endParaRPr>
-          </a:p>
-          <a:p>
-            <a:r>
-              <a:rPr kumimoji="1" lang="zh-CN" altLang="en-US" sz="2800" dirty="0">
-                <a:latin typeface="Microsoft YaHei" panose="020B0503020204020204" pitchFamily="34" charset="-122"/>
-                <a:ea typeface="Microsoft YaHei" panose="020B0503020204020204" pitchFamily="34" charset="-122"/>
-              </a:rPr>
-              <a:t>每个蚂蚁做好自己的事情，然后整体就自然而然好了</a:t>
-            </a:r>
-            <a:endParaRPr kumimoji="1" lang="en-US" altLang="zh-CN" sz="2800" dirty="0">
-              <a:latin typeface="Microsoft YaHei" panose="020B0503020204020204" pitchFamily="34" charset="-122"/>
-              <a:ea typeface="Microsoft YaHei" panose="020B0503020204020204" pitchFamily="34" charset="-122"/>
-            </a:endParaRPr>
-          </a:p>
-          <a:p>
-            <a:endParaRPr kumimoji="1" lang="en-US" altLang="zh-CN" sz="2800" dirty="0">
-              <a:latin typeface="Microsoft YaHei" panose="020B0503020204020204" pitchFamily="34" charset="-122"/>
-              <a:ea typeface="Microsoft YaHei" panose="020B0503020204020204" pitchFamily="34" charset="-122"/>
-            </a:endParaRPr>
-          </a:p>
-          <a:p>
-            <a:r>
-              <a:rPr kumimoji="1" lang="zh-CN" altLang="en-US" sz="2800" dirty="0">
-                <a:latin typeface="Microsoft YaHei" panose="020B0503020204020204" pitchFamily="34" charset="-122"/>
-                <a:ea typeface="Microsoft YaHei" panose="020B0503020204020204" pitchFamily="34" charset="-122"/>
-              </a:rPr>
-              <a:t>自治区： 加入区 由镇组成，镇由村组成，如果</a:t>
-            </a:r>
-            <a:endParaRPr kumimoji="1" lang="en-US" altLang="zh-CN" sz="2800" dirty="0">
-              <a:latin typeface="Microsoft YaHei" panose="020B0503020204020204" pitchFamily="34" charset="-122"/>
-              <a:ea typeface="Microsoft YaHei" panose="020B0503020204020204" pitchFamily="34" charset="-122"/>
-            </a:endParaRPr>
-          </a:p>
-          <a:p>
-            <a:r>
-              <a:rPr kumimoji="1" lang="zh-CN" altLang="en-US" sz="2800" dirty="0">
-                <a:latin typeface="Microsoft YaHei" panose="020B0503020204020204" pitchFamily="34" charset="-122"/>
-                <a:ea typeface="Microsoft YaHei" panose="020B0503020204020204" pitchFamily="34" charset="-122"/>
-              </a:rPr>
-              <a:t>村自治好了，镇管理人员就几乎没事了，镇因为村的好而好；</a:t>
-            </a:r>
-            <a:endParaRPr kumimoji="1" lang="en-US" altLang="zh-CN" sz="2800" dirty="0">
-              <a:latin typeface="Microsoft YaHei" panose="020B0503020204020204" pitchFamily="34" charset="-122"/>
-              <a:ea typeface="Microsoft YaHei" panose="020B0503020204020204" pitchFamily="34" charset="-122"/>
-            </a:endParaRPr>
-          </a:p>
-          <a:p>
-            <a:r>
-              <a:rPr kumimoji="1" lang="zh-CN" altLang="en-US" sz="2800" dirty="0">
-                <a:latin typeface="Microsoft YaHei" panose="020B0503020204020204" pitchFamily="34" charset="-122"/>
-                <a:ea typeface="Microsoft YaHei" panose="020B0503020204020204" pitchFamily="34" charset="-122"/>
-              </a:rPr>
-              <a:t>镇好了，区也好了，区的管理人员也没事了。</a:t>
-            </a:r>
-            <a:endParaRPr kumimoji="1" lang="en-US" altLang="zh-CN" sz="2800" dirty="0">
-              <a:latin typeface="Microsoft YaHei" panose="020B0503020204020204" pitchFamily="34" charset="-122"/>
-              <a:ea typeface="Microsoft YaHei" panose="020B0503020204020204" pitchFamily="34" charset="-122"/>
-            </a:endParaRPr>
-          </a:p>
-          <a:p>
-            <a:r>
-              <a:rPr kumimoji="1" lang="zh-CN" altLang="en-US" sz="2800" dirty="0">
-                <a:latin typeface="Microsoft YaHei" panose="020B0503020204020204" pitchFamily="34" charset="-122"/>
-                <a:ea typeface="Microsoft YaHei" panose="020B0503020204020204" pitchFamily="34" charset="-122"/>
-              </a:rPr>
-              <a:t>这也是世界上一些地区的管理方式。</a:t>
-            </a:r>
-            <a:endParaRPr kumimoji="1" lang="en-US" altLang="zh-CN" sz="2800" dirty="0">
-              <a:latin typeface="Microsoft YaHei" panose="020B0503020204020204" pitchFamily="34" charset="-122"/>
-              <a:ea typeface="Microsoft YaHei" panose="020B0503020204020204" pitchFamily="34" charset="-122"/>
-            </a:endParaRPr>
-          </a:p>
-          <a:p>
-            <a:endParaRPr kumimoji="1" lang="zh-CN" altLang="en-US" sz="2800" dirty="0">
-              <a:latin typeface="Microsoft YaHei" panose="020B0503020204020204" pitchFamily="34" charset="-122"/>
-              <a:ea typeface="Microsoft YaHei" panose="020B0503020204020204" pitchFamily="34" charset="-122"/>
-            </a:endParaRPr>
-          </a:p>
-        </p:txBody>
-      </p:sp>
-    </p:spTree>
-    <p:extLst>
-      <p:ext uri="{BB962C8B-B14F-4D97-AF65-F5344CB8AC3E}">
-        <p14:creationId xmlns:p14="http://schemas.microsoft.com/office/powerpoint/2010/main" val="1935372806"/>
-      </p:ext>
-    </p:extLst>
-  </p:cSld>
-  <p:clrMapOvr>
-    <a:masterClrMapping/>
-  </p:clrMapOvr>
-</p:sld>
-</file>
-
-<file path=ppt/slides/slide25.xml><?xml version="1.0" encoding="utf-8"?>
-<p:sld xmlns:a="http://schemas.openxmlformats.org/drawingml/2006/main" xmlns:r="http://schemas.openxmlformats.org/officeDocument/2006/relationships" xmlns:p="http://schemas.openxmlformats.org/presentationml/2006/main">
-  <p:cSld>
-    <p:bg>
-      <p:bgPr>
-        <a:blipFill>
-          <a:blip r:embed="rId3"/>
-          <a:tile tx="0" ty="0" sx="100000" sy="100000" flip="none" algn="tl"/>
-        </a:blipFill>
-        <a:effectLst/>
-      </p:bgPr>
-    </p:bg>
-    <p:spTree>
-      <p:nvGrpSpPr>
-        <p:cNvPr id="1" name=""/>
-        <p:cNvGrpSpPr/>
-        <p:nvPr/>
-      </p:nvGrpSpPr>
-      <p:grpSpPr>
-        <a:xfrm>
-          <a:off x="0" y="0"/>
-          <a:ext cx="0" cy="0"/>
-          <a:chOff x="0" y="0"/>
-          <a:chExt cx="0" cy="0"/>
-        </a:xfrm>
-      </p:grpSpPr>
-      <p:pic>
-        <p:nvPicPr>
-          <p:cNvPr id="4" name="图片 3">
-            <a:extLst>
-              <a:ext uri="{FF2B5EF4-FFF2-40B4-BE49-F238E27FC236}">
-                <a16:creationId xmlns:a16="http://schemas.microsoft.com/office/drawing/2014/main" id="{44DADF3B-9548-1542-971B-D22531D01D14}"/>
-              </a:ext>
-            </a:extLst>
-          </p:cNvPr>
-          <p:cNvPicPr>
-            <a:picLocks noChangeAspect="1"/>
-          </p:cNvPicPr>
-          <p:nvPr/>
-        </p:nvPicPr>
-        <p:blipFill>
-          <a:blip r:embed="rId4"/>
-          <a:stretch>
-            <a:fillRect/>
-          </a:stretch>
-        </p:blipFill>
-        <p:spPr>
-          <a:xfrm>
-            <a:off x="4512030" y="-2145"/>
-            <a:ext cx="3168929" cy="6860145"/>
-          </a:xfrm>
-          <a:prstGeom prst="rect">
-            <a:avLst/>
-          </a:prstGeom>
-        </p:spPr>
-      </p:pic>
-    </p:spTree>
-    <p:extLst>
-      <p:ext uri="{BB962C8B-B14F-4D97-AF65-F5344CB8AC3E}">
-        <p14:creationId xmlns:p14="http://schemas.microsoft.com/office/powerpoint/2010/main" val="3756737795"/>
-      </p:ext>
-    </p:extLst>
-  </p:cSld>
-  <p:clrMapOvr>
-    <a:masterClrMapping/>
-  </p:clrMapOvr>
-</p:sld>
-</file>
-
-<file path=ppt/slides/slide26.xml><?xml version="1.0" encoding="utf-8"?>
-<p:sld xmlns:a="http://schemas.openxmlformats.org/drawingml/2006/main" xmlns:r="http://schemas.openxmlformats.org/officeDocument/2006/relationships" xmlns:p="http://schemas.openxmlformats.org/presentationml/2006/main">
-  <p:cSld>
-    <p:bg>
-      <p:bgPr>
-        <a:blipFill>
-          <a:blip r:embed="rId3"/>
-          <a:tile tx="0" ty="0" sx="100000" sy="100000" flip="none" algn="tl"/>
-        </a:blipFill>
-        <a:effectLst/>
-      </p:bgPr>
-    </p:bg>
-    <p:spTree>
-      <p:nvGrpSpPr>
-        <p:cNvPr id="1" name=""/>
-        <p:cNvGrpSpPr/>
-        <p:nvPr/>
-      </p:nvGrpSpPr>
-      <p:grpSpPr>
-        <a:xfrm>
-          <a:off x="0" y="0"/>
-          <a:ext cx="0" cy="0"/>
-          <a:chOff x="0" y="0"/>
-          <a:chExt cx="0" cy="0"/>
-        </a:xfrm>
-      </p:grpSpPr>
-      <p:sp>
-        <p:nvSpPr>
-          <p:cNvPr id="2" name="文本框 1">
-            <a:extLst>
-              <a:ext uri="{FF2B5EF4-FFF2-40B4-BE49-F238E27FC236}">
-                <a16:creationId xmlns:a16="http://schemas.microsoft.com/office/drawing/2014/main" id="{12AA8BCC-7B15-4842-80C2-48C079429338}"/>
-              </a:ext>
-            </a:extLst>
-          </p:cNvPr>
-          <p:cNvSpPr txBox="1"/>
-          <p:nvPr/>
-        </p:nvSpPr>
-        <p:spPr>
-          <a:xfrm>
-            <a:off x="2234234" y="597430"/>
-            <a:ext cx="9132000" cy="830997"/>
-          </a:xfrm>
-          <a:prstGeom prst="rect">
-            <a:avLst/>
-          </a:prstGeom>
-          <a:noFill/>
-        </p:spPr>
-        <p:txBody>
-          <a:bodyPr wrap="square" rtlCol="0">
-            <a:spAutoFit/>
-          </a:bodyPr>
-          <a:lstStyle/>
-          <a:p>
-            <a:pPr algn="ctr"/>
-            <a:r>
-              <a:rPr kumimoji="1" lang="en-US" altLang="zh-CN" sz="4800" dirty="0">
-                <a:latin typeface="Microsoft YaHei" panose="020B0503020204020204" pitchFamily="34" charset="-122"/>
-                <a:ea typeface="Microsoft YaHei" panose="020B0503020204020204" pitchFamily="34" charset="-122"/>
-              </a:rPr>
-              <a:t>8.</a:t>
-            </a:r>
-            <a:r>
-              <a:rPr kumimoji="1" lang="zh-CN" altLang="en-US" sz="4800" dirty="0">
-                <a:latin typeface="Microsoft YaHei" panose="020B0503020204020204" pitchFamily="34" charset="-122"/>
-                <a:ea typeface="Microsoft YaHei" panose="020B0503020204020204" pitchFamily="34" charset="-122"/>
-              </a:rPr>
-              <a:t> 微信为例</a:t>
-            </a:r>
-            <a:endParaRPr kumimoji="1" lang="en-US" altLang="zh-CN" sz="4800" dirty="0">
-              <a:latin typeface="Microsoft YaHei" panose="020B0503020204020204" pitchFamily="34" charset="-122"/>
-              <a:ea typeface="Microsoft YaHei" panose="020B0503020204020204" pitchFamily="34" charset="-122"/>
-            </a:endParaRPr>
-          </a:p>
-        </p:txBody>
-      </p:sp>
-      <p:sp>
-        <p:nvSpPr>
-          <p:cNvPr id="3" name="文本框 2">
-            <a:extLst>
-              <a:ext uri="{FF2B5EF4-FFF2-40B4-BE49-F238E27FC236}">
-                <a16:creationId xmlns:a16="http://schemas.microsoft.com/office/drawing/2014/main" id="{5ECB8C4B-DC78-AF4A-AECC-58DCD8B236BD}"/>
-              </a:ext>
-            </a:extLst>
-          </p:cNvPr>
-          <p:cNvSpPr txBox="1"/>
-          <p:nvPr/>
-        </p:nvSpPr>
-        <p:spPr>
-          <a:xfrm>
-            <a:off x="1731818" y="2015173"/>
-            <a:ext cx="8728364" cy="1384995"/>
-          </a:xfrm>
-          <a:prstGeom prst="rect">
-            <a:avLst/>
-          </a:prstGeom>
-          <a:noFill/>
-        </p:spPr>
-        <p:txBody>
-          <a:bodyPr wrap="square" rtlCol="0">
-            <a:spAutoFit/>
-          </a:bodyPr>
-          <a:lstStyle/>
-          <a:p>
-            <a:r>
-              <a:rPr kumimoji="1" lang="zh-CN" altLang="en-US" sz="2800" dirty="0">
-                <a:latin typeface="Microsoft YaHei" panose="020B0503020204020204" pitchFamily="34" charset="-122"/>
-                <a:ea typeface="Microsoft YaHei" panose="020B0503020204020204" pitchFamily="34" charset="-122"/>
-              </a:rPr>
-              <a:t>以微信为例：假设你作为腾讯 微信团队</a:t>
-            </a:r>
-            <a:r>
-              <a:rPr kumimoji="1" lang="en-US" altLang="zh-CN" sz="2800" dirty="0" err="1">
-                <a:latin typeface="Microsoft YaHei" panose="020B0503020204020204" pitchFamily="34" charset="-122"/>
-                <a:ea typeface="Microsoft YaHei" panose="020B0503020204020204" pitchFamily="34" charset="-122"/>
-              </a:rPr>
-              <a:t>ios</a:t>
-            </a:r>
-            <a:r>
-              <a:rPr kumimoji="1" lang="en-US" altLang="zh-CN" sz="2800" dirty="0">
-                <a:latin typeface="Microsoft YaHei" panose="020B0503020204020204" pitchFamily="34" charset="-122"/>
-                <a:ea typeface="Microsoft YaHei" panose="020B0503020204020204" pitchFamily="34" charset="-122"/>
-              </a:rPr>
-              <a:t>/android</a:t>
-            </a:r>
-            <a:r>
-              <a:rPr kumimoji="1" lang="zh-CN" altLang="en-US" sz="2800" dirty="0">
-                <a:latin typeface="Microsoft YaHei" panose="020B0503020204020204" pitchFamily="34" charset="-122"/>
-                <a:ea typeface="Microsoft YaHei" panose="020B0503020204020204" pitchFamily="34" charset="-122"/>
-              </a:rPr>
-              <a:t> 的负责人。你很牛逼啊，你需要实现微信这个</a:t>
-            </a:r>
-            <a:r>
-              <a:rPr kumimoji="1" lang="en-US" altLang="zh-CN" sz="2800" dirty="0">
-                <a:latin typeface="Microsoft YaHei" panose="020B0503020204020204" pitchFamily="34" charset="-122"/>
-                <a:ea typeface="Microsoft YaHei" panose="020B0503020204020204" pitchFamily="34" charset="-122"/>
-              </a:rPr>
-              <a:t>App</a:t>
-            </a:r>
-            <a:r>
-              <a:rPr kumimoji="1" lang="zh-CN" altLang="en-US" sz="2800" dirty="0">
-                <a:latin typeface="Microsoft YaHei" panose="020B0503020204020204" pitchFamily="34" charset="-122"/>
-                <a:ea typeface="Microsoft YaHei" panose="020B0503020204020204" pitchFamily="34" charset="-122"/>
-              </a:rPr>
-              <a:t> 的功能，你怎么设计呢？</a:t>
-            </a:r>
-            <a:endParaRPr kumimoji="1" lang="en-US" altLang="zh-CN" sz="2800" dirty="0">
-              <a:latin typeface="Microsoft YaHei" panose="020B0503020204020204" pitchFamily="34" charset="-122"/>
-              <a:ea typeface="Microsoft YaHei" panose="020B0503020204020204" pitchFamily="34" charset="-122"/>
-            </a:endParaRPr>
-          </a:p>
-        </p:txBody>
-      </p:sp>
-    </p:spTree>
-    <p:extLst>
-      <p:ext uri="{BB962C8B-B14F-4D97-AF65-F5344CB8AC3E}">
-        <p14:creationId xmlns:p14="http://schemas.microsoft.com/office/powerpoint/2010/main" val="3467722687"/>
-      </p:ext>
-    </p:extLst>
-  </p:cSld>
-  <p:clrMapOvr>
-    <a:masterClrMapping/>
-  </p:clrMapOvr>
-</p:sld>
-</file>
-
-<file path=ppt/slides/slide27.xml><?xml version="1.0" encoding="utf-8"?>
-<p:sld xmlns:a="http://schemas.openxmlformats.org/drawingml/2006/main" xmlns:r="http://schemas.openxmlformats.org/officeDocument/2006/relationships" xmlns:p="http://schemas.openxmlformats.org/presentationml/2006/main">
-  <p:cSld>
-    <p:bg>
-      <p:bgPr>
-        <a:blipFill dpi="0" rotWithShape="1">
-          <a:blip r:embed="rId3">
-            <a:lum/>
-          </a:blip>
-          <a:srcRect/>
-          <a:stretch>
-            <a:fillRect/>
-          </a:stretch>
-        </a:blipFill>
-        <a:effectLst/>
-      </p:bgPr>
-    </p:bg>
-    <p:spTree>
-      <p:nvGrpSpPr>
-        <p:cNvPr id="1" name=""/>
-        <p:cNvGrpSpPr/>
-        <p:nvPr/>
-      </p:nvGrpSpPr>
-      <p:grpSpPr>
-        <a:xfrm>
-          <a:off x="0" y="0"/>
-          <a:ext cx="0" cy="0"/>
-          <a:chOff x="0" y="0"/>
-          <a:chExt cx="0" cy="0"/>
-        </a:xfrm>
-      </p:grpSpPr>
-    </p:spTree>
-    <p:extLst>
-      <p:ext uri="{BB962C8B-B14F-4D97-AF65-F5344CB8AC3E}">
-        <p14:creationId xmlns:p14="http://schemas.microsoft.com/office/powerpoint/2010/main" val="1308572282"/>
-      </p:ext>
-    </p:extLst>
-  </p:cSld>
-  <p:clrMapOvr>
-    <a:masterClrMapping/>
-  </p:clrMapOvr>
-</p:sld>
-</file>
-
-<file path=ppt/slides/slide28.xml><?xml version="1.0" encoding="utf-8"?>
-<p:sld xmlns:a="http://schemas.openxmlformats.org/drawingml/2006/main" xmlns:r="http://schemas.openxmlformats.org/officeDocument/2006/relationships" xmlns:p="http://schemas.openxmlformats.org/presentationml/2006/main">
-  <p:cSld>
-    <p:bg>
-      <p:bgPr>
-        <a:blipFill>
-          <a:blip r:embed="rId3"/>
-          <a:tile tx="0" ty="0" sx="100000" sy="100000" flip="none" algn="tl"/>
-        </a:blipFill>
-        <a:effectLst/>
-      </p:bgPr>
-    </p:bg>
-    <p:spTree>
-      <p:nvGrpSpPr>
-        <p:cNvPr id="1" name=""/>
-        <p:cNvGrpSpPr/>
-        <p:nvPr/>
-      </p:nvGrpSpPr>
-      <p:grpSpPr>
-        <a:xfrm>
-          <a:off x="0" y="0"/>
-          <a:ext cx="0" cy="0"/>
-          <a:chOff x="0" y="0"/>
-          <a:chExt cx="0" cy="0"/>
-        </a:xfrm>
-      </p:grpSpPr>
-      <p:sp>
-        <p:nvSpPr>
-          <p:cNvPr id="2" name="文本框 1">
-            <a:extLst>
-              <a:ext uri="{FF2B5EF4-FFF2-40B4-BE49-F238E27FC236}">
-                <a16:creationId xmlns:a16="http://schemas.microsoft.com/office/drawing/2014/main" id="{12AA8BCC-7B15-4842-80C2-48C079429338}"/>
-              </a:ext>
-            </a:extLst>
-          </p:cNvPr>
-          <p:cNvSpPr txBox="1"/>
-          <p:nvPr/>
-        </p:nvSpPr>
-        <p:spPr>
-          <a:xfrm>
-            <a:off x="2234234" y="597430"/>
-            <a:ext cx="9132000" cy="830997"/>
-          </a:xfrm>
-          <a:prstGeom prst="rect">
-            <a:avLst/>
-          </a:prstGeom>
-          <a:noFill/>
-        </p:spPr>
-        <p:txBody>
-          <a:bodyPr wrap="square" rtlCol="0">
-            <a:spAutoFit/>
-          </a:bodyPr>
-          <a:lstStyle/>
-          <a:p>
-            <a:pPr algn="ctr"/>
-            <a:r>
-              <a:rPr kumimoji="1" lang="en-US" altLang="zh-CN" sz="4800" dirty="0">
-                <a:latin typeface="Microsoft YaHei" panose="020B0503020204020204" pitchFamily="34" charset="-122"/>
-                <a:ea typeface="Microsoft YaHei" panose="020B0503020204020204" pitchFamily="34" charset="-122"/>
-              </a:rPr>
-              <a:t>8.</a:t>
-            </a:r>
-            <a:r>
-              <a:rPr kumimoji="1" lang="zh-CN" altLang="en-US" sz="4800" dirty="0">
-                <a:latin typeface="Microsoft YaHei" panose="020B0503020204020204" pitchFamily="34" charset="-122"/>
-                <a:ea typeface="Microsoft YaHei" panose="020B0503020204020204" pitchFamily="34" charset="-122"/>
-              </a:rPr>
-              <a:t> 如何自顶向下地设计方法 </a:t>
-            </a:r>
-            <a:endParaRPr kumimoji="1" lang="en-US" altLang="zh-CN" sz="4800" dirty="0">
-              <a:latin typeface="Microsoft YaHei" panose="020B0503020204020204" pitchFamily="34" charset="-122"/>
-              <a:ea typeface="Microsoft YaHei" panose="020B0503020204020204" pitchFamily="34" charset="-122"/>
-            </a:endParaRPr>
-          </a:p>
-        </p:txBody>
-      </p:sp>
-      <p:sp>
-        <p:nvSpPr>
-          <p:cNvPr id="4" name="文本框 3">
-            <a:extLst>
-              <a:ext uri="{FF2B5EF4-FFF2-40B4-BE49-F238E27FC236}">
-                <a16:creationId xmlns:a16="http://schemas.microsoft.com/office/drawing/2014/main" id="{B447C188-B6E9-2A4B-BB19-53634D110344}"/>
-              </a:ext>
-            </a:extLst>
-          </p:cNvPr>
-          <p:cNvSpPr txBox="1"/>
-          <p:nvPr/>
-        </p:nvSpPr>
-        <p:spPr>
-          <a:xfrm>
-            <a:off x="1158240" y="2654012"/>
-            <a:ext cx="3637280" cy="2246769"/>
-          </a:xfrm>
-          <a:prstGeom prst="rect">
-            <a:avLst/>
-          </a:prstGeom>
-          <a:noFill/>
-        </p:spPr>
-        <p:txBody>
-          <a:bodyPr wrap="square" rtlCol="0">
-            <a:spAutoFit/>
-          </a:bodyPr>
-          <a:lstStyle/>
-          <a:p>
-            <a:r>
-              <a:rPr kumimoji="1" lang="en-US" altLang="zh-CN" sz="2800" dirty="0"/>
-              <a:t>App{</a:t>
-            </a:r>
-          </a:p>
-          <a:p>
-            <a:r>
-              <a:rPr kumimoji="1" lang="zh-CN" altLang="en-US" sz="2800" dirty="0"/>
-              <a:t>模块</a:t>
-            </a:r>
-            <a:r>
-              <a:rPr kumimoji="1" lang="en-US" altLang="zh-CN" sz="2800" dirty="0"/>
-              <a:t>1</a:t>
-            </a:r>
-            <a:r>
-              <a:rPr kumimoji="1" lang="zh-CN" altLang="en-US" sz="2800" dirty="0"/>
-              <a:t>；</a:t>
-            </a:r>
-            <a:endParaRPr kumimoji="1" lang="en-US" altLang="zh-CN" sz="2800" dirty="0"/>
-          </a:p>
-          <a:p>
-            <a:r>
-              <a:rPr kumimoji="1" lang="zh-CN" altLang="en-US" sz="2800" dirty="0"/>
-              <a:t>模块</a:t>
-            </a:r>
-            <a:r>
-              <a:rPr kumimoji="1" lang="en-US" altLang="zh-CN" sz="2800" dirty="0"/>
-              <a:t>2</a:t>
-            </a:r>
-            <a:r>
-              <a:rPr kumimoji="1" lang="zh-CN" altLang="en-US" sz="2800" dirty="0"/>
-              <a:t>；</a:t>
-            </a:r>
-            <a:endParaRPr kumimoji="1" lang="en-US" altLang="zh-CN" sz="2800" dirty="0"/>
-          </a:p>
-          <a:p>
-            <a:r>
-              <a:rPr kumimoji="1" lang="zh-CN" altLang="en-US" sz="2800" dirty="0"/>
-              <a:t>模块</a:t>
-            </a:r>
-            <a:r>
-              <a:rPr kumimoji="1" lang="en-US" altLang="zh-CN" sz="2800" dirty="0"/>
-              <a:t>3…</a:t>
-            </a:r>
-          </a:p>
-          <a:p>
-            <a:r>
-              <a:rPr kumimoji="1" lang="en-US" altLang="zh-CN" sz="2800" dirty="0"/>
-              <a:t>}</a:t>
-            </a:r>
-            <a:endParaRPr kumimoji="1" lang="zh-CN" altLang="en-US" sz="2800" dirty="0"/>
-          </a:p>
-        </p:txBody>
-      </p:sp>
-      <p:sp>
-        <p:nvSpPr>
-          <p:cNvPr id="5" name="文本框 4">
-            <a:extLst>
-              <a:ext uri="{FF2B5EF4-FFF2-40B4-BE49-F238E27FC236}">
-                <a16:creationId xmlns:a16="http://schemas.microsoft.com/office/drawing/2014/main" id="{16224FFA-36C6-7241-BCD3-35EFB4F468AA}"/>
-              </a:ext>
-            </a:extLst>
-          </p:cNvPr>
-          <p:cNvSpPr txBox="1"/>
-          <p:nvPr/>
-        </p:nvSpPr>
-        <p:spPr>
-          <a:xfrm>
-            <a:off x="4124960" y="2072640"/>
-            <a:ext cx="7518400" cy="4401205"/>
-          </a:xfrm>
-          <a:prstGeom prst="rect">
-            <a:avLst/>
-          </a:prstGeom>
-          <a:noFill/>
-        </p:spPr>
-        <p:txBody>
-          <a:bodyPr wrap="square" rtlCol="0">
-            <a:spAutoFit/>
-          </a:bodyPr>
-          <a:lstStyle/>
-          <a:p>
-            <a:r>
-              <a:rPr kumimoji="1" lang="zh-CN" altLang="en-US" sz="2800" dirty="0"/>
-              <a:t>方法的设计思路类似的</a:t>
-            </a:r>
-            <a:endParaRPr kumimoji="1" lang="en-US" altLang="zh-CN" sz="2800" dirty="0"/>
-          </a:p>
-          <a:p>
-            <a:endParaRPr kumimoji="1" lang="en-US" altLang="zh-CN" sz="2800" dirty="0"/>
-          </a:p>
-          <a:p>
-            <a:r>
-              <a:rPr kumimoji="1" lang="en-US" altLang="zh-CN" sz="2800" dirty="0"/>
-              <a:t>Void</a:t>
-            </a:r>
-            <a:r>
-              <a:rPr kumimoji="1" lang="zh-CN" altLang="en-US" sz="2800" dirty="0"/>
-              <a:t> </a:t>
-            </a:r>
-            <a:r>
-              <a:rPr kumimoji="1" lang="en-US" altLang="zh-CN" sz="2800" dirty="0" err="1"/>
-              <a:t>showImageFromWeb</a:t>
-            </a:r>
-            <a:r>
-              <a:rPr kumimoji="1" lang="en-US" altLang="zh-CN" sz="2800" dirty="0"/>
-              <a:t>(</a:t>
-            </a:r>
-            <a:r>
-              <a:rPr kumimoji="1" lang="zh-CN" altLang="en-US" sz="2800" dirty="0"/>
-              <a:t> </a:t>
-            </a:r>
-            <a:r>
-              <a:rPr kumimoji="1" lang="en-US" altLang="zh-CN" sz="2800" dirty="0"/>
-              <a:t>URL</a:t>
-            </a:r>
-            <a:r>
-              <a:rPr kumimoji="1" lang="zh-CN" altLang="en-US" sz="2800" dirty="0"/>
-              <a:t> </a:t>
-            </a:r>
-            <a:r>
-              <a:rPr kumimoji="1" lang="en-US" altLang="zh-CN" sz="2800" dirty="0" err="1"/>
-              <a:t>url</a:t>
-            </a:r>
-            <a:r>
-              <a:rPr kumimoji="1" lang="en-US" altLang="zh-CN" sz="2800" dirty="0"/>
-              <a:t>){</a:t>
-            </a:r>
-          </a:p>
-          <a:p>
-            <a:r>
-              <a:rPr kumimoji="1" lang="en-US" altLang="zh-CN" sz="2800" dirty="0"/>
-              <a:t>Validate(</a:t>
-            </a:r>
-            <a:r>
-              <a:rPr kumimoji="1" lang="en-US" altLang="zh-CN" sz="2800" dirty="0" err="1"/>
-              <a:t>url</a:t>
-            </a:r>
-            <a:r>
-              <a:rPr kumimoji="1" lang="en-US" altLang="zh-CN" sz="2800" dirty="0"/>
-              <a:t>)</a:t>
-            </a:r>
-            <a:r>
-              <a:rPr kumimoji="1" lang="zh-CN" altLang="en-US" sz="2800" dirty="0"/>
-              <a:t> </a:t>
-            </a:r>
-            <a:r>
-              <a:rPr kumimoji="1" lang="en-US" altLang="zh-CN" sz="2800" dirty="0"/>
-              <a:t>//</a:t>
-            </a:r>
-            <a:r>
-              <a:rPr kumimoji="1" lang="zh-CN" altLang="en-US" sz="2800" dirty="0"/>
-              <a:t> 首先验证网址的可靠性</a:t>
-            </a:r>
-            <a:endParaRPr kumimoji="1" lang="en-US" altLang="zh-CN" sz="2800" dirty="0"/>
-          </a:p>
-          <a:p>
-            <a:r>
-              <a:rPr kumimoji="1" lang="en-US" altLang="zh-CN" sz="2800" dirty="0" err="1"/>
-              <a:t>fetchImage</a:t>
-            </a:r>
-            <a:r>
-              <a:rPr kumimoji="1" lang="en-US" altLang="zh-CN" sz="2800" dirty="0"/>
-              <a:t>(</a:t>
-            </a:r>
-            <a:r>
-              <a:rPr kumimoji="1" lang="en-US" altLang="zh-CN" sz="2800" dirty="0" err="1"/>
-              <a:t>url</a:t>
-            </a:r>
-            <a:r>
-              <a:rPr kumimoji="1" lang="en-US" altLang="zh-CN" sz="2800" dirty="0"/>
-              <a:t>)</a:t>
-            </a:r>
-            <a:r>
-              <a:rPr kumimoji="1" lang="zh-CN" altLang="en-US" sz="2800" dirty="0"/>
-              <a:t> </a:t>
-            </a:r>
-            <a:r>
-              <a:rPr kumimoji="1" lang="en-US" altLang="zh-CN" sz="2800" dirty="0"/>
-              <a:t>//</a:t>
-            </a:r>
-            <a:r>
-              <a:rPr kumimoji="1" lang="zh-CN" altLang="en-US" sz="2800" dirty="0"/>
-              <a:t> 去服务器获取图片</a:t>
-            </a:r>
-            <a:endParaRPr kumimoji="1" lang="en-US" altLang="zh-CN" sz="2800" dirty="0"/>
-          </a:p>
-          <a:p>
-            <a:r>
-              <a:rPr kumimoji="1" lang="en-US" altLang="zh-CN" sz="2800" dirty="0" err="1"/>
-              <a:t>showOnCurrent</a:t>
-            </a:r>
-            <a:r>
-              <a:rPr kumimoji="1" lang="zh-CN" altLang="en-US" sz="2800" dirty="0"/>
-              <a:t> </a:t>
-            </a:r>
-            <a:r>
-              <a:rPr kumimoji="1" lang="en-US" altLang="zh-CN" sz="2800" dirty="0"/>
-              <a:t>//</a:t>
-            </a:r>
-            <a:r>
-              <a:rPr kumimoji="1" lang="zh-CN" altLang="en-US" sz="2800" dirty="0"/>
-              <a:t>显示在当前设备上</a:t>
-            </a:r>
-            <a:endParaRPr kumimoji="1" lang="en-US" altLang="zh-CN" sz="2800" dirty="0"/>
-          </a:p>
-          <a:p>
-            <a:r>
-              <a:rPr kumimoji="1" lang="en-US" altLang="zh-CN" sz="2800" dirty="0"/>
-              <a:t>}</a:t>
-            </a:r>
-          </a:p>
-          <a:p>
-            <a:endParaRPr kumimoji="1" lang="en-US" altLang="zh-CN" sz="2800" dirty="0"/>
-          </a:p>
-          <a:p>
-            <a:endParaRPr kumimoji="1" lang="en-US" altLang="zh-CN" sz="2800" dirty="0"/>
-          </a:p>
-          <a:p>
-            <a:endParaRPr kumimoji="1" lang="zh-CN" altLang="en-US" sz="2800" dirty="0"/>
-          </a:p>
-        </p:txBody>
-      </p:sp>
-    </p:spTree>
-    <p:extLst>
-      <p:ext uri="{BB962C8B-B14F-4D97-AF65-F5344CB8AC3E}">
-        <p14:creationId xmlns:p14="http://schemas.microsoft.com/office/powerpoint/2010/main" val="3286228960"/>
-      </p:ext>
-    </p:extLst>
-  </p:cSld>
-  <p:clrMapOvr>
-    <a:masterClrMapping/>
-  </p:clrMapOvr>
-</p:sld>
-</file>
-
-<file path=ppt/slides/slide29.xml><?xml version="1.0" encoding="utf-8"?>
-<p:sld xmlns:a="http://schemas.openxmlformats.org/drawingml/2006/main" xmlns:r="http://schemas.openxmlformats.org/officeDocument/2006/relationships" xmlns:p="http://schemas.openxmlformats.org/presentationml/2006/main">
-  <p:cSld>
-    <p:bg>
-      <p:bgPr>
-        <a:blipFill>
-          <a:blip r:embed="rId3"/>
-          <a:tile tx="0" ty="0" sx="100000" sy="100000" flip="none" algn="tl"/>
-        </a:blipFill>
-        <a:effectLst/>
-      </p:bgPr>
-    </p:bg>
-    <p:spTree>
-      <p:nvGrpSpPr>
-        <p:cNvPr id="1" name=""/>
-        <p:cNvGrpSpPr/>
-        <p:nvPr/>
-      </p:nvGrpSpPr>
-      <p:grpSpPr>
-        <a:xfrm>
-          <a:off x="0" y="0"/>
-          <a:ext cx="0" cy="0"/>
-          <a:chOff x="0" y="0"/>
-          <a:chExt cx="0" cy="0"/>
-        </a:xfrm>
-      </p:grpSpPr>
-      <p:sp>
-        <p:nvSpPr>
-          <p:cNvPr id="2" name="文本框 1">
-            <a:extLst>
-              <a:ext uri="{FF2B5EF4-FFF2-40B4-BE49-F238E27FC236}">
-                <a16:creationId xmlns:a16="http://schemas.microsoft.com/office/drawing/2014/main" id="{12AA8BCC-7B15-4842-80C2-48C079429338}"/>
-              </a:ext>
-            </a:extLst>
-          </p:cNvPr>
-          <p:cNvSpPr txBox="1"/>
-          <p:nvPr/>
-        </p:nvSpPr>
-        <p:spPr>
-          <a:xfrm>
-            <a:off x="2228088" y="2921168"/>
-            <a:ext cx="7735824" cy="1015663"/>
-          </a:xfrm>
-          <a:prstGeom prst="rect">
-            <a:avLst/>
-          </a:prstGeom>
-          <a:noFill/>
-        </p:spPr>
-        <p:txBody>
-          <a:bodyPr wrap="square" rtlCol="0">
-            <a:spAutoFit/>
-          </a:bodyPr>
-          <a:lstStyle/>
-          <a:p>
-            <a:pPr algn="ctr"/>
-            <a:r>
-              <a:rPr kumimoji="1" lang="zh-CN" altLang="en-US" sz="6000" dirty="0">
-                <a:latin typeface="Microsoft YaHei" panose="020B0503020204020204" pitchFamily="34" charset="-122"/>
-                <a:ea typeface="Microsoft YaHei" panose="020B0503020204020204" pitchFamily="34" charset="-122"/>
-              </a:rPr>
-              <a:t>这堂课我们学了什么？</a:t>
-            </a:r>
-          </a:p>
-        </p:txBody>
-      </p:sp>
-    </p:spTree>
-    <p:extLst>
-      <p:ext uri="{BB962C8B-B14F-4D97-AF65-F5344CB8AC3E}">
-        <p14:creationId xmlns:p14="http://schemas.microsoft.com/office/powerpoint/2010/main" val="3338372476"/>
       </p:ext>
     </p:extLst>
   </p:cSld>
@@ -10504,8 +6180,24 @@
                 <a:latin typeface="Microsoft YaHei" panose="020B0503020204020204" pitchFamily="34" charset="-122"/>
                 <a:ea typeface="Microsoft YaHei" panose="020B0503020204020204" pitchFamily="34" charset="-122"/>
               </a:rPr>
-              <a:t> 常用的方法</a:t>
-            </a:r>
+              <a:t> 常用的方法 </a:t>
+            </a:r>
+            <a:r>
+              <a:rPr kumimoji="1" lang="en-US" altLang="zh-CN" sz="4800" dirty="0">
+                <a:latin typeface="Microsoft YaHei" panose="020B0503020204020204" pitchFamily="34" charset="-122"/>
+                <a:ea typeface="Microsoft YaHei" panose="020B0503020204020204" pitchFamily="34" charset="-122"/>
+              </a:rPr>
+              <a:t>---</a:t>
+            </a:r>
+            <a:r>
+              <a:rPr kumimoji="1" lang="zh-CN" altLang="en-US" sz="4800" dirty="0">
+                <a:ea typeface="Microsoft YaHei" panose="020B0503020204020204" pitchFamily="34" charset="-122"/>
+              </a:rPr>
+              <a:t>指数函数</a:t>
+            </a:r>
+            <a:endParaRPr kumimoji="1" lang="en-US" altLang="zh-CN" sz="4800" dirty="0">
+              <a:ea typeface="Microsoft YaHei" panose="020B0503020204020204" pitchFamily="34" charset="-122"/>
+            </a:endParaRPr>
           </a:p>
         </p:txBody>
       </p:sp>
@@ -10524,7 +6216,7 @@
         <p:spPr>
           <a:xfrm>
             <a:off x="2374392" y="2276743"/>
-            <a:ext cx="7443216" cy="3135511"/>
+            <a:ext cx="7443216" cy="2301629"/>
           </a:xfrm>
           <a:prstGeom prst="rect">
             <a:avLst/>
@@ -10543,10 +6235,58 @@
               </a:lnSpc>
             </a:pPr>
             <a:r>
+              <a:rPr kumimoji="1" lang="en-US" altLang="zh-CN" sz="3600" dirty="0" err="1">
+                <a:ea typeface="Microsoft YaHei" panose="020B0503020204020204" pitchFamily="34" charset="-122"/>
+              </a:rPr>
+              <a:t>Math.pow</a:t>
+            </a:r>
+            <a:r>
+              <a:rPr kumimoji="1" lang="en-US" altLang="zh-CN" sz="3600" dirty="0">
+                <a:ea typeface="Microsoft YaHei" panose="020B0503020204020204" pitchFamily="34" charset="-122"/>
+              </a:rPr>
+              <a:t>(2,3)</a:t>
+            </a:r>
+            <a:r>
               <a:rPr kumimoji="1" lang="zh-CN" altLang="en-US" sz="3600" dirty="0">
                 <a:ea typeface="Microsoft YaHei" panose="020B0503020204020204" pitchFamily="34" charset="-122"/>
               </a:rPr>
-              <a:t>指数函数</a:t>
+              <a:t>  </a:t>
+            </a:r>
+            <a:r>
+              <a:rPr kumimoji="1" lang="en-US" altLang="zh-CN" sz="3600" dirty="0">
+                <a:ea typeface="Microsoft YaHei" panose="020B0503020204020204" pitchFamily="34" charset="-122"/>
+              </a:rPr>
+              <a:t>//</a:t>
+            </a:r>
+            <a:r>
+              <a:rPr kumimoji="1" lang="zh-CN" altLang="en-US" sz="3600" dirty="0">
+                <a:ea typeface="Microsoft YaHei" panose="020B0503020204020204" pitchFamily="34" charset="-122"/>
+              </a:rPr>
+              <a:t>返回</a:t>
+            </a:r>
+            <a:r>
+              <a:rPr kumimoji="1" lang="en-US" altLang="zh-CN" sz="3600" dirty="0">
+                <a:ea typeface="Microsoft YaHei" panose="020B0503020204020204" pitchFamily="34" charset="-122"/>
+              </a:rPr>
+              <a:t>2</a:t>
+            </a:r>
+            <a:r>
+              <a:rPr kumimoji="1" lang="zh-CN" altLang="en-US" sz="3600" dirty="0">
+                <a:ea typeface="Microsoft YaHei" panose="020B0503020204020204" pitchFamily="34" charset="-122"/>
+              </a:rPr>
+              <a:t>的</a:t>
+            </a:r>
+            <a:r>
+              <a:rPr kumimoji="1" lang="en-US" altLang="zh-CN" sz="3600" dirty="0">
+                <a:ea typeface="Microsoft YaHei" panose="020B0503020204020204" pitchFamily="34" charset="-122"/>
+              </a:rPr>
+              <a:t>3</a:t>
+            </a:r>
+            <a:r>
+              <a:rPr kumimoji="1" lang="zh-CN" altLang="en-US" sz="3600" dirty="0">
+                <a:ea typeface="Microsoft YaHei" panose="020B0503020204020204" pitchFamily="34" charset="-122"/>
+              </a:rPr>
+              <a:t>次方</a:t>
             </a:r>
             <a:endParaRPr kumimoji="1" lang="en-US" altLang="zh-CN" sz="3600" dirty="0">
               <a:ea typeface="Microsoft YaHei" panose="020B0503020204020204" pitchFamily="34" charset="-122"/>
@@ -10562,70 +6302,6 @@
               <a:rPr kumimoji="1" lang="en-US" altLang="zh-CN" sz="3600" dirty="0" err="1">
                 <a:ea typeface="Microsoft YaHei" panose="020B0503020204020204" pitchFamily="34" charset="-122"/>
               </a:rPr>
-              <a:t>Math.pow</a:t>
-            </a:r>
-            <a:r>
-              <a:rPr kumimoji="1" lang="en-US" altLang="zh-CN" sz="3600" dirty="0">
-                <a:ea typeface="Microsoft YaHei" panose="020B0503020204020204" pitchFamily="34" charset="-122"/>
-              </a:rPr>
-              <a:t>(2,3)</a:t>
-            </a:r>
-            <a:r>
-              <a:rPr kumimoji="1" lang="zh-CN" altLang="en-US" sz="3600" dirty="0">
-                <a:ea typeface="Microsoft YaHei" panose="020B0503020204020204" pitchFamily="34" charset="-122"/>
-              </a:rPr>
-              <a:t>  </a:t>
-            </a:r>
-            <a:r>
-              <a:rPr kumimoji="1" lang="en-US" altLang="zh-CN" sz="3600" dirty="0">
-                <a:ea typeface="Microsoft YaHei" panose="020B0503020204020204" pitchFamily="34" charset="-122"/>
-              </a:rPr>
-              <a:t>//</a:t>
-            </a:r>
-            <a:r>
-              <a:rPr kumimoji="1" lang="zh-CN" altLang="en-US" sz="3600" dirty="0">
-                <a:ea typeface="Microsoft YaHei" panose="020B0503020204020204" pitchFamily="34" charset="-122"/>
-              </a:rPr>
-              <a:t>返回</a:t>
-            </a:r>
-            <a:r>
-              <a:rPr kumimoji="1" lang="en-US" altLang="zh-CN" sz="3600" dirty="0">
-                <a:ea typeface="Microsoft YaHei" panose="020B0503020204020204" pitchFamily="34" charset="-122"/>
-              </a:rPr>
-              <a:t>2</a:t>
-            </a:r>
-            <a:r>
-              <a:rPr kumimoji="1" lang="zh-CN" altLang="en-US" sz="3600" dirty="0">
-                <a:ea typeface="Microsoft YaHei" panose="020B0503020204020204" pitchFamily="34" charset="-122"/>
-              </a:rPr>
-              <a:t>的</a:t>
-            </a:r>
-            <a:r>
-              <a:rPr kumimoji="1" lang="en-US" altLang="zh-CN" sz="3600" dirty="0">
-                <a:ea typeface="Microsoft YaHei" panose="020B0503020204020204" pitchFamily="34" charset="-122"/>
-              </a:rPr>
-              <a:t>3</a:t>
-            </a:r>
-            <a:r>
-              <a:rPr kumimoji="1" lang="zh-CN" altLang="en-US" sz="3600" dirty="0">
-                <a:ea typeface="Microsoft YaHei" panose="020B0503020204020204" pitchFamily="34" charset="-122"/>
-              </a:rPr>
-              <a:t>次方</a:t>
-            </a:r>
-            <a:endParaRPr kumimoji="1" lang="en-US" altLang="zh-CN" sz="3600" dirty="0">
-              <a:ea typeface="Microsoft YaHei" panose="020B0503020204020204" pitchFamily="34" charset="-122"/>
-            </a:endParaRPr>
-          </a:p>
-          <a:p>
-            <a:pPr>
-              <a:lnSpc>
-                <a:spcPct val="150000"/>
-              </a:lnSpc>
-            </a:pPr>
-            <a:r>
-              <a:rPr kumimoji="1" lang="en-US" altLang="zh-CN" sz="3600" dirty="0" err="1">
-                <a:ea typeface="Microsoft YaHei" panose="020B0503020204020204" pitchFamily="34" charset="-122"/>
-              </a:rPr>
               <a:t>Math.sqrt</a:t>
             </a:r>
             <a:r>
@@ -10674,95 +6350,6 @@
     <p:extLst>
       <p:ext uri="{BB962C8B-B14F-4D97-AF65-F5344CB8AC3E}">
         <p14:creationId xmlns:p14="http://schemas.microsoft.com/office/powerpoint/2010/main" val="2037433810"/>
-      </p:ext>
-    </p:extLst>
-  </p:cSld>
-  <p:clrMapOvr>
-    <a:masterClrMapping/>
-  </p:clrMapOvr>
-</p:sld>
-</file>
-
-<file path=ppt/slides/slide30.xml><?xml version="1.0" encoding="utf-8"?>
-<p:sld xmlns:a="http://schemas.openxmlformats.org/drawingml/2006/main" xmlns:r="http://schemas.openxmlformats.org/officeDocument/2006/relationships" xmlns:p="http://schemas.openxmlformats.org/presentationml/2006/main">
-  <p:cSld>
-    <p:bg>
-      <p:bgPr>
-        <a:blipFill>
-          <a:blip r:embed="rId3"/>
-          <a:tile tx="0" ty="0" sx="100000" sy="100000" flip="none" algn="tl"/>
-        </a:blipFill>
-        <a:effectLst/>
-      </p:bgPr>
-    </p:bg>
-    <p:spTree>
-      <p:nvGrpSpPr>
-        <p:cNvPr id="1" name=""/>
-        <p:cNvGrpSpPr/>
-        <p:nvPr/>
-      </p:nvGrpSpPr>
-      <p:grpSpPr>
-        <a:xfrm>
-          <a:off x="0" y="0"/>
-          <a:ext cx="0" cy="0"/>
-          <a:chOff x="0" y="0"/>
-          <a:chExt cx="0" cy="0"/>
-        </a:xfrm>
-      </p:grpSpPr>
-      <p:sp>
-        <p:nvSpPr>
-          <p:cNvPr id="2" name="文本框 1">
-            <a:extLst>
-              <a:ext uri="{FF2B5EF4-FFF2-40B4-BE49-F238E27FC236}">
-                <a16:creationId xmlns:a16="http://schemas.microsoft.com/office/drawing/2014/main" id="{12AA8BCC-7B15-4842-80C2-48C079429338}"/>
-              </a:ext>
-            </a:extLst>
-          </p:cNvPr>
-          <p:cNvSpPr txBox="1"/>
-          <p:nvPr/>
-        </p:nvSpPr>
-        <p:spPr>
-          <a:xfrm>
-            <a:off x="2228088" y="2921168"/>
-            <a:ext cx="7735824" cy="1015663"/>
-          </a:xfrm>
-          <a:prstGeom prst="rect">
-            <a:avLst/>
-          </a:prstGeom>
-          <a:noFill/>
-        </p:spPr>
-        <p:txBody>
-          <a:bodyPr wrap="square" rtlCol="0">
-            <a:spAutoFit/>
-          </a:bodyPr>
-          <a:lstStyle/>
-          <a:p>
-            <a:pPr algn="ctr"/>
-            <a:r>
-              <a:rPr kumimoji="1" lang="zh-CN" altLang="en-US" sz="6000" dirty="0">
-                <a:latin typeface="Microsoft YaHei" panose="020B0503020204020204" pitchFamily="34" charset="-122"/>
-                <a:ea typeface="Microsoft YaHei" panose="020B0503020204020204" pitchFamily="34" charset="-122"/>
-              </a:rPr>
-              <a:t>自己总结</a:t>
-            </a:r>
-            <a:r>
-              <a:rPr kumimoji="1" lang="en-US" altLang="zh-CN" sz="6000" dirty="0">
-                <a:latin typeface="Microsoft YaHei" panose="020B0503020204020204" pitchFamily="34" charset="-122"/>
-                <a:ea typeface="Microsoft YaHei" panose="020B0503020204020204" pitchFamily="34" charset="-122"/>
-              </a:rPr>
-              <a:t>^_^</a:t>
-            </a:r>
-            <a:endParaRPr kumimoji="1" lang="zh-CN" altLang="en-US" sz="6000" dirty="0">
-              <a:latin typeface="Microsoft YaHei" panose="020B0503020204020204" pitchFamily="34" charset="-122"/>
-              <a:ea typeface="Microsoft YaHei" panose="020B0503020204020204" pitchFamily="34" charset="-122"/>
-            </a:endParaRPr>
-          </a:p>
-        </p:txBody>
-      </p:sp>
-    </p:spTree>
-    <p:extLst>
-      <p:ext uri="{BB962C8B-B14F-4D97-AF65-F5344CB8AC3E}">
-        <p14:creationId xmlns:p14="http://schemas.microsoft.com/office/powerpoint/2010/main" val="327218390"/>
       </p:ext>
     </p:extLst>
   </p:cSld>
@@ -10841,6 +6428,22 @@
               </a:rPr>
               <a:t> 常用的方法</a:t>
             </a:r>
+            <a:r>
+              <a:rPr kumimoji="1" lang="en-US" altLang="zh-CN" sz="4800" dirty="0">
+                <a:latin typeface="Microsoft YaHei" panose="020B0503020204020204" pitchFamily="34" charset="-122"/>
+                <a:ea typeface="Microsoft YaHei" panose="020B0503020204020204" pitchFamily="34" charset="-122"/>
+              </a:rPr>
+              <a:t>---</a:t>
+            </a:r>
+            <a:r>
+              <a:rPr kumimoji="1" lang="zh-CN" altLang="en-US" sz="4800" dirty="0">
+                <a:ea typeface="Microsoft YaHei" panose="020B0503020204020204" pitchFamily="34" charset="-122"/>
+              </a:rPr>
+              <a:t>取整函数</a:t>
+            </a:r>
+            <a:endParaRPr kumimoji="1" lang="en-US" altLang="zh-CN" sz="4800" dirty="0">
+              <a:ea typeface="Microsoft YaHei" panose="020B0503020204020204" pitchFamily="34" charset="-122"/>
+            </a:endParaRPr>
           </a:p>
         </p:txBody>
       </p:sp>
@@ -10859,7 +6462,7 @@
         <p:spPr>
           <a:xfrm>
             <a:off x="2374391" y="2041451"/>
-            <a:ext cx="9236361" cy="3966508"/>
+            <a:ext cx="9236361" cy="3132626"/>
           </a:xfrm>
           <a:prstGeom prst="rect">
             <a:avLst/>
@@ -10871,22 +6474,6 @@
             <a:spAutoFit/>
           </a:bodyPr>
           <a:lstStyle/>
-          <a:p>
-            <a:pPr>
-              <a:lnSpc>
-                <a:spcPct val="150000"/>
-              </a:lnSpc>
-            </a:pPr>
-            <a:r>
-              <a:rPr kumimoji="1" lang="zh-CN" altLang="en-US" sz="3600" dirty="0">
-                <a:ea typeface="Microsoft YaHei" panose="020B0503020204020204" pitchFamily="34" charset="-122"/>
-              </a:rPr>
-              <a:t>取整函数</a:t>
-            </a:r>
-            <a:endParaRPr kumimoji="1" lang="en-US" altLang="zh-CN" sz="3600" dirty="0">
-              <a:ea typeface="Microsoft YaHei" panose="020B0503020204020204" pitchFamily="34" charset="-122"/>
-            </a:endParaRPr>
-          </a:p>
           <a:p>
             <a:pPr>
               <a:lnSpc>
@@ -11072,7 +6659,7 @@
         <p:spPr>
           <a:xfrm>
             <a:off x="2520000" y="720000"/>
-            <a:ext cx="7735824" cy="830997"/>
+            <a:ext cx="7735824" cy="2308324"/>
           </a:xfrm>
           <a:prstGeom prst="rect">
             <a:avLst/>
@@ -11085,21 +6672,41 @@
           </a:bodyPr>
           <a:lstStyle/>
           <a:p>
-            <a:pPr algn="ctr"/>
-            <a:r>
-              <a:rPr kumimoji="1" lang="en-US" altLang="zh-CN" sz="4800" dirty="0">
-                <a:latin typeface="Microsoft YaHei" panose="020B0503020204020204" pitchFamily="34" charset="-122"/>
-                <a:ea typeface="Microsoft YaHei" panose="020B0503020204020204" pitchFamily="34" charset="-122"/>
-              </a:rPr>
-              <a:t>1.</a:t>
-            </a:r>
+            <a:pPr marL="914400" indent="-914400" algn="ctr">
+              <a:buAutoNum type="arabicPeriod"/>
+            </a:pPr>
             <a:r>
               <a:rPr kumimoji="1" lang="zh-CN" altLang="en-US" sz="4800" dirty="0">
                 <a:latin typeface="Microsoft YaHei" panose="020B0503020204020204" pitchFamily="34" charset="-122"/>
                 <a:ea typeface="Microsoft YaHei" panose="020B0503020204020204" pitchFamily="34" charset="-122"/>
               </a:rPr>
-              <a:t> 常用的方法</a:t>
-            </a:r>
+              <a:t>常用的方法</a:t>
+            </a:r>
+            <a:endParaRPr kumimoji="1" lang="en-US" altLang="zh-CN" sz="4800" dirty="0">
+              <a:latin typeface="Microsoft YaHei" panose="020B0503020204020204" pitchFamily="34" charset="-122"/>
+              <a:ea typeface="Microsoft YaHei" panose="020B0503020204020204" pitchFamily="34" charset="-122"/>
+            </a:endParaRPr>
+          </a:p>
+          <a:p>
+            <a:pPr algn="ctr"/>
+            <a:r>
+              <a:rPr kumimoji="1" lang="zh-CN" altLang="en-US" sz="4800" dirty="0">
+                <a:ea typeface="Microsoft YaHei" panose="020B0503020204020204" pitchFamily="34" charset="-122"/>
+              </a:rPr>
+              <a:t>最大，最小，绝对值函数</a:t>
+            </a:r>
+            <a:endParaRPr kumimoji="1" lang="en-US" altLang="zh-CN" sz="4800" dirty="0">
+              <a:ea typeface="Microsoft YaHei" panose="020B0503020204020204" pitchFamily="34" charset="-122"/>
+            </a:endParaRPr>
+          </a:p>
+          <a:p>
+            <a:pPr marL="914400" indent="-914400" algn="ctr">
+              <a:buAutoNum type="arabicPeriod"/>
+            </a:pPr>
+            <a:endParaRPr kumimoji="1" lang="zh-CN" altLang="en-US" sz="4800" dirty="0">
+              <a:latin typeface="Microsoft YaHei" panose="020B0503020204020204" pitchFamily="34" charset="-122"/>
+              <a:ea typeface="Microsoft YaHei" panose="020B0503020204020204" pitchFamily="34" charset="-122"/>
+            </a:endParaRPr>
           </a:p>
         </p:txBody>
       </p:sp>
@@ -11117,8 +6724,8 @@
         </p:nvSpPr>
         <p:spPr>
           <a:xfrm>
-            <a:off x="2374391" y="2041451"/>
-            <a:ext cx="9236361" cy="3966508"/>
+            <a:off x="2161740" y="3005374"/>
+            <a:ext cx="9236361" cy="3132626"/>
           </a:xfrm>
           <a:prstGeom prst="rect">
             <a:avLst/>
@@ -11130,22 +6737,6 @@
             <a:spAutoFit/>
           </a:bodyPr>
           <a:lstStyle/>
-          <a:p>
-            <a:pPr>
-              <a:lnSpc>
-                <a:spcPct val="150000"/>
-              </a:lnSpc>
-            </a:pPr>
-            <a:r>
-              <a:rPr kumimoji="1" lang="zh-CN" altLang="en-US" sz="3600" dirty="0">
-                <a:ea typeface="Microsoft YaHei" panose="020B0503020204020204" pitchFamily="34" charset="-122"/>
-              </a:rPr>
-              <a:t>最大，最小，绝对值函数</a:t>
-            </a:r>
-            <a:endParaRPr kumimoji="1" lang="en-US" altLang="zh-CN" sz="3600" dirty="0">
-              <a:ea typeface="Microsoft YaHei" panose="020B0503020204020204" pitchFamily="34" charset="-122"/>
-            </a:endParaRPr>
-          </a:p>
           <a:p>
             <a:pPr>
               <a:lnSpc>
@@ -11404,20 +6995,22 @@
           </a:bodyPr>
           <a:lstStyle/>
           <a:p>
-            <a:pPr algn="ctr"/>
+            <a:pPr marL="914400" indent="-914400" algn="ctr">
+              <a:buAutoNum type="arabicPeriod"/>
+            </a:pPr>
+            <a:r>
+              <a:rPr kumimoji="1" lang="zh-CN" altLang="en-US" sz="4800" dirty="0">
+                <a:latin typeface="Microsoft YaHei" panose="020B0503020204020204" pitchFamily="34" charset="-122"/>
+                <a:ea typeface="Microsoft YaHei" panose="020B0503020204020204" pitchFamily="34" charset="-122"/>
+              </a:rPr>
+              <a:t>常用的方法</a:t>
+            </a:r>
             <a:r>
               <a:rPr kumimoji="1" lang="en-US" altLang="zh-CN" sz="4800" dirty="0">
                 <a:latin typeface="Microsoft YaHei" panose="020B0503020204020204" pitchFamily="34" charset="-122"/>
                 <a:ea typeface="Microsoft YaHei" panose="020B0503020204020204" pitchFamily="34" charset="-122"/>
               </a:rPr>
-              <a:t>1.</a:t>
-            </a:r>
-            <a:r>
-              <a:rPr kumimoji="1" lang="zh-CN" altLang="en-US" sz="4800" dirty="0">
-                <a:latin typeface="Microsoft YaHei" panose="020B0503020204020204" pitchFamily="34" charset="-122"/>
-                <a:ea typeface="Microsoft YaHei" panose="020B0503020204020204" pitchFamily="34" charset="-122"/>
-              </a:rPr>
-              <a:t> 常用的方法</a:t>
+              <a:t>---Random</a:t>
             </a:r>
           </a:p>
         </p:txBody>
@@ -11437,7 +7030,7 @@
         <p:spPr>
           <a:xfrm>
             <a:off x="2374391" y="2041451"/>
-            <a:ext cx="9236361" cy="3132626"/>
+            <a:ext cx="9236361" cy="2301629"/>
           </a:xfrm>
           <a:prstGeom prst="rect">
             <a:avLst/>
@@ -11449,22 +7042,6 @@
             <a:spAutoFit/>
           </a:bodyPr>
           <a:lstStyle/>
-          <a:p>
-            <a:pPr>
-              <a:lnSpc>
-                <a:spcPct val="150000"/>
-              </a:lnSpc>
-            </a:pPr>
-            <a:r>
-              <a:rPr kumimoji="1" lang="zh-CN" altLang="en-US" sz="3600" dirty="0">
-                <a:ea typeface="Microsoft YaHei" panose="020B0503020204020204" pitchFamily="34" charset="-122"/>
-              </a:rPr>
-              <a:t>其他常用函数</a:t>
-            </a:r>
-            <a:endParaRPr kumimoji="1" lang="en-US" altLang="zh-CN" sz="3600" dirty="0">
-              <a:ea typeface="Microsoft YaHei" panose="020B0503020204020204" pitchFamily="34" charset="-122"/>
-            </a:endParaRPr>
-          </a:p>
           <a:p>
             <a:pPr>
               <a:lnSpc>
@@ -11651,40 +7228,219 @@
           <a:chExt cx="0" cy="0"/>
         </a:xfrm>
       </p:grpSpPr>
-      <p:pic>
-        <p:nvPicPr>
-          <p:cNvPr id="4" name="图片 3">
-            <a:extLst>
-              <a:ext uri="{FF2B5EF4-FFF2-40B4-BE49-F238E27FC236}">
-                <a16:creationId xmlns:a16="http://schemas.microsoft.com/office/drawing/2014/main" id="{8A0DE92A-3138-DD4F-A55D-9DE96C2014A9}"/>
-              </a:ext>
-            </a:extLst>
-          </p:cNvPr>
-          <p:cNvPicPr>
-            <a:picLocks noChangeAspect="1"/>
-          </p:cNvPicPr>
+      <p:sp>
+        <p:nvSpPr>
+          <p:cNvPr id="2" name="文本框 1">
+            <a:extLst>
+              <a:ext uri="{FF2B5EF4-FFF2-40B4-BE49-F238E27FC236}">
+                <a16:creationId xmlns:a16="http://schemas.microsoft.com/office/drawing/2014/main" id="{12AA8BCC-7B15-4842-80C2-48C079429338}"/>
+              </a:ext>
+            </a:extLst>
+          </p:cNvPr>
+          <p:cNvSpPr txBox="1"/>
           <p:nvPr/>
-        </p:nvPicPr>
-        <p:blipFill>
-          <a:blip r:embed="rId4"/>
-          <a:stretch>
-            <a:fillRect/>
-          </a:stretch>
-        </p:blipFill>
+        </p:nvSpPr>
         <p:spPr>
           <a:xfrm>
-            <a:off x="4384601" y="0"/>
-            <a:ext cx="4100181" cy="6858000"/>
+            <a:off x="2520000" y="720000"/>
+            <a:ext cx="7735824" cy="830997"/>
           </a:xfrm>
           <a:prstGeom prst="rect">
             <a:avLst/>
           </a:prstGeom>
+          <a:noFill/>
         </p:spPr>
-      </p:pic>
+        <p:txBody>
+          <a:bodyPr wrap="square" rtlCol="0">
+            <a:spAutoFit/>
+          </a:bodyPr>
+          <a:lstStyle/>
+          <a:p>
+            <a:pPr algn="ctr"/>
+            <a:r>
+              <a:rPr kumimoji="1" lang="en-US" altLang="zh-CN" sz="4800" dirty="0">
+                <a:latin typeface="Microsoft YaHei" panose="020B0503020204020204" pitchFamily="34" charset="-122"/>
+                <a:ea typeface="Microsoft YaHei" panose="020B0503020204020204" pitchFamily="34" charset="-122"/>
+              </a:rPr>
+              <a:t>2.</a:t>
+            </a:r>
+            <a:r>
+              <a:rPr kumimoji="1" lang="zh-CN" altLang="en-US" sz="4800" dirty="0">
+                <a:latin typeface="Microsoft YaHei" panose="020B0503020204020204" pitchFamily="34" charset="-122"/>
+                <a:ea typeface="Microsoft YaHei" panose="020B0503020204020204" pitchFamily="34" charset="-122"/>
+              </a:rPr>
+              <a:t> </a:t>
+            </a:r>
+            <a:r>
+              <a:rPr kumimoji="1" lang="en-US" altLang="zh-CN" sz="4800" dirty="0">
+                <a:latin typeface="Microsoft YaHei" panose="020B0503020204020204" pitchFamily="34" charset="-122"/>
+                <a:ea typeface="Microsoft YaHei" panose="020B0503020204020204" pitchFamily="34" charset="-122"/>
+              </a:rPr>
+              <a:t>ASCII</a:t>
+            </a:r>
+            <a:r>
+              <a:rPr kumimoji="1" lang="zh-CN" altLang="en-US" sz="4800" dirty="0">
+                <a:latin typeface="Microsoft YaHei" panose="020B0503020204020204" pitchFamily="34" charset="-122"/>
+                <a:ea typeface="Microsoft YaHei" panose="020B0503020204020204" pitchFamily="34" charset="-122"/>
+              </a:rPr>
+              <a:t> 和</a:t>
+            </a:r>
+            <a:r>
+              <a:rPr kumimoji="1" lang="en-US" altLang="zh-CN" sz="4800" dirty="0">
+                <a:latin typeface="Microsoft YaHei" panose="020B0503020204020204" pitchFamily="34" charset="-122"/>
+                <a:ea typeface="Microsoft YaHei" panose="020B0503020204020204" pitchFamily="34" charset="-122"/>
+              </a:rPr>
+              <a:t>Unicode</a:t>
+            </a:r>
+            <a:endParaRPr kumimoji="1" lang="zh-CN" altLang="en-US" sz="4800" dirty="0">
+              <a:latin typeface="Microsoft YaHei" panose="020B0503020204020204" pitchFamily="34" charset="-122"/>
+              <a:ea typeface="Microsoft YaHei" panose="020B0503020204020204" pitchFamily="34" charset="-122"/>
+            </a:endParaRPr>
+          </a:p>
+        </p:txBody>
+      </p:sp>
+      <p:sp>
+        <p:nvSpPr>
+          <p:cNvPr id="4" name="文本框 3">
+            <a:extLst>
+              <a:ext uri="{FF2B5EF4-FFF2-40B4-BE49-F238E27FC236}">
+                <a16:creationId xmlns:a16="http://schemas.microsoft.com/office/drawing/2014/main" id="{7E45E982-CF6C-734E-9350-731B38FF0ED0}"/>
+              </a:ext>
+            </a:extLst>
+          </p:cNvPr>
+          <p:cNvSpPr txBox="1"/>
+          <p:nvPr/>
+        </p:nvSpPr>
+        <p:spPr>
+          <a:xfrm>
+            <a:off x="2020186" y="2275367"/>
+            <a:ext cx="9144000" cy="3539430"/>
+          </a:xfrm>
+          <a:prstGeom prst="rect">
+            <a:avLst/>
+          </a:prstGeom>
+          <a:noFill/>
+        </p:spPr>
+        <p:txBody>
+          <a:bodyPr wrap="square" rtlCol="0">
+            <a:spAutoFit/>
+          </a:bodyPr>
+          <a:lstStyle/>
+          <a:p>
+            <a:pPr marL="457200" indent="-457200">
+              <a:buFont typeface="Arial" panose="020B0604020202020204" pitchFamily="34" charset="0"/>
+              <a:buChar char="•"/>
+            </a:pPr>
+            <a:r>
+              <a:rPr kumimoji="1" lang="en-US" altLang="zh-CN" sz="3200" dirty="0"/>
+              <a:t>ASCII</a:t>
+            </a:r>
+            <a:r>
+              <a:rPr kumimoji="1" lang="zh-CN" altLang="en-US" sz="3200" dirty="0"/>
+              <a:t> </a:t>
+            </a:r>
+            <a:r>
+              <a:rPr kumimoji="1" lang="en-US" altLang="zh-CN" sz="3200" dirty="0"/>
+              <a:t>:</a:t>
+            </a:r>
+            <a:r>
+              <a:rPr kumimoji="1" lang="zh-CN" altLang="en-US" sz="3200" dirty="0"/>
+              <a:t> </a:t>
+            </a:r>
+            <a:r>
+              <a:rPr kumimoji="1" lang="en-US" altLang="zh-CN" sz="3200" dirty="0"/>
+              <a:t>8</a:t>
+            </a:r>
+            <a:r>
+              <a:rPr kumimoji="1" lang="zh-CN" altLang="en-US" sz="3200" dirty="0"/>
+              <a:t>位编码 。 因为它表示字符有限，所以有了下面的</a:t>
+            </a:r>
+            <a:r>
+              <a:rPr kumimoji="1" lang="en-US" altLang="zh-CN" sz="3200" dirty="0"/>
+              <a:t>Unicode</a:t>
+            </a:r>
+            <a:r>
+              <a:rPr kumimoji="1" lang="zh-CN" altLang="en-US" sz="3200" dirty="0"/>
+              <a:t>。</a:t>
+            </a:r>
+            <a:endParaRPr kumimoji="1" lang="en-US" altLang="zh-CN" sz="3200" dirty="0"/>
+          </a:p>
+          <a:p>
+            <a:pPr marL="457200" indent="-457200">
+              <a:buFont typeface="Arial" panose="020B0604020202020204" pitchFamily="34" charset="0"/>
+              <a:buChar char="•"/>
+            </a:pPr>
+            <a:r>
+              <a:rPr kumimoji="1" lang="en-US" altLang="zh-CN" sz="3200" dirty="0"/>
+              <a:t>Unicode:</a:t>
+            </a:r>
+            <a:r>
+              <a:rPr kumimoji="1" lang="zh-CN" altLang="en-US" sz="3200" dirty="0"/>
+              <a:t> 用</a:t>
+            </a:r>
+            <a:r>
+              <a:rPr kumimoji="1" lang="en-US" altLang="zh-CN" sz="3200" dirty="0"/>
+              <a:t>1-4</a:t>
+            </a:r>
+            <a:r>
+              <a:rPr kumimoji="1" lang="zh-CN" altLang="en-US" sz="3200" dirty="0"/>
+              <a:t>个字节</a:t>
+            </a:r>
+            <a:r>
+              <a:rPr kumimoji="1" lang="en-US" altLang="zh-CN" sz="3200" dirty="0"/>
+              <a:t>(8-32</a:t>
+            </a:r>
+            <a:r>
+              <a:rPr kumimoji="1" lang="zh-CN" altLang="en-US" sz="3200" dirty="0"/>
+              <a:t>位编码</a:t>
+            </a:r>
+            <a:r>
+              <a:rPr kumimoji="1" lang="en-US" altLang="zh-CN" sz="3200" dirty="0"/>
+              <a:t>)</a:t>
+            </a:r>
+            <a:r>
+              <a:rPr kumimoji="1" lang="zh-CN" altLang="en-US" sz="3200" dirty="0"/>
+              <a:t>，能表示所有语言的符号。其中有</a:t>
+            </a:r>
+            <a:r>
+              <a:rPr kumimoji="1" lang="en-US" altLang="zh-CN" sz="3200" dirty="0"/>
+              <a:t>UTF-8</a:t>
+            </a:r>
+            <a:r>
+              <a:rPr kumimoji="1" lang="zh-CN" altLang="en-US" sz="3200" dirty="0"/>
+              <a:t>，</a:t>
+            </a:r>
+            <a:r>
+              <a:rPr kumimoji="1" lang="en-US" altLang="zh-CN" sz="3200" dirty="0"/>
+              <a:t>UTF-16,UTF-32</a:t>
+            </a:r>
+            <a:r>
+              <a:rPr kumimoji="1" lang="zh-CN" altLang="en-US" sz="3200" dirty="0"/>
+              <a:t>等标准。</a:t>
+            </a:r>
+            <a:r>
+              <a:rPr kumimoji="1" lang="en-US" altLang="zh-CN" sz="3200" dirty="0"/>
+              <a:t>UTF-8</a:t>
+            </a:r>
+            <a:r>
+              <a:rPr kumimoji="1" lang="zh-CN" altLang="en-US" sz="3200" dirty="0"/>
+              <a:t>是常用的编码方式，是种压缩的编码，毕竟每个字符是不需要</a:t>
+            </a:r>
+            <a:r>
+              <a:rPr kumimoji="1" lang="en-US" altLang="zh-CN" sz="3200" dirty="0"/>
+              <a:t>32</a:t>
+            </a:r>
+            <a:r>
+              <a:rPr kumimoji="1" lang="zh-CN" altLang="en-US" sz="3200" dirty="0"/>
+              <a:t>位来浪费存储的。</a:t>
+            </a:r>
+          </a:p>
+        </p:txBody>
+      </p:sp>
     </p:spTree>
     <p:extLst>
       <p:ext uri="{BB962C8B-B14F-4D97-AF65-F5344CB8AC3E}">
-        <p14:creationId xmlns:p14="http://schemas.microsoft.com/office/powerpoint/2010/main" val="2435530102"/>
+        <p14:creationId xmlns:p14="http://schemas.microsoft.com/office/powerpoint/2010/main" val="3634669245"/>
       </p:ext>
     </p:extLst>
   </p:cSld>
@@ -11720,89 +7476,214 @@
           <a:chExt cx="0" cy="0"/>
         </a:xfrm>
       </p:grpSpPr>
-      <p:pic>
-        <p:nvPicPr>
-          <p:cNvPr id="7" name="图片 6">
-            <a:extLst>
-              <a:ext uri="{FF2B5EF4-FFF2-40B4-BE49-F238E27FC236}">
-                <a16:creationId xmlns:a16="http://schemas.microsoft.com/office/drawing/2014/main" id="{CAC61A07-A623-0548-ABC3-758087BC63D6}"/>
-              </a:ext>
-            </a:extLst>
-          </p:cNvPr>
-          <p:cNvPicPr>
-            <a:picLocks noChangeAspect="1"/>
-          </p:cNvPicPr>
+      <p:sp>
+        <p:nvSpPr>
+          <p:cNvPr id="2" name="文本框 1">
+            <a:extLst>
+              <a:ext uri="{FF2B5EF4-FFF2-40B4-BE49-F238E27FC236}">
+                <a16:creationId xmlns:a16="http://schemas.microsoft.com/office/drawing/2014/main" id="{12AA8BCC-7B15-4842-80C2-48C079429338}"/>
+              </a:ext>
+            </a:extLst>
+          </p:cNvPr>
+          <p:cNvSpPr txBox="1"/>
           <p:nvPr/>
-        </p:nvPicPr>
-        <p:blipFill>
-          <a:blip r:embed="rId4"/>
-          <a:stretch>
-            <a:fillRect/>
-          </a:stretch>
-        </p:blipFill>
+        </p:nvSpPr>
         <p:spPr>
           <a:xfrm>
-            <a:off x="5001083" y="0"/>
-            <a:ext cx="5382954" cy="6802120"/>
+            <a:off x="2520000" y="720000"/>
+            <a:ext cx="7735824" cy="830997"/>
           </a:xfrm>
           <a:prstGeom prst="rect">
             <a:avLst/>
           </a:prstGeom>
+          <a:noFill/>
         </p:spPr>
-      </p:pic>
-      <p:sp>
-        <p:nvSpPr>
-          <p:cNvPr id="9" name="五边形 8">
-            <a:extLst>
-              <a:ext uri="{FF2B5EF4-FFF2-40B4-BE49-F238E27FC236}">
-                <a16:creationId xmlns:a16="http://schemas.microsoft.com/office/drawing/2014/main" id="{6D8126BD-2403-FC42-A08B-1971F2B1FE03}"/>
-              </a:ext>
-            </a:extLst>
-          </p:cNvPr>
-          <p:cNvSpPr/>
+        <p:txBody>
+          <a:bodyPr wrap="square" rtlCol="0">
+            <a:spAutoFit/>
+          </a:bodyPr>
+          <a:lstStyle/>
+          <a:p>
+            <a:pPr algn="ctr"/>
+            <a:r>
+              <a:rPr kumimoji="1" lang="en-US" altLang="zh-CN" sz="4800" dirty="0">
+                <a:latin typeface="Microsoft YaHei" panose="020B0503020204020204" pitchFamily="34" charset="-122"/>
+                <a:ea typeface="Microsoft YaHei" panose="020B0503020204020204" pitchFamily="34" charset="-122"/>
+              </a:rPr>
+              <a:t>3.</a:t>
+            </a:r>
+            <a:r>
+              <a:rPr kumimoji="1" lang="zh-CN" altLang="en-US" sz="4800" dirty="0">
+                <a:latin typeface="Microsoft YaHei" panose="020B0503020204020204" pitchFamily="34" charset="-122"/>
+                <a:ea typeface="Microsoft YaHei" panose="020B0503020204020204" pitchFamily="34" charset="-122"/>
+              </a:rPr>
+              <a:t>特殊字符和转义字符</a:t>
+            </a:r>
+          </a:p>
+        </p:txBody>
+      </p:sp>
+      <p:sp>
+        <p:nvSpPr>
+          <p:cNvPr id="4" name="文本框 3">
+            <a:extLst>
+              <a:ext uri="{FF2B5EF4-FFF2-40B4-BE49-F238E27FC236}">
+                <a16:creationId xmlns:a16="http://schemas.microsoft.com/office/drawing/2014/main" id="{7E45E982-CF6C-734E-9350-731B38FF0ED0}"/>
+              </a:ext>
+            </a:extLst>
+          </p:cNvPr>
+          <p:cNvSpPr txBox="1"/>
           <p:nvPr/>
         </p:nvSpPr>
         <p:spPr>
           <a:xfrm>
-            <a:off x="1807963" y="2766450"/>
-            <a:ext cx="2377440" cy="1137920"/>
+            <a:off x="877907" y="4856861"/>
+            <a:ext cx="10419907" cy="954107"/>
           </a:xfrm>
-          <a:prstGeom prst="homePlate">
+          <a:prstGeom prst="rect">
             <a:avLst/>
           </a:prstGeom>
+          <a:noFill/>
         </p:spPr>
-        <p:style>
-          <a:lnRef idx="2">
-            <a:schemeClr val="accent1">
-              <a:shade val="50000"/>
-            </a:schemeClr>
-          </a:lnRef>
-          <a:fillRef idx="1">
-            <a:schemeClr val="accent1"/>
-          </a:fillRef>
-          <a:effectRef idx="0">
-            <a:schemeClr val="accent1"/>
-          </a:effectRef>
-          <a:fontRef idx="minor">
-            <a:schemeClr val="lt1"/>
-          </a:fontRef>
-        </p:style>
-        <p:txBody>
-          <a:bodyPr rtlCol="0" anchor="ctr"/>
-          <a:lstStyle/>
-          <a:p>
-            <a:pPr algn="ctr"/>
-            <a:r>
-              <a:rPr kumimoji="1" lang="zh-CN" altLang="en-US" sz="2400" dirty="0"/>
-              <a:t>发送消息流程</a:t>
-            </a:r>
+        <p:txBody>
+          <a:bodyPr wrap="square" rtlCol="0">
+            <a:spAutoFit/>
+          </a:bodyPr>
+          <a:lstStyle/>
+          <a:p>
+            <a:r>
+              <a:rPr kumimoji="1" lang="en-US" altLang="zh-CN" sz="2800" dirty="0" err="1"/>
+              <a:t>System.out.println</a:t>
+            </a:r>
+            <a:r>
+              <a:rPr kumimoji="1" lang="en-US" altLang="zh-CN" sz="2800" dirty="0"/>
+              <a:t>(“</a:t>
+            </a:r>
+            <a:r>
+              <a:rPr kumimoji="1" lang="zh-CN" altLang="en-US" sz="2800" dirty="0"/>
+              <a:t> 妈妈说 </a:t>
+            </a:r>
+            <a:r>
+              <a:rPr kumimoji="1" lang="en-US" altLang="zh-CN" sz="2800" dirty="0"/>
+              <a:t>:</a:t>
+            </a:r>
+            <a:r>
+              <a:rPr kumimoji="1" lang="zh-CN" altLang="en-US" sz="2800" dirty="0"/>
+              <a:t> </a:t>
+            </a:r>
+            <a:r>
+              <a:rPr kumimoji="1" lang="en-US" altLang="zh-CN" sz="2800" dirty="0"/>
+              <a:t>\</a:t>
+            </a:r>
+            <a:r>
+              <a:rPr kumimoji="1" lang="zh-CN" altLang="en-US" sz="2800" dirty="0"/>
+              <a:t>”天气冷了，你该穿秋裤了“</a:t>
+            </a:r>
+            <a:r>
+              <a:rPr kumimoji="1" lang="en-US" altLang="zh-CN" sz="2800" dirty="0"/>
+              <a:t>\</a:t>
+            </a:r>
+            <a:r>
+              <a:rPr kumimoji="1" lang="zh-CN" altLang="en-US" sz="2800" dirty="0"/>
+              <a:t>，你听到后</a:t>
+            </a:r>
+            <a:r>
+              <a:rPr kumimoji="1" lang="en-US" altLang="zh-CN" sz="2800" dirty="0"/>
+              <a:t>….</a:t>
+            </a:r>
+            <a:r>
+              <a:rPr kumimoji="1" lang="zh-CN" altLang="en-US" sz="2800" dirty="0"/>
+              <a:t> </a:t>
+            </a:r>
+            <a:r>
+              <a:rPr kumimoji="1" lang="en-US" altLang="zh-CN" sz="2800" dirty="0"/>
+              <a:t>”)</a:t>
+            </a:r>
+            <a:endParaRPr kumimoji="1" lang="zh-CN" altLang="en-US" sz="2800" dirty="0"/>
+          </a:p>
+        </p:txBody>
+      </p:sp>
+      <p:sp>
+        <p:nvSpPr>
+          <p:cNvPr id="5" name="文本框 4">
+            <a:extLst>
+              <a:ext uri="{FF2B5EF4-FFF2-40B4-BE49-F238E27FC236}">
+                <a16:creationId xmlns:a16="http://schemas.microsoft.com/office/drawing/2014/main" id="{BDDFC8EF-233D-6844-BAEC-86A2AA36D545}"/>
+              </a:ext>
+            </a:extLst>
+          </p:cNvPr>
+          <p:cNvSpPr txBox="1"/>
+          <p:nvPr/>
+        </p:nvSpPr>
+        <p:spPr>
+          <a:xfrm>
+            <a:off x="935664" y="2295988"/>
+            <a:ext cx="9937898" cy="1815882"/>
+          </a:xfrm>
+          <a:prstGeom prst="rect">
+            <a:avLst/>
+          </a:prstGeom>
+          <a:noFill/>
+        </p:spPr>
+        <p:txBody>
+          <a:bodyPr wrap="square" rtlCol="0">
+            <a:spAutoFit/>
+          </a:bodyPr>
+          <a:lstStyle/>
+          <a:p>
+            <a:r>
+              <a:rPr kumimoji="1" lang="zh-CN" altLang="en-US" sz="2800" dirty="0"/>
+              <a:t>转义字符的作用：</a:t>
+            </a:r>
+            <a:endParaRPr kumimoji="1" lang="en-US" altLang="zh-CN" sz="2800" dirty="0"/>
+          </a:p>
+          <a:p>
+            <a:pPr marL="514350" indent="-514350">
+              <a:buFont typeface="+mj-lt"/>
+              <a:buAutoNum type="arabicPeriod"/>
+            </a:pPr>
+            <a:r>
+              <a:rPr kumimoji="1" lang="zh-CN" altLang="en-US" sz="2800" dirty="0"/>
+              <a:t>为了让字符串内容中出现的某些符号</a:t>
+            </a:r>
+            <a:r>
+              <a:rPr kumimoji="1" lang="en-US" altLang="zh-CN" sz="2800" dirty="0"/>
+              <a:t>(</a:t>
+            </a:r>
+            <a:r>
+              <a:rPr kumimoji="1" lang="zh-CN" altLang="en-US" sz="2800" dirty="0"/>
+              <a:t>已被字符串指定为特殊用途</a:t>
+            </a:r>
+            <a:r>
+              <a:rPr kumimoji="1" lang="en-US" altLang="zh-CN" sz="2800" dirty="0"/>
+              <a:t>)</a:t>
+            </a:r>
+            <a:r>
+              <a:rPr kumimoji="1" lang="zh-CN" altLang="en-US" sz="2800" dirty="0"/>
+              <a:t>，按照其本身意义输出，比如 双引号“</a:t>
+            </a:r>
+            <a:endParaRPr kumimoji="1" lang="en-US" altLang="zh-CN" sz="2800" dirty="0"/>
+          </a:p>
+          <a:p>
+            <a:pPr marL="514350" indent="-514350">
+              <a:buFont typeface="+mj-lt"/>
+              <a:buAutoNum type="arabicPeriod"/>
+            </a:pPr>
+            <a:r>
+              <a:rPr kumimoji="1" lang="zh-CN" altLang="en-US" sz="2800" dirty="0"/>
+              <a:t>为了输出 通过键盘上难以打出的字符 ，比如换行</a:t>
+            </a:r>
+            <a:r>
+              <a:rPr kumimoji="1" lang="en-US" altLang="zh-CN" sz="2800" dirty="0"/>
+              <a:t>:\n</a:t>
+            </a:r>
+            <a:endParaRPr kumimoji="1" lang="zh-CN" altLang="en-US" sz="2800" dirty="0"/>
           </a:p>
         </p:txBody>
       </p:sp>
     </p:spTree>
     <p:extLst>
       <p:ext uri="{BB962C8B-B14F-4D97-AF65-F5344CB8AC3E}">
-        <p14:creationId xmlns:p14="http://schemas.microsoft.com/office/powerpoint/2010/main" val="4020449818"/>
+        <p14:creationId xmlns:p14="http://schemas.microsoft.com/office/powerpoint/2010/main" val="1711521261"/>
       </p:ext>
     </p:extLst>
   </p:cSld>
@@ -11840,10 +7721,10 @@
       </p:grpSpPr>
       <p:sp>
         <p:nvSpPr>
-          <p:cNvPr id="8" name="文本框 7">
-            <a:extLst>
-              <a:ext uri="{FF2B5EF4-FFF2-40B4-BE49-F238E27FC236}">
-                <a16:creationId xmlns:a16="http://schemas.microsoft.com/office/drawing/2014/main" id="{B294230C-E86E-7247-BAC6-5F43DED3D0AF}"/>
+          <p:cNvPr id="2" name="文本框 1">
+            <a:extLst>
+              <a:ext uri="{FF2B5EF4-FFF2-40B4-BE49-F238E27FC236}">
+                <a16:creationId xmlns:a16="http://schemas.microsoft.com/office/drawing/2014/main" id="{12AA8BCC-7B15-4842-80C2-48C079429338}"/>
               </a:ext>
             </a:extLst>
           </p:cNvPr>
@@ -11852,8 +7733,8 @@
         </p:nvSpPr>
         <p:spPr>
           <a:xfrm>
-            <a:off x="2012000" y="2278185"/>
-            <a:ext cx="9123360" cy="2301629"/>
+            <a:off x="2520000" y="720000"/>
+            <a:ext cx="7735824" cy="830997"/>
           </a:xfrm>
           <a:prstGeom prst="rect">
             <a:avLst/>
@@ -11861,54 +7742,63 @@
           <a:noFill/>
         </p:spPr>
         <p:txBody>
-          <a:bodyPr wrap="square" tIns="360000" bIns="360000" rtlCol="0">
+          <a:bodyPr wrap="square" rtlCol="0">
             <a:spAutoFit/>
           </a:bodyPr>
           <a:lstStyle/>
           <a:p>
-            <a:pPr>
-              <a:lnSpc>
-                <a:spcPct val="150000"/>
-              </a:lnSpc>
-            </a:pPr>
-            <a:r>
-              <a:rPr kumimoji="1" lang="zh-CN" altLang="en-US" sz="3600" dirty="0">
-                <a:ea typeface="Microsoft YaHei" panose="020B0503020204020204" pitchFamily="34" charset="-122"/>
-              </a:rPr>
-              <a:t>但是，发送消息的路径只有这一个按钮吗？</a:t>
-            </a:r>
-            <a:endParaRPr kumimoji="1" lang="en-US" altLang="zh-CN" sz="3600" dirty="0">
-              <a:ea typeface="Microsoft YaHei" panose="020B0503020204020204" pitchFamily="34" charset="-122"/>
-            </a:endParaRPr>
-          </a:p>
-          <a:p>
-            <a:pPr>
-              <a:lnSpc>
-                <a:spcPct val="150000"/>
-              </a:lnSpc>
-            </a:pPr>
-            <a:r>
-              <a:rPr kumimoji="1" lang="en-US" altLang="zh-CN" sz="3600" dirty="0">
-                <a:ea typeface="Microsoft YaHei" panose="020B0503020204020204" pitchFamily="34" charset="-122"/>
-              </a:rPr>
-              <a:t>			No</a:t>
-            </a:r>
-            <a:r>
-              <a:rPr kumimoji="1" lang="zh-CN" altLang="en-US" sz="3600" dirty="0">
-                <a:ea typeface="Microsoft YaHei" panose="020B0503020204020204" pitchFamily="34" charset="-122"/>
-              </a:rPr>
-              <a:t> 啊！</a:t>
-            </a:r>
-            <a:endParaRPr kumimoji="1" lang="en-US" altLang="zh-CN" sz="3600" dirty="0">
-              <a:ea typeface="Microsoft YaHei" panose="020B0503020204020204" pitchFamily="34" charset="-122"/>
-            </a:endParaRPr>
-          </a:p>
-        </p:txBody>
-      </p:sp>
+            <a:pPr algn="ctr"/>
+            <a:r>
+              <a:rPr kumimoji="1" lang="en-US" altLang="zh-CN" sz="4800" dirty="0">
+                <a:latin typeface="Microsoft YaHei" panose="020B0503020204020204" pitchFamily="34" charset="-122"/>
+                <a:ea typeface="Microsoft YaHei" panose="020B0503020204020204" pitchFamily="34" charset="-122"/>
+              </a:rPr>
+              <a:t>3.</a:t>
+            </a:r>
+            <a:r>
+              <a:rPr kumimoji="1" lang="zh-CN" altLang="en-US" sz="4800" dirty="0">
+                <a:latin typeface="Microsoft YaHei" panose="020B0503020204020204" pitchFamily="34" charset="-122"/>
+                <a:ea typeface="Microsoft YaHei" panose="020B0503020204020204" pitchFamily="34" charset="-122"/>
+              </a:rPr>
+              <a:t>常用转义字符</a:t>
+            </a:r>
+          </a:p>
+        </p:txBody>
+      </p:sp>
+      <p:pic>
+        <p:nvPicPr>
+          <p:cNvPr id="3" name="图片 2">
+            <a:extLst>
+              <a:ext uri="{FF2B5EF4-FFF2-40B4-BE49-F238E27FC236}">
+                <a16:creationId xmlns:a16="http://schemas.microsoft.com/office/drawing/2014/main" id="{C82D2F49-1269-094F-A233-9AADC5A26F6C}"/>
+              </a:ext>
+            </a:extLst>
+          </p:cNvPr>
+          <p:cNvPicPr>
+            <a:picLocks noChangeAspect="1"/>
+          </p:cNvPicPr>
+          <p:nvPr/>
+        </p:nvPicPr>
+        <p:blipFill>
+          <a:blip r:embed="rId4"/>
+          <a:stretch>
+            <a:fillRect/>
+          </a:stretch>
+        </p:blipFill>
+        <p:spPr>
+          <a:xfrm>
+            <a:off x="523481" y="2207584"/>
+            <a:ext cx="11145037" cy="3470201"/>
+          </a:xfrm>
+          <a:prstGeom prst="rect">
+            <a:avLst/>
+          </a:prstGeom>
+        </p:spPr>
+      </p:pic>
     </p:spTree>
     <p:extLst>
       <p:ext uri="{BB962C8B-B14F-4D97-AF65-F5344CB8AC3E}">
-        <p14:creationId xmlns:p14="http://schemas.microsoft.com/office/powerpoint/2010/main" val="4075965683"/>
+        <p14:creationId xmlns:p14="http://schemas.microsoft.com/office/powerpoint/2010/main" val="3639934790"/>
       </p:ext>
     </p:extLst>
   </p:cSld>
